--- a/Inversion of Control.pptx
+++ b/Inversion of Control.pptx
@@ -5,18 +5,22 @@
     <p:sldMasterId id="2147483648" r:id="rId1"/>
   </p:sldMasterIdLst>
   <p:notesMasterIdLst>
-    <p:notesMasterId r:id="rId11"/>
+    <p:notesMasterId r:id="rId15"/>
   </p:notesMasterIdLst>
   <p:sldIdLst>
     <p:sldId id="257" r:id="rId2"/>
     <p:sldId id="258" r:id="rId3"/>
     <p:sldId id="259" r:id="rId4"/>
-    <p:sldId id="260" r:id="rId5"/>
-    <p:sldId id="261" r:id="rId6"/>
+    <p:sldId id="266" r:id="rId5"/>
+    <p:sldId id="260" r:id="rId6"/>
     <p:sldId id="262" r:id="rId7"/>
     <p:sldId id="263" r:id="rId8"/>
     <p:sldId id="265" r:id="rId9"/>
-    <p:sldId id="264" r:id="rId10"/>
+    <p:sldId id="267" r:id="rId10"/>
+    <p:sldId id="264" r:id="rId11"/>
+    <p:sldId id="268" r:id="rId12"/>
+    <p:sldId id="269" r:id="rId13"/>
+    <p:sldId id="271" r:id="rId14"/>
   </p:sldIdLst>
   <p:sldSz cx="9144000" cy="6858000" type="screen4x3"/>
   <p:notesSz cx="6858000" cy="9144000"/>
@@ -200,6 +204,7 @@
           <a:p>
             <a:fld id="{75788F4F-808A-4D32-830E-57B0D9ED3B16}" type="datetimeFigureOut">
               <a:rPr lang="ru-RU" smtClean="0"/>
+              <a:pPr/>
               <a:t>19.03.2012</a:t>
             </a:fld>
             <a:endParaRPr lang="ru-RU"/>
@@ -361,6 +366,7 @@
           <a:p>
             <a:fld id="{635F1DA2-D842-4A19-BBD1-D64C1A8EE288}" type="slidenum">
               <a:rPr lang="ru-RU" smtClean="0"/>
+              <a:pPr/>
               <a:t>‹#›</a:t>
             </a:fld>
             <a:endParaRPr lang="ru-RU"/>
@@ -532,6 +538,7 @@
           <a:p>
             <a:fld id="{635F1DA2-D842-4A19-BBD1-D64C1A8EE288}" type="slidenum">
               <a:rPr lang="ru-RU" smtClean="0"/>
+              <a:pPr/>
               <a:t>7</a:t>
             </a:fld>
             <a:endParaRPr lang="ru-RU"/>
@@ -613,6 +620,7 @@
           <a:p>
             <a:fld id="{635F1DA2-D842-4A19-BBD1-D64C1A8EE288}" type="slidenum">
               <a:rPr lang="ru-RU" smtClean="0"/>
+              <a:pPr/>
               <a:t>8</a:t>
             </a:fld>
             <a:endParaRPr lang="ru-RU"/>
@@ -694,7 +702,254 @@
           <a:p>
             <a:fld id="{635F1DA2-D842-4A19-BBD1-D64C1A8EE288}" type="slidenum">
               <a:rPr lang="ru-RU" smtClean="0"/>
+              <a:pPr/>
               <a:t>9</a:t>
+            </a:fld>
+            <a:endParaRPr lang="ru-RU"/>
+          </a:p>
+        </p:txBody>
+      </p:sp>
+    </p:spTree>
+  </p:cSld>
+  <p:clrMapOvr>
+    <a:masterClrMapping/>
+  </p:clrMapOvr>
+</p:notes>
+</file>
+
+<file path=ppt/notesSlides/notesSlide4.xml><?xml version="1.0" encoding="utf-8"?>
+<p:notes xmlns:a="http://schemas.openxmlformats.org/drawingml/2006/main" xmlns:r="http://schemas.openxmlformats.org/officeDocument/2006/relationships" xmlns:p="http://schemas.openxmlformats.org/presentationml/2006/main">
+  <p:cSld>
+    <p:spTree>
+      <p:nvGrpSpPr>
+        <p:cNvPr id="1" name=""/>
+        <p:cNvGrpSpPr/>
+        <p:nvPr/>
+      </p:nvGrpSpPr>
+      <p:grpSpPr>
+        <a:xfrm>
+          <a:off x="0" y="0"/>
+          <a:ext cx="0" cy="0"/>
+          <a:chOff x="0" y="0"/>
+          <a:chExt cx="0" cy="0"/>
+        </a:xfrm>
+      </p:grpSpPr>
+      <p:sp>
+        <p:nvSpPr>
+          <p:cNvPr id="2" name="Образ слайда 1"/>
+          <p:cNvSpPr>
+            <a:spLocks noGrp="1" noRot="1" noChangeAspect="1"/>
+          </p:cNvSpPr>
+          <p:nvPr>
+            <p:ph type="sldImg"/>
+          </p:nvPr>
+        </p:nvSpPr>
+        <p:spPr/>
+      </p:sp>
+      <p:sp>
+        <p:nvSpPr>
+          <p:cNvPr id="3" name="Заметки 2"/>
+          <p:cNvSpPr>
+            <a:spLocks noGrp="1"/>
+          </p:cNvSpPr>
+          <p:nvPr>
+            <p:ph type="body" idx="1"/>
+          </p:nvPr>
+        </p:nvSpPr>
+        <p:spPr/>
+        <p:txBody>
+          <a:bodyPr>
+            <a:normAutofit/>
+          </a:bodyPr>
+          <a:lstStyle/>
+          <a:p>
+            <a:endParaRPr lang="ru-RU" dirty="0"/>
+          </a:p>
+        </p:txBody>
+      </p:sp>
+      <p:sp>
+        <p:nvSpPr>
+          <p:cNvPr id="4" name="Номер слайда 3"/>
+          <p:cNvSpPr>
+            <a:spLocks noGrp="1"/>
+          </p:cNvSpPr>
+          <p:nvPr>
+            <p:ph type="sldNum" sz="quarter" idx="10"/>
+          </p:nvPr>
+        </p:nvSpPr>
+        <p:spPr/>
+        <p:txBody>
+          <a:bodyPr/>
+          <a:lstStyle/>
+          <a:p>
+            <a:fld id="{635F1DA2-D842-4A19-BBD1-D64C1A8EE288}" type="slidenum">
+              <a:rPr lang="ru-RU" smtClean="0"/>
+              <a:pPr/>
+              <a:t>10</a:t>
+            </a:fld>
+            <a:endParaRPr lang="ru-RU"/>
+          </a:p>
+        </p:txBody>
+      </p:sp>
+    </p:spTree>
+  </p:cSld>
+  <p:clrMapOvr>
+    <a:masterClrMapping/>
+  </p:clrMapOvr>
+</p:notes>
+</file>
+
+<file path=ppt/notesSlides/notesSlide5.xml><?xml version="1.0" encoding="utf-8"?>
+<p:notes xmlns:a="http://schemas.openxmlformats.org/drawingml/2006/main" xmlns:r="http://schemas.openxmlformats.org/officeDocument/2006/relationships" xmlns:p="http://schemas.openxmlformats.org/presentationml/2006/main">
+  <p:cSld>
+    <p:spTree>
+      <p:nvGrpSpPr>
+        <p:cNvPr id="1" name=""/>
+        <p:cNvGrpSpPr/>
+        <p:nvPr/>
+      </p:nvGrpSpPr>
+      <p:grpSpPr>
+        <a:xfrm>
+          <a:off x="0" y="0"/>
+          <a:ext cx="0" cy="0"/>
+          <a:chOff x="0" y="0"/>
+          <a:chExt cx="0" cy="0"/>
+        </a:xfrm>
+      </p:grpSpPr>
+      <p:sp>
+        <p:nvSpPr>
+          <p:cNvPr id="2" name="Образ слайда 1"/>
+          <p:cNvSpPr>
+            <a:spLocks noGrp="1" noRot="1" noChangeAspect="1"/>
+          </p:cNvSpPr>
+          <p:nvPr>
+            <p:ph type="sldImg"/>
+          </p:nvPr>
+        </p:nvSpPr>
+        <p:spPr/>
+      </p:sp>
+      <p:sp>
+        <p:nvSpPr>
+          <p:cNvPr id="3" name="Заметки 2"/>
+          <p:cNvSpPr>
+            <a:spLocks noGrp="1"/>
+          </p:cNvSpPr>
+          <p:nvPr>
+            <p:ph type="body" idx="1"/>
+          </p:nvPr>
+        </p:nvSpPr>
+        <p:spPr/>
+        <p:txBody>
+          <a:bodyPr>
+            <a:normAutofit/>
+          </a:bodyPr>
+          <a:lstStyle/>
+          <a:p>
+            <a:endParaRPr lang="ru-RU" dirty="0"/>
+          </a:p>
+        </p:txBody>
+      </p:sp>
+      <p:sp>
+        <p:nvSpPr>
+          <p:cNvPr id="4" name="Номер слайда 3"/>
+          <p:cNvSpPr>
+            <a:spLocks noGrp="1"/>
+          </p:cNvSpPr>
+          <p:nvPr>
+            <p:ph type="sldNum" sz="quarter" idx="10"/>
+          </p:nvPr>
+        </p:nvSpPr>
+        <p:spPr/>
+        <p:txBody>
+          <a:bodyPr/>
+          <a:lstStyle/>
+          <a:p>
+            <a:fld id="{635F1DA2-D842-4A19-BBD1-D64C1A8EE288}" type="slidenum">
+              <a:rPr lang="ru-RU" smtClean="0"/>
+              <a:pPr/>
+              <a:t>11</a:t>
+            </a:fld>
+            <a:endParaRPr lang="ru-RU"/>
+          </a:p>
+        </p:txBody>
+      </p:sp>
+    </p:spTree>
+  </p:cSld>
+  <p:clrMapOvr>
+    <a:masterClrMapping/>
+  </p:clrMapOvr>
+</p:notes>
+</file>
+
+<file path=ppt/notesSlides/notesSlide6.xml><?xml version="1.0" encoding="utf-8"?>
+<p:notes xmlns:a="http://schemas.openxmlformats.org/drawingml/2006/main" xmlns:r="http://schemas.openxmlformats.org/officeDocument/2006/relationships" xmlns:p="http://schemas.openxmlformats.org/presentationml/2006/main">
+  <p:cSld>
+    <p:spTree>
+      <p:nvGrpSpPr>
+        <p:cNvPr id="1" name=""/>
+        <p:cNvGrpSpPr/>
+        <p:nvPr/>
+      </p:nvGrpSpPr>
+      <p:grpSpPr>
+        <a:xfrm>
+          <a:off x="0" y="0"/>
+          <a:ext cx="0" cy="0"/>
+          <a:chOff x="0" y="0"/>
+          <a:chExt cx="0" cy="0"/>
+        </a:xfrm>
+      </p:grpSpPr>
+      <p:sp>
+        <p:nvSpPr>
+          <p:cNvPr id="2" name="Образ слайда 1"/>
+          <p:cNvSpPr>
+            <a:spLocks noGrp="1" noRot="1" noChangeAspect="1"/>
+          </p:cNvSpPr>
+          <p:nvPr>
+            <p:ph type="sldImg"/>
+          </p:nvPr>
+        </p:nvSpPr>
+        <p:spPr/>
+      </p:sp>
+      <p:sp>
+        <p:nvSpPr>
+          <p:cNvPr id="3" name="Заметки 2"/>
+          <p:cNvSpPr>
+            <a:spLocks noGrp="1"/>
+          </p:cNvSpPr>
+          <p:nvPr>
+            <p:ph type="body" idx="1"/>
+          </p:nvPr>
+        </p:nvSpPr>
+        <p:spPr/>
+        <p:txBody>
+          <a:bodyPr>
+            <a:normAutofit/>
+          </a:bodyPr>
+          <a:lstStyle/>
+          <a:p>
+            <a:endParaRPr lang="ru-RU" dirty="0"/>
+          </a:p>
+        </p:txBody>
+      </p:sp>
+      <p:sp>
+        <p:nvSpPr>
+          <p:cNvPr id="4" name="Номер слайда 3"/>
+          <p:cNvSpPr>
+            <a:spLocks noGrp="1"/>
+          </p:cNvSpPr>
+          <p:nvPr>
+            <p:ph type="sldNum" sz="quarter" idx="10"/>
+          </p:nvPr>
+        </p:nvSpPr>
+        <p:spPr/>
+        <p:txBody>
+          <a:bodyPr/>
+          <a:lstStyle/>
+          <a:p>
+            <a:fld id="{635F1DA2-D842-4A19-BBD1-D64C1A8EE288}" type="slidenum">
+              <a:rPr lang="ru-RU" smtClean="0"/>
+              <a:pPr/>
+              <a:t>12</a:t>
             </a:fld>
             <a:endParaRPr lang="ru-RU"/>
           </a:p>
@@ -889,6 +1144,7 @@
           <a:p>
             <a:fld id="{C7B7A5E3-BF0A-43C7-AFC6-71364CBF3F02}" type="datetimeFigureOut">
               <a:rPr lang="ru-RU" smtClean="0"/>
+              <a:pPr/>
               <a:t>19.03.2012</a:t>
             </a:fld>
             <a:endParaRPr lang="ru-RU"/>
@@ -931,6 +1187,7 @@
           <a:p>
             <a:fld id="{9378F32D-F557-47E7-A484-E532415E7C34}" type="slidenum">
               <a:rPr lang="ru-RU" smtClean="0"/>
+              <a:pPr/>
               <a:t>‹#›</a:t>
             </a:fld>
             <a:endParaRPr lang="ru-RU"/>
@@ -1054,6 +1311,7 @@
           <a:p>
             <a:fld id="{C7B7A5E3-BF0A-43C7-AFC6-71364CBF3F02}" type="datetimeFigureOut">
               <a:rPr lang="ru-RU" smtClean="0"/>
+              <a:pPr/>
               <a:t>19.03.2012</a:t>
             </a:fld>
             <a:endParaRPr lang="ru-RU"/>
@@ -1096,6 +1354,7 @@
           <a:p>
             <a:fld id="{9378F32D-F557-47E7-A484-E532415E7C34}" type="slidenum">
               <a:rPr lang="ru-RU" smtClean="0"/>
+              <a:pPr/>
               <a:t>‹#›</a:t>
             </a:fld>
             <a:endParaRPr lang="ru-RU"/>
@@ -1229,6 +1488,7 @@
           <a:p>
             <a:fld id="{C7B7A5E3-BF0A-43C7-AFC6-71364CBF3F02}" type="datetimeFigureOut">
               <a:rPr lang="ru-RU" smtClean="0"/>
+              <a:pPr/>
               <a:t>19.03.2012</a:t>
             </a:fld>
             <a:endParaRPr lang="ru-RU"/>
@@ -1271,6 +1531,7 @@
           <a:p>
             <a:fld id="{9378F32D-F557-47E7-A484-E532415E7C34}" type="slidenum">
               <a:rPr lang="ru-RU" smtClean="0"/>
+              <a:pPr/>
               <a:t>‹#›</a:t>
             </a:fld>
             <a:endParaRPr lang="ru-RU"/>
@@ -1394,6 +1655,7 @@
           <a:p>
             <a:fld id="{C7B7A5E3-BF0A-43C7-AFC6-71364CBF3F02}" type="datetimeFigureOut">
               <a:rPr lang="ru-RU" smtClean="0"/>
+              <a:pPr/>
               <a:t>19.03.2012</a:t>
             </a:fld>
             <a:endParaRPr lang="ru-RU"/>
@@ -1436,6 +1698,7 @@
           <a:p>
             <a:fld id="{9378F32D-F557-47E7-A484-E532415E7C34}" type="slidenum">
               <a:rPr lang="ru-RU" smtClean="0"/>
+              <a:pPr/>
               <a:t>‹#›</a:t>
             </a:fld>
             <a:endParaRPr lang="ru-RU"/>
@@ -1635,6 +1898,7 @@
           <a:p>
             <a:fld id="{C7B7A5E3-BF0A-43C7-AFC6-71364CBF3F02}" type="datetimeFigureOut">
               <a:rPr lang="ru-RU" smtClean="0"/>
+              <a:pPr/>
               <a:t>19.03.2012</a:t>
             </a:fld>
             <a:endParaRPr lang="ru-RU"/>
@@ -1677,6 +1941,7 @@
           <a:p>
             <a:fld id="{9378F32D-F557-47E7-A484-E532415E7C34}" type="slidenum">
               <a:rPr lang="ru-RU" smtClean="0"/>
+              <a:pPr/>
               <a:t>‹#›</a:t>
             </a:fld>
             <a:endParaRPr lang="ru-RU"/>
@@ -1918,6 +2183,7 @@
           <a:p>
             <a:fld id="{C7B7A5E3-BF0A-43C7-AFC6-71364CBF3F02}" type="datetimeFigureOut">
               <a:rPr lang="ru-RU" smtClean="0"/>
+              <a:pPr/>
               <a:t>19.03.2012</a:t>
             </a:fld>
             <a:endParaRPr lang="ru-RU"/>
@@ -1960,6 +2226,7 @@
           <a:p>
             <a:fld id="{9378F32D-F557-47E7-A484-E532415E7C34}" type="slidenum">
               <a:rPr lang="ru-RU" smtClean="0"/>
+              <a:pPr/>
               <a:t>‹#›</a:t>
             </a:fld>
             <a:endParaRPr lang="ru-RU"/>
@@ -2335,6 +2602,7 @@
           <a:p>
             <a:fld id="{C7B7A5E3-BF0A-43C7-AFC6-71364CBF3F02}" type="datetimeFigureOut">
               <a:rPr lang="ru-RU" smtClean="0"/>
+              <a:pPr/>
               <a:t>19.03.2012</a:t>
             </a:fld>
             <a:endParaRPr lang="ru-RU"/>
@@ -2377,6 +2645,7 @@
           <a:p>
             <a:fld id="{9378F32D-F557-47E7-A484-E532415E7C34}" type="slidenum">
               <a:rPr lang="ru-RU" smtClean="0"/>
+              <a:pPr/>
               <a:t>‹#›</a:t>
             </a:fld>
             <a:endParaRPr lang="ru-RU"/>
@@ -2448,6 +2717,7 @@
           <a:p>
             <a:fld id="{C7B7A5E3-BF0A-43C7-AFC6-71364CBF3F02}" type="datetimeFigureOut">
               <a:rPr lang="ru-RU" smtClean="0"/>
+              <a:pPr/>
               <a:t>19.03.2012</a:t>
             </a:fld>
             <a:endParaRPr lang="ru-RU"/>
@@ -2490,6 +2760,7 @@
           <a:p>
             <a:fld id="{9378F32D-F557-47E7-A484-E532415E7C34}" type="slidenum">
               <a:rPr lang="ru-RU" smtClean="0"/>
+              <a:pPr/>
               <a:t>‹#›</a:t>
             </a:fld>
             <a:endParaRPr lang="ru-RU"/>
@@ -2538,6 +2809,7 @@
           <a:p>
             <a:fld id="{C7B7A5E3-BF0A-43C7-AFC6-71364CBF3F02}" type="datetimeFigureOut">
               <a:rPr lang="ru-RU" smtClean="0"/>
+              <a:pPr/>
               <a:t>19.03.2012</a:t>
             </a:fld>
             <a:endParaRPr lang="ru-RU"/>
@@ -2580,6 +2852,7 @@
           <a:p>
             <a:fld id="{9378F32D-F557-47E7-A484-E532415E7C34}" type="slidenum">
               <a:rPr lang="ru-RU" smtClean="0"/>
+              <a:pPr/>
               <a:t>‹#›</a:t>
             </a:fld>
             <a:endParaRPr lang="ru-RU"/>
@@ -2810,6 +3083,7 @@
           <a:p>
             <a:fld id="{C7B7A5E3-BF0A-43C7-AFC6-71364CBF3F02}" type="datetimeFigureOut">
               <a:rPr lang="ru-RU" smtClean="0"/>
+              <a:pPr/>
               <a:t>19.03.2012</a:t>
             </a:fld>
             <a:endParaRPr lang="ru-RU"/>
@@ -2852,6 +3126,7 @@
           <a:p>
             <a:fld id="{9378F32D-F557-47E7-A484-E532415E7C34}" type="slidenum">
               <a:rPr lang="ru-RU" smtClean="0"/>
+              <a:pPr/>
               <a:t>‹#›</a:t>
             </a:fld>
             <a:endParaRPr lang="ru-RU"/>
@@ -3058,6 +3333,7 @@
           <a:p>
             <a:fld id="{C7B7A5E3-BF0A-43C7-AFC6-71364CBF3F02}" type="datetimeFigureOut">
               <a:rPr lang="ru-RU" smtClean="0"/>
+              <a:pPr/>
               <a:t>19.03.2012</a:t>
             </a:fld>
             <a:endParaRPr lang="ru-RU"/>
@@ -3100,6 +3376,7 @@
           <a:p>
             <a:fld id="{9378F32D-F557-47E7-A484-E532415E7C34}" type="slidenum">
               <a:rPr lang="ru-RU" smtClean="0"/>
+              <a:pPr/>
               <a:t>‹#›</a:t>
             </a:fld>
             <a:endParaRPr lang="ru-RU"/>
@@ -3266,6 +3543,7 @@
           <a:p>
             <a:fld id="{C7B7A5E3-BF0A-43C7-AFC6-71364CBF3F02}" type="datetimeFigureOut">
               <a:rPr lang="ru-RU" smtClean="0"/>
+              <a:pPr/>
               <a:t>19.03.2012</a:t>
             </a:fld>
             <a:endParaRPr lang="ru-RU"/>
@@ -3344,6 +3622,7 @@
           <a:p>
             <a:fld id="{9378F32D-F557-47E7-A484-E532415E7C34}" type="slidenum">
               <a:rPr lang="ru-RU" smtClean="0"/>
+              <a:pPr/>
               <a:t>‹#›</a:t>
             </a:fld>
             <a:endParaRPr lang="ru-RU"/>
@@ -3696,8 +3975,8 @@
         </p:nvSpPr>
         <p:spPr>
           <a:xfrm>
-            <a:off x="1371600" y="4714884"/>
-            <a:ext cx="6400800" cy="923916"/>
+            <a:off x="1371600" y="4286256"/>
+            <a:ext cx="6400800" cy="1352544"/>
           </a:xfrm>
         </p:spPr>
         <p:txBody>
@@ -3707,16 +3986,61 @@
           <a:lstStyle/>
           <a:p>
             <a:r>
-              <a:rPr lang="ru-RU" dirty="0" smtClean="0"/>
-              <a:t>Докладчик Сидоров Александр</a:t>
-            </a:r>
-          </a:p>
-          <a:p>
-            <a:r>
-              <a:rPr lang="en-US" sz="2500" dirty="0" smtClean="0"/>
-              <a:t>http://clever-web.net/</a:t>
-            </a:r>
-            <a:endParaRPr lang="ru-RU" sz="2500" dirty="0"/>
+              <a:rPr lang="ru-RU" dirty="0" smtClean="0">
+                <a:solidFill>
+                  <a:schemeClr val="tx1"/>
+                </a:solidFill>
+              </a:rPr>
+              <a:t>Сидоров </a:t>
+            </a:r>
+            <a:r>
+              <a:rPr lang="ru-RU" dirty="0" smtClean="0">
+                <a:solidFill>
+                  <a:schemeClr val="tx1"/>
+                </a:solidFill>
+              </a:rPr>
+              <a:t>Александр</a:t>
+            </a:r>
+          </a:p>
+          <a:p>
+            <a:r>
+              <a:rPr lang="en-US" sz="2500" dirty="0" smtClean="0">
+                <a:solidFill>
+                  <a:schemeClr val="tx1"/>
+                </a:solidFill>
+                <a:hlinkClick r:id="rId2"/>
+              </a:rPr>
+              <a:t>http://clever-web.net</a:t>
+            </a:r>
+            <a:r>
+              <a:rPr lang="en-US" sz="2500" dirty="0" smtClean="0">
+                <a:solidFill>
+                  <a:schemeClr val="tx1"/>
+                </a:solidFill>
+                <a:hlinkClick r:id="rId2"/>
+              </a:rPr>
+              <a:t>/</a:t>
+            </a:r>
+            <a:endParaRPr lang="en-US" sz="2500" dirty="0" smtClean="0">
+              <a:solidFill>
+                <a:schemeClr val="tx1"/>
+              </a:solidFill>
+            </a:endParaRPr>
+          </a:p>
+          <a:p>
+            <a:r>
+              <a:rPr lang="en-US" sz="2500" dirty="0" smtClean="0">
+                <a:solidFill>
+                  <a:schemeClr val="tx1"/>
+                </a:solidFill>
+              </a:rPr>
+              <a:t>https://github.com/asidorov01/rit2012</a:t>
+            </a:r>
+            <a:endParaRPr lang="ru-RU" sz="2500" dirty="0">
+              <a:solidFill>
+                <a:schemeClr val="tx1"/>
+              </a:solidFill>
+            </a:endParaRPr>
           </a:p>
         </p:txBody>
       </p:sp>
@@ -3725,10 +4049,17 @@
   <p:clrMapOvr>
     <a:masterClrMapping/>
   </p:clrMapOvr>
+  <p:timing>
+    <p:tnLst>
+      <p:par>
+        <p:cTn id="1" dur="indefinite" restart="never" nodeType="tmRoot"/>
+      </p:par>
+    </p:tnLst>
+  </p:timing>
 </p:sld>
 </file>
 
-<file path=ppt/slides/slide2.xml><?xml version="1.0" encoding="utf-8"?>
+<file path=ppt/slides/slide10.xml><?xml version="1.0" encoding="utf-8"?>
 <p:sld xmlns:a="http://schemas.openxmlformats.org/drawingml/2006/main" xmlns:r="http://schemas.openxmlformats.org/officeDocument/2006/relationships" xmlns:p="http://schemas.openxmlformats.org/presentationml/2006/main">
   <p:cSld>
     <p:spTree>
@@ -3768,16 +4099,24 @@
           <a:lstStyle/>
           <a:p>
             <a:r>
-              <a:rPr lang="en-US" sz="2800" dirty="0"/>
-              <a:t>K</a:t>
-            </a:r>
-            <a:r>
-              <a:rPr lang="ru-RU" sz="2800" dirty="0" err="1" smtClean="0"/>
-              <a:t>ласс</a:t>
+              <a:rPr lang="it-IT" sz="2800" dirty="0" smtClean="0"/>
+              <a:t>Service Locator или DI </a:t>
+            </a:r>
+            <a:r>
+              <a:rPr lang="it-IT" sz="2800" dirty="0" smtClean="0"/>
+              <a:t>Container</a:t>
             </a:r>
             <a:r>
               <a:rPr lang="ru-RU" sz="2800" dirty="0" smtClean="0"/>
-              <a:t> как контейнер с методами.</a:t>
+              <a:t> (</a:t>
+            </a:r>
+            <a:r>
+              <a:rPr lang="en-US" sz="2800" dirty="0" smtClean="0"/>
+              <a:t>User -&gt; DIC</a:t>
+            </a:r>
+            <a:r>
+              <a:rPr lang="ru-RU" sz="2800" dirty="0" smtClean="0"/>
+              <a:t>)</a:t>
             </a:r>
             <a:endParaRPr lang="ru-RU" sz="2800" dirty="0"/>
           </a:p>
@@ -3785,7 +4124,7 @@
       </p:sp>
       <p:pic>
         <p:nvPicPr>
-          <p:cNvPr id="4" name="Содержимое 3" descr="1.png"/>
+          <p:cNvPr id="9" name="Содержимое 8" descr="3.png"/>
           <p:cNvPicPr>
             <a:picLocks noGrp="1" noChangeAspect="1"/>
           </p:cNvPicPr>
@@ -3794,72 +4133,440 @@
           </p:nvPr>
         </p:nvPicPr>
         <p:blipFill>
-          <a:blip r:embed="rId2"/>
+          <a:blip r:embed="rId3"/>
           <a:stretch>
             <a:fillRect/>
           </a:stretch>
         </p:blipFill>
         <p:spPr>
           <a:xfrm>
-            <a:off x="214282" y="785794"/>
-            <a:ext cx="4133334" cy="2733334"/>
+            <a:off x="214282" y="571480"/>
+            <a:ext cx="5819048" cy="4000000"/>
           </a:xfrm>
         </p:spPr>
       </p:pic>
       <p:sp>
         <p:nvSpPr>
-          <p:cNvPr id="6" name="TextBox 5"/>
-          <p:cNvSpPr txBox="1"/>
+          <p:cNvPr id="8" name="Подзаголовок 2"/>
+          <p:cNvSpPr txBox="1">
+            <a:spLocks/>
+          </p:cNvSpPr>
           <p:nvPr/>
         </p:nvSpPr>
         <p:spPr>
           <a:xfrm>
-            <a:off x="6000760" y="642918"/>
-            <a:ext cx="3000396" cy="1477328"/>
+            <a:off x="5714976" y="6148374"/>
+            <a:ext cx="3429024" cy="709626"/>
           </a:xfrm>
           <a:prstGeom prst="rect">
             <a:avLst/>
           </a:prstGeom>
-          <a:noFill/>
-        </p:spPr>
-        <p:txBody>
-          <a:bodyPr wrap="square" rtlCol="0">
-            <a:spAutoFit/>
+        </p:spPr>
+        <p:txBody>
+          <a:bodyPr vert="horz" lIns="91440" tIns="45720" rIns="91440" bIns="45720" rtlCol="0">
+            <a:normAutofit/>
           </a:bodyPr>
           <a:lstStyle/>
           <a:p>
-            <a:r>
-              <a:rPr lang="ru-RU" dirty="0" smtClean="0"/>
-              <a:t>Минусы: </a:t>
-            </a:r>
-          </a:p>
-          <a:p>
-            <a:pPr>
-              <a:buFontTx/>
-              <a:buChar char="-"/>
+            <a:pPr marL="342900" marR="0" lvl="0" indent="-342900" algn="l" defTabSz="914400" rtl="0" eaLnBrk="1" fontAlgn="auto" latinLnBrk="0" hangingPunct="1">
+              <a:lnSpc>
+                <a:spcPct val="100000"/>
+              </a:lnSpc>
+              <a:spcBef>
+                <a:spcPct val="20000"/>
+              </a:spcBef>
+              <a:spcAft>
+                <a:spcPts val="0"/>
+              </a:spcAft>
+              <a:buClrTx/>
+              <a:buSzTx/>
+              <a:tabLst/>
+              <a:defRPr/>
             </a:pPr>
             <a:r>
-              <a:rPr lang="ru-RU" dirty="0" smtClean="0"/>
-              <a:t> Невозможно тестировать.</a:t>
-            </a:r>
-          </a:p>
-          <a:p>
-            <a:pPr>
-              <a:buFontTx/>
-              <a:buChar char="-"/>
+              <a:rPr kumimoji="0" lang="ru-RU" sz="1400" b="0" i="0" u="none" strike="noStrike" kern="1200" cap="none" spc="0" normalizeH="0" baseline="0" noProof="0" dirty="0" smtClean="0">
+                <a:ln>
+                  <a:noFill/>
+                </a:ln>
+                <a:solidFill>
+                  <a:schemeClr val="tx1"/>
+                </a:solidFill>
+                <a:effectLst/>
+                <a:uLnTx/>
+                <a:uFillTx/>
+                <a:latin typeface="+mn-lt"/>
+                <a:ea typeface="+mn-ea"/>
+                <a:cs typeface="+mn-cs"/>
+              </a:rPr>
+              <a:t>Сидоров Александр</a:t>
+            </a:r>
+            <a:r>
+              <a:rPr kumimoji="0" lang="en-US" sz="1400" b="0" i="0" u="none" strike="noStrike" kern="1200" cap="none" spc="0" normalizeH="0" baseline="0" noProof="0" dirty="0" smtClean="0">
+                <a:ln>
+                  <a:noFill/>
+                </a:ln>
+                <a:solidFill>
+                  <a:schemeClr val="tx1"/>
+                </a:solidFill>
+                <a:effectLst/>
+                <a:uLnTx/>
+                <a:uFillTx/>
+                <a:latin typeface="+mn-lt"/>
+                <a:ea typeface="+mn-ea"/>
+                <a:cs typeface="+mn-cs"/>
+              </a:rPr>
+              <a:t>  </a:t>
+            </a:r>
+            <a:r>
+              <a:rPr kumimoji="0" lang="en-US" sz="1400" b="0" i="0" u="none" strike="noStrike" kern="1200" cap="none" spc="0" normalizeH="0" baseline="0" noProof="0" dirty="0" smtClean="0">
+                <a:ln>
+                  <a:noFill/>
+                </a:ln>
+                <a:solidFill>
+                  <a:schemeClr val="tx1"/>
+                </a:solidFill>
+                <a:effectLst/>
+                <a:uLnTx/>
+                <a:uFillTx/>
+                <a:latin typeface="+mn-lt"/>
+                <a:ea typeface="+mn-ea"/>
+                <a:cs typeface="+mn-cs"/>
+                <a:hlinkClick r:id="rId4"/>
+              </a:rPr>
+              <a:t>http://clever-web.net/</a:t>
+            </a:r>
+            <a:endParaRPr kumimoji="0" lang="en-US" sz="1400" b="0" i="0" u="none" strike="noStrike" kern="1200" cap="none" spc="0" normalizeH="0" baseline="0" noProof="0" dirty="0" smtClean="0">
+              <a:ln>
+                <a:noFill/>
+              </a:ln>
+              <a:solidFill>
+                <a:schemeClr val="tx1"/>
+              </a:solidFill>
+              <a:effectLst/>
+              <a:uLnTx/>
+              <a:uFillTx/>
+              <a:latin typeface="+mn-lt"/>
+              <a:ea typeface="+mn-ea"/>
+              <a:cs typeface="+mn-cs"/>
+            </a:endParaRPr>
+          </a:p>
+          <a:p>
+            <a:pPr marL="342900" marR="0" lvl="0" indent="-342900" algn="l" defTabSz="914400" rtl="0" eaLnBrk="1" fontAlgn="auto" latinLnBrk="0" hangingPunct="1">
+              <a:lnSpc>
+                <a:spcPct val="100000"/>
+              </a:lnSpc>
+              <a:spcBef>
+                <a:spcPct val="20000"/>
+              </a:spcBef>
+              <a:spcAft>
+                <a:spcPts val="0"/>
+              </a:spcAft>
+              <a:buClrTx/>
+              <a:buSzTx/>
+              <a:tabLst/>
+              <a:defRPr/>
             </a:pPr>
             <a:r>
-              <a:rPr lang="ru-RU" dirty="0"/>
+              <a:rPr kumimoji="0" lang="en-US" sz="1400" b="0" i="0" u="none" strike="noStrike" kern="1200" cap="none" spc="0" normalizeH="0" baseline="0" noProof="0" dirty="0" smtClean="0">
+                <a:ln>
+                  <a:noFill/>
+                </a:ln>
+                <a:solidFill>
+                  <a:schemeClr val="tx1"/>
+                </a:solidFill>
+                <a:effectLst/>
+                <a:uLnTx/>
+                <a:uFillTx/>
+                <a:latin typeface="+mn-lt"/>
+                <a:ea typeface="+mn-ea"/>
+                <a:cs typeface="+mn-cs"/>
+              </a:rPr>
+              <a:t>https://github.com/asidorov01/rit2012</a:t>
+            </a:r>
+            <a:endParaRPr kumimoji="0" lang="ru-RU" sz="1400" b="0" i="0" u="none" strike="noStrike" kern="1200" cap="none" spc="0" normalizeH="0" baseline="0" noProof="0" dirty="0">
+              <a:ln>
+                <a:noFill/>
+              </a:ln>
+              <a:solidFill>
+                <a:schemeClr val="tx1"/>
+              </a:solidFill>
+              <a:effectLst/>
+              <a:uLnTx/>
+              <a:uFillTx/>
+              <a:latin typeface="+mn-lt"/>
+              <a:ea typeface="+mn-ea"/>
+              <a:cs typeface="+mn-cs"/>
+            </a:endParaRPr>
+          </a:p>
+        </p:txBody>
+      </p:sp>
+      <p:sp>
+        <p:nvSpPr>
+          <p:cNvPr id="12" name="Прямоугольник 11"/>
+          <p:cNvSpPr/>
+          <p:nvPr/>
+        </p:nvSpPr>
+        <p:spPr>
+          <a:xfrm>
+            <a:off x="7286644" y="1714488"/>
+            <a:ext cx="1143008" cy="357190"/>
+          </a:xfrm>
+          <a:prstGeom prst="rect">
+            <a:avLst/>
+          </a:prstGeom>
+        </p:spPr>
+        <p:style>
+          <a:lnRef idx="2">
+            <a:schemeClr val="accent1">
+              <a:shade val="50000"/>
+            </a:schemeClr>
+          </a:lnRef>
+          <a:fillRef idx="1">
+            <a:schemeClr val="accent1"/>
+          </a:fillRef>
+          <a:effectRef idx="0">
+            <a:schemeClr val="accent1"/>
+          </a:effectRef>
+          <a:fontRef idx="minor">
+            <a:schemeClr val="lt1"/>
+          </a:fontRef>
+        </p:style>
+        <p:txBody>
+          <a:bodyPr rtlCol="0" anchor="ctr"/>
+          <a:lstStyle/>
+          <a:p>
+            <a:pPr algn="ctr"/>
+            <a:r>
+              <a:rPr lang="en-US" dirty="0" smtClean="0"/>
+              <a:t>User</a:t>
+            </a:r>
+            <a:endParaRPr lang="ru-RU" dirty="0"/>
+          </a:p>
+        </p:txBody>
+      </p:sp>
+      <p:cxnSp>
+        <p:nvCxnSpPr>
+          <p:cNvPr id="14" name="Прямая со стрелкой 13"/>
+          <p:cNvCxnSpPr>
+            <a:stCxn id="17" idx="2"/>
+            <a:endCxn id="12" idx="0"/>
+          </p:cNvCxnSpPr>
+          <p:nvPr/>
+        </p:nvCxnSpPr>
+        <p:spPr>
+          <a:xfrm rot="5400000">
+            <a:off x="7608115" y="1464455"/>
+            <a:ext cx="500066" cy="1588"/>
+          </a:xfrm>
+          <a:prstGeom prst="straightConnector1">
+            <a:avLst/>
+          </a:prstGeom>
+          <a:ln>
+            <a:headEnd type="arrow"/>
+            <a:tailEnd type="arrow"/>
+          </a:ln>
+        </p:spPr>
+        <p:style>
+          <a:lnRef idx="1">
+            <a:schemeClr val="accent1"/>
+          </a:lnRef>
+          <a:fillRef idx="0">
+            <a:schemeClr val="accent1"/>
+          </a:fillRef>
+          <a:effectRef idx="0">
+            <a:schemeClr val="accent1"/>
+          </a:effectRef>
+          <a:fontRef idx="minor">
+            <a:schemeClr val="tx1"/>
+          </a:fontRef>
+        </p:style>
+      </p:cxnSp>
+      <p:sp>
+        <p:nvSpPr>
+          <p:cNvPr id="17" name="Прямоугольник 16"/>
+          <p:cNvSpPr/>
+          <p:nvPr/>
+        </p:nvSpPr>
+        <p:spPr>
+          <a:xfrm>
+            <a:off x="6858016" y="857232"/>
+            <a:ext cx="2000264" cy="357190"/>
+          </a:xfrm>
+          <a:prstGeom prst="rect">
+            <a:avLst/>
+          </a:prstGeom>
+          <a:solidFill>
+            <a:schemeClr val="accent3"/>
+          </a:solidFill>
+        </p:spPr>
+        <p:style>
+          <a:lnRef idx="2">
+            <a:schemeClr val="accent1">
+              <a:shade val="50000"/>
+            </a:schemeClr>
+          </a:lnRef>
+          <a:fillRef idx="1">
+            <a:schemeClr val="accent1"/>
+          </a:fillRef>
+          <a:effectRef idx="0">
+            <a:schemeClr val="accent1"/>
+          </a:effectRef>
+          <a:fontRef idx="minor">
+            <a:schemeClr val="lt1"/>
+          </a:fontRef>
+        </p:style>
+        <p:txBody>
+          <a:bodyPr rtlCol="0" anchor="ctr"/>
+          <a:lstStyle/>
+          <a:p>
+            <a:pPr algn="ctr"/>
+            <a:r>
+              <a:rPr lang="en-US" dirty="0" smtClean="0"/>
+              <a:t>DI Container</a:t>
+            </a:r>
+          </a:p>
+        </p:txBody>
+      </p:sp>
+      <p:sp>
+        <p:nvSpPr>
+          <p:cNvPr id="45" name="TextBox 44"/>
+          <p:cNvSpPr txBox="1"/>
+          <p:nvPr/>
+        </p:nvSpPr>
+        <p:spPr>
+          <a:xfrm>
+            <a:off x="4429124" y="5000636"/>
+            <a:ext cx="3786214" cy="914400"/>
+          </a:xfrm>
+          <a:prstGeom prst="rect">
+            <a:avLst/>
+          </a:prstGeom>
+        </p:spPr>
+        <p:txBody>
+          <a:bodyPr vert="horz" wrap="none" lIns="91440" tIns="45720" rIns="91440" bIns="45720" rtlCol="0">
+            <a:normAutofit/>
+          </a:bodyPr>
+          <a:lstStyle/>
+          <a:p>
+            <a:pPr marL="342900" marR="0" indent="-342900" algn="l" defTabSz="914400" rtl="0" eaLnBrk="1" fontAlgn="auto" latinLnBrk="0" hangingPunct="1">
+              <a:lnSpc>
+                <a:spcPct val="100000"/>
+              </a:lnSpc>
+              <a:spcBef>
+                <a:spcPct val="20000"/>
+              </a:spcBef>
+              <a:spcAft>
+                <a:spcPts val="0"/>
+              </a:spcAft>
+              <a:buClrTx/>
+              <a:buSzTx/>
+              <a:tabLst/>
+            </a:pPr>
+            <a:r>
+              <a:rPr kumimoji="0" lang="ru-RU" sz="1600" b="0" i="0" u="none" strike="noStrike" kern="1200" cap="none" spc="0" normalizeH="0" baseline="0" noProof="0" dirty="0" smtClean="0">
+                <a:ln>
+                  <a:noFill/>
+                </a:ln>
+                <a:solidFill>
+                  <a:schemeClr val="tx1"/>
+                </a:solidFill>
+                <a:effectLst/>
+                <a:uLnTx/>
+                <a:uFillTx/>
+                <a:latin typeface="+mn-lt"/>
+                <a:ea typeface="+mn-ea"/>
+                <a:cs typeface="+mn-cs"/>
+              </a:rPr>
+              <a:t>Передаем не отдельные сервисы,</a:t>
+            </a:r>
+            <a:r>
+              <a:rPr kumimoji="0" lang="ru-RU" sz="1600" b="0" i="0" u="none" strike="noStrike" kern="1200" cap="none" spc="0" normalizeH="0" noProof="0" dirty="0" smtClean="0">
+                <a:ln>
+                  <a:noFill/>
+                </a:ln>
+                <a:solidFill>
+                  <a:schemeClr val="tx1"/>
+                </a:solidFill>
+                <a:effectLst/>
+                <a:uLnTx/>
+                <a:uFillTx/>
+                <a:latin typeface="+mn-lt"/>
+                <a:ea typeface="+mn-ea"/>
+                <a:cs typeface="+mn-cs"/>
+              </a:rPr>
               <a:t> </a:t>
             </a:r>
-            <a:r>
-              <a:rPr lang="ru-RU" dirty="0" smtClean="0"/>
-              <a:t>Со временем размер класса будет стремиться в бесконечность.</a:t>
-            </a:r>
-            <a:endParaRPr lang="ru-RU" dirty="0"/>
-          </a:p>
-        </p:txBody>
-      </p:sp>
+          </a:p>
+          <a:p>
+            <a:pPr marL="342900" marR="0" indent="-342900" algn="l" defTabSz="914400" rtl="0" eaLnBrk="1" fontAlgn="auto" latinLnBrk="0" hangingPunct="1">
+              <a:lnSpc>
+                <a:spcPct val="100000"/>
+              </a:lnSpc>
+              <a:spcBef>
+                <a:spcPct val="20000"/>
+              </a:spcBef>
+              <a:spcAft>
+                <a:spcPts val="0"/>
+              </a:spcAft>
+              <a:buClrTx/>
+              <a:buSzTx/>
+              <a:tabLst/>
+            </a:pPr>
+            <a:r>
+              <a:rPr kumimoji="0" lang="ru-RU" sz="1600" b="0" i="0" u="none" strike="noStrike" kern="1200" cap="none" spc="0" normalizeH="0" noProof="0" dirty="0" smtClean="0">
+                <a:ln>
+                  <a:noFill/>
+                </a:ln>
+                <a:solidFill>
+                  <a:schemeClr val="tx1"/>
+                </a:solidFill>
+                <a:effectLst/>
+                <a:uLnTx/>
+                <a:uFillTx/>
+                <a:latin typeface="+mn-lt"/>
+                <a:ea typeface="+mn-ea"/>
+                <a:cs typeface="+mn-cs"/>
+              </a:rPr>
+              <a:t>а один контейнер обслуживающий сервисы</a:t>
+            </a:r>
+          </a:p>
+        </p:txBody>
+      </p:sp>
+      <p:cxnSp>
+        <p:nvCxnSpPr>
+          <p:cNvPr id="49" name="Прямая со стрелкой 48"/>
+          <p:cNvCxnSpPr/>
+          <p:nvPr/>
+        </p:nvCxnSpPr>
+        <p:spPr>
+          <a:xfrm flipV="1">
+            <a:off x="1571604" y="1214422"/>
+            <a:ext cx="3214710" cy="1500198"/>
+          </a:xfrm>
+          <a:prstGeom prst="curvedConnector3">
+            <a:avLst>
+              <a:gd name="adj1" fmla="val 125507"/>
+            </a:avLst>
+          </a:prstGeom>
+          <a:ln>
+            <a:tailEnd type="arrow"/>
+          </a:ln>
+        </p:spPr>
+        <p:style>
+          <a:lnRef idx="1">
+            <a:schemeClr val="accent1"/>
+          </a:lnRef>
+          <a:fillRef idx="0">
+            <a:schemeClr val="accent1"/>
+          </a:fillRef>
+          <a:effectRef idx="0">
+            <a:schemeClr val="accent1"/>
+          </a:effectRef>
+          <a:fontRef idx="minor">
+            <a:schemeClr val="tx1"/>
+          </a:fontRef>
+        </p:style>
+      </p:cxnSp>
     </p:spTree>
   </p:cSld>
   <p:clrMapOvr>
@@ -3868,7 +4575,7 @@
 </p:sld>
 </file>
 
-<file path=ppt/slides/slide3.xml><?xml version="1.0" encoding="utf-8"?>
+<file path=ppt/slides/slide11.xml><?xml version="1.0" encoding="utf-8"?>
 <p:sld xmlns:a="http://schemas.openxmlformats.org/drawingml/2006/main" xmlns:r="http://schemas.openxmlformats.org/officeDocument/2006/relationships" xmlns:p="http://schemas.openxmlformats.org/presentationml/2006/main">
   <p:cSld>
     <p:spTree>
@@ -3908,82 +4615,32 @@
           <a:lstStyle/>
           <a:p>
             <a:r>
+              <a:rPr lang="it-IT" sz="2800" dirty="0" smtClean="0"/>
+              <a:t>Service Locator или DI </a:t>
+            </a:r>
+            <a:r>
+              <a:rPr lang="it-IT" sz="2800" dirty="0" smtClean="0"/>
+              <a:t>Container</a:t>
+            </a:r>
+            <a:r>
               <a:rPr lang="ru-RU" sz="2800" dirty="0" smtClean="0"/>
-              <a:t>Обычный ООП, разделяем на 2 класса.</a:t>
+              <a:t> (</a:t>
+            </a:r>
+            <a:r>
+              <a:rPr lang="en-US" sz="2800" dirty="0" smtClean="0"/>
+              <a:t>Storage -&gt; DIC</a:t>
+            </a:r>
+            <a:r>
+              <a:rPr lang="ru-RU" sz="2800" dirty="0" smtClean="0"/>
+              <a:t>)</a:t>
             </a:r>
             <a:endParaRPr lang="ru-RU" sz="2800" dirty="0"/>
-          </a:p>
-        </p:txBody>
-      </p:sp>
-      <p:sp>
-        <p:nvSpPr>
-          <p:cNvPr id="6" name="TextBox 5"/>
-          <p:cNvSpPr txBox="1"/>
-          <p:nvPr/>
-        </p:nvSpPr>
-        <p:spPr>
-          <a:xfrm>
-            <a:off x="6000760" y="642918"/>
-            <a:ext cx="2928958" cy="1569660"/>
-          </a:xfrm>
-          <a:prstGeom prst="rect">
-            <a:avLst/>
-          </a:prstGeom>
-          <a:noFill/>
-        </p:spPr>
-        <p:txBody>
-          <a:bodyPr wrap="square" rtlCol="0">
-            <a:spAutoFit/>
-          </a:bodyPr>
-          <a:lstStyle/>
-          <a:p>
-            <a:r>
-              <a:rPr lang="ru-RU" sz="1600" dirty="0" smtClean="0"/>
-              <a:t>Плюсы:</a:t>
-            </a:r>
-          </a:p>
-          <a:p>
-            <a:r>
-              <a:rPr lang="ru-RU" sz="1600" dirty="0" smtClean="0"/>
-              <a:t>- Инкапсуляция логики в классе</a:t>
-            </a:r>
-          </a:p>
-          <a:p>
-            <a:r>
-              <a:rPr lang="ru-RU" sz="1600" dirty="0" smtClean="0"/>
-              <a:t>Минусы: </a:t>
-            </a:r>
-          </a:p>
-          <a:p>
-            <a:pPr>
-              <a:buFontTx/>
-              <a:buChar char="-"/>
-            </a:pPr>
-            <a:r>
-              <a:rPr lang="ru-RU" sz="1600" dirty="0" smtClean="0"/>
-              <a:t> Невозможно тестировать. </a:t>
-            </a:r>
-          </a:p>
-          <a:p>
-            <a:pPr>
-              <a:buFontTx/>
-              <a:buChar char="-"/>
-            </a:pPr>
-            <a:r>
-              <a:rPr lang="ru-RU" sz="1600" dirty="0"/>
-              <a:t> </a:t>
-            </a:r>
-            <a:r>
-              <a:rPr lang="ru-RU" sz="1600" dirty="0" smtClean="0"/>
-              <a:t>Невозможно менять хранилища</a:t>
-            </a:r>
-            <a:endParaRPr lang="ru-RU" sz="1600" dirty="0"/>
           </a:p>
         </p:txBody>
       </p:sp>
       <p:pic>
         <p:nvPicPr>
-          <p:cNvPr id="7" name="Содержимое 6" descr="2.png"/>
+          <p:cNvPr id="9" name="Содержимое 8" descr="3.png"/>
           <p:cNvPicPr>
             <a:picLocks noGrp="1" noChangeAspect="1"/>
           </p:cNvPicPr>
@@ -3992,18 +4649,538 @@
           </p:nvPr>
         </p:nvPicPr>
         <p:blipFill>
-          <a:blip r:embed="rId2"/>
+          <a:blip r:embed="rId3"/>
           <a:stretch>
             <a:fillRect/>
           </a:stretch>
         </p:blipFill>
         <p:spPr>
           <a:xfrm>
-            <a:off x="285720" y="642918"/>
-            <a:ext cx="4453692" cy="4525963"/>
+            <a:off x="285720" y="928670"/>
+            <a:ext cx="5714286" cy="4847619"/>
           </a:xfrm>
         </p:spPr>
       </p:pic>
+      <p:sp>
+        <p:nvSpPr>
+          <p:cNvPr id="8" name="Подзаголовок 2"/>
+          <p:cNvSpPr txBox="1">
+            <a:spLocks/>
+          </p:cNvSpPr>
+          <p:nvPr/>
+        </p:nvSpPr>
+        <p:spPr>
+          <a:xfrm>
+            <a:off x="5714976" y="6148374"/>
+            <a:ext cx="3429024" cy="709626"/>
+          </a:xfrm>
+          <a:prstGeom prst="rect">
+            <a:avLst/>
+          </a:prstGeom>
+        </p:spPr>
+        <p:txBody>
+          <a:bodyPr vert="horz" lIns="91440" tIns="45720" rIns="91440" bIns="45720" rtlCol="0">
+            <a:normAutofit/>
+          </a:bodyPr>
+          <a:lstStyle/>
+          <a:p>
+            <a:pPr marL="342900" marR="0" lvl="0" indent="-342900" algn="l" defTabSz="914400" rtl="0" eaLnBrk="1" fontAlgn="auto" latinLnBrk="0" hangingPunct="1">
+              <a:lnSpc>
+                <a:spcPct val="100000"/>
+              </a:lnSpc>
+              <a:spcBef>
+                <a:spcPct val="20000"/>
+              </a:spcBef>
+              <a:spcAft>
+                <a:spcPts val="0"/>
+              </a:spcAft>
+              <a:buClrTx/>
+              <a:buSzTx/>
+              <a:tabLst/>
+              <a:defRPr/>
+            </a:pPr>
+            <a:r>
+              <a:rPr kumimoji="0" lang="ru-RU" sz="1400" b="0" i="0" u="none" strike="noStrike" kern="1200" cap="none" spc="0" normalizeH="0" baseline="0" noProof="0" dirty="0" smtClean="0">
+                <a:ln>
+                  <a:noFill/>
+                </a:ln>
+                <a:solidFill>
+                  <a:schemeClr val="tx1"/>
+                </a:solidFill>
+                <a:effectLst/>
+                <a:uLnTx/>
+                <a:uFillTx/>
+                <a:latin typeface="+mn-lt"/>
+                <a:ea typeface="+mn-ea"/>
+                <a:cs typeface="+mn-cs"/>
+              </a:rPr>
+              <a:t>Сидоров Александр</a:t>
+            </a:r>
+            <a:r>
+              <a:rPr kumimoji="0" lang="en-US" sz="1400" b="0" i="0" u="none" strike="noStrike" kern="1200" cap="none" spc="0" normalizeH="0" baseline="0" noProof="0" dirty="0" smtClean="0">
+                <a:ln>
+                  <a:noFill/>
+                </a:ln>
+                <a:solidFill>
+                  <a:schemeClr val="tx1"/>
+                </a:solidFill>
+                <a:effectLst/>
+                <a:uLnTx/>
+                <a:uFillTx/>
+                <a:latin typeface="+mn-lt"/>
+                <a:ea typeface="+mn-ea"/>
+                <a:cs typeface="+mn-cs"/>
+              </a:rPr>
+              <a:t>  </a:t>
+            </a:r>
+            <a:r>
+              <a:rPr kumimoji="0" lang="en-US" sz="1400" b="0" i="0" u="none" strike="noStrike" kern="1200" cap="none" spc="0" normalizeH="0" baseline="0" noProof="0" dirty="0" smtClean="0">
+                <a:ln>
+                  <a:noFill/>
+                </a:ln>
+                <a:solidFill>
+                  <a:schemeClr val="tx1"/>
+                </a:solidFill>
+                <a:effectLst/>
+                <a:uLnTx/>
+                <a:uFillTx/>
+                <a:latin typeface="+mn-lt"/>
+                <a:ea typeface="+mn-ea"/>
+                <a:cs typeface="+mn-cs"/>
+                <a:hlinkClick r:id="rId4"/>
+              </a:rPr>
+              <a:t>http://clever-web.net/</a:t>
+            </a:r>
+            <a:endParaRPr kumimoji="0" lang="en-US" sz="1400" b="0" i="0" u="none" strike="noStrike" kern="1200" cap="none" spc="0" normalizeH="0" baseline="0" noProof="0" dirty="0" smtClean="0">
+              <a:ln>
+                <a:noFill/>
+              </a:ln>
+              <a:solidFill>
+                <a:schemeClr val="tx1"/>
+              </a:solidFill>
+              <a:effectLst/>
+              <a:uLnTx/>
+              <a:uFillTx/>
+              <a:latin typeface="+mn-lt"/>
+              <a:ea typeface="+mn-ea"/>
+              <a:cs typeface="+mn-cs"/>
+            </a:endParaRPr>
+          </a:p>
+          <a:p>
+            <a:pPr marL="342900" marR="0" lvl="0" indent="-342900" algn="l" defTabSz="914400" rtl="0" eaLnBrk="1" fontAlgn="auto" latinLnBrk="0" hangingPunct="1">
+              <a:lnSpc>
+                <a:spcPct val="100000"/>
+              </a:lnSpc>
+              <a:spcBef>
+                <a:spcPct val="20000"/>
+              </a:spcBef>
+              <a:spcAft>
+                <a:spcPts val="0"/>
+              </a:spcAft>
+              <a:buClrTx/>
+              <a:buSzTx/>
+              <a:tabLst/>
+              <a:defRPr/>
+            </a:pPr>
+            <a:r>
+              <a:rPr kumimoji="0" lang="en-US" sz="1400" b="0" i="0" u="none" strike="noStrike" kern="1200" cap="none" spc="0" normalizeH="0" baseline="0" noProof="0" dirty="0" smtClean="0">
+                <a:ln>
+                  <a:noFill/>
+                </a:ln>
+                <a:solidFill>
+                  <a:schemeClr val="tx1"/>
+                </a:solidFill>
+                <a:effectLst/>
+                <a:uLnTx/>
+                <a:uFillTx/>
+                <a:latin typeface="+mn-lt"/>
+                <a:ea typeface="+mn-ea"/>
+                <a:cs typeface="+mn-cs"/>
+              </a:rPr>
+              <a:t>https://github.com/asidorov01/rit2012</a:t>
+            </a:r>
+            <a:endParaRPr kumimoji="0" lang="ru-RU" sz="1400" b="0" i="0" u="none" strike="noStrike" kern="1200" cap="none" spc="0" normalizeH="0" baseline="0" noProof="0" dirty="0">
+              <a:ln>
+                <a:noFill/>
+              </a:ln>
+              <a:solidFill>
+                <a:schemeClr val="tx1"/>
+              </a:solidFill>
+              <a:effectLst/>
+              <a:uLnTx/>
+              <a:uFillTx/>
+              <a:latin typeface="+mn-lt"/>
+              <a:ea typeface="+mn-ea"/>
+              <a:cs typeface="+mn-cs"/>
+            </a:endParaRPr>
+          </a:p>
+        </p:txBody>
+      </p:sp>
+      <p:sp>
+        <p:nvSpPr>
+          <p:cNvPr id="45" name="TextBox 44"/>
+          <p:cNvSpPr txBox="1"/>
+          <p:nvPr/>
+        </p:nvSpPr>
+        <p:spPr>
+          <a:xfrm>
+            <a:off x="1785918" y="5857892"/>
+            <a:ext cx="2500330" cy="785818"/>
+          </a:xfrm>
+          <a:prstGeom prst="rect">
+            <a:avLst/>
+          </a:prstGeom>
+        </p:spPr>
+        <p:txBody>
+          <a:bodyPr vert="horz" wrap="none" lIns="91440" tIns="45720" rIns="91440" bIns="45720" rtlCol="0">
+            <a:normAutofit/>
+          </a:bodyPr>
+          <a:lstStyle/>
+          <a:p>
+            <a:pPr marL="342900" indent="-342900">
+              <a:spcBef>
+                <a:spcPct val="20000"/>
+              </a:spcBef>
+            </a:pPr>
+            <a:r>
+              <a:rPr lang="ru-RU" sz="1600" dirty="0" smtClean="0"/>
+              <a:t>Можно использовать</a:t>
+            </a:r>
+            <a:endParaRPr lang="en-US" sz="1600" dirty="0" smtClean="0"/>
+          </a:p>
+          <a:p>
+            <a:pPr marL="342900" indent="-342900">
+              <a:spcBef>
+                <a:spcPct val="20000"/>
+              </a:spcBef>
+            </a:pPr>
+            <a:r>
+              <a:rPr lang="ru-RU" sz="1600" dirty="0" smtClean="0"/>
+              <a:t> </a:t>
+            </a:r>
+            <a:r>
+              <a:rPr lang="en-US" sz="1600" dirty="0" err="1" smtClean="0"/>
+              <a:t>ini</a:t>
+            </a:r>
+            <a:r>
+              <a:rPr lang="en-US" sz="1600" dirty="0" smtClean="0"/>
+              <a:t>, xml, </a:t>
+            </a:r>
+            <a:r>
+              <a:rPr lang="en-US" sz="1600" dirty="0" err="1" smtClean="0"/>
+              <a:t>yaml</a:t>
+            </a:r>
+            <a:r>
+              <a:rPr lang="en-US" sz="1600" dirty="0" smtClean="0"/>
+              <a:t>, array</a:t>
+            </a:r>
+            <a:endParaRPr kumimoji="0" lang="ru-RU" sz="1600" b="0" i="0" u="none" strike="noStrike" kern="1200" cap="none" spc="0" normalizeH="0" noProof="0" dirty="0" smtClean="0">
+              <a:ln>
+                <a:noFill/>
+              </a:ln>
+              <a:solidFill>
+                <a:schemeClr val="tx1"/>
+              </a:solidFill>
+              <a:effectLst/>
+              <a:uLnTx/>
+              <a:uFillTx/>
+              <a:latin typeface="+mn-lt"/>
+              <a:ea typeface="+mn-ea"/>
+              <a:cs typeface="+mn-cs"/>
+            </a:endParaRPr>
+          </a:p>
+        </p:txBody>
+      </p:sp>
+      <p:sp>
+        <p:nvSpPr>
+          <p:cNvPr id="11" name="Прямоугольник 10"/>
+          <p:cNvSpPr/>
+          <p:nvPr/>
+        </p:nvSpPr>
+        <p:spPr>
+          <a:xfrm>
+            <a:off x="7143768" y="785794"/>
+            <a:ext cx="1643074" cy="428628"/>
+          </a:xfrm>
+          <a:prstGeom prst="rect">
+            <a:avLst/>
+          </a:prstGeom>
+          <a:solidFill>
+            <a:schemeClr val="bg2"/>
+          </a:solidFill>
+        </p:spPr>
+        <p:style>
+          <a:lnRef idx="2">
+            <a:schemeClr val="accent1">
+              <a:shade val="50000"/>
+            </a:schemeClr>
+          </a:lnRef>
+          <a:fillRef idx="1">
+            <a:schemeClr val="accent1"/>
+          </a:fillRef>
+          <a:effectRef idx="0">
+            <a:schemeClr val="accent1"/>
+          </a:effectRef>
+          <a:fontRef idx="minor">
+            <a:schemeClr val="lt1"/>
+          </a:fontRef>
+        </p:style>
+        <p:txBody>
+          <a:bodyPr rtlCol="0" anchor="ctr"/>
+          <a:lstStyle/>
+          <a:p>
+            <a:pPr algn="ctr"/>
+            <a:r>
+              <a:rPr lang="en-US" dirty="0" smtClean="0">
+                <a:solidFill>
+                  <a:schemeClr val="tx2"/>
+                </a:solidFill>
+              </a:rPr>
+              <a:t>Storage</a:t>
+            </a:r>
+            <a:endParaRPr lang="ru-RU" dirty="0">
+              <a:solidFill>
+                <a:schemeClr val="tx2"/>
+              </a:solidFill>
+            </a:endParaRPr>
+          </a:p>
+        </p:txBody>
+      </p:sp>
+      <p:sp>
+        <p:nvSpPr>
+          <p:cNvPr id="15" name="Прямоугольник 14"/>
+          <p:cNvSpPr/>
+          <p:nvPr/>
+        </p:nvSpPr>
+        <p:spPr>
+          <a:xfrm>
+            <a:off x="6929454" y="1571612"/>
+            <a:ext cx="2000264" cy="357190"/>
+          </a:xfrm>
+          <a:prstGeom prst="rect">
+            <a:avLst/>
+          </a:prstGeom>
+          <a:solidFill>
+            <a:schemeClr val="accent3"/>
+          </a:solidFill>
+        </p:spPr>
+        <p:style>
+          <a:lnRef idx="2">
+            <a:schemeClr val="accent1">
+              <a:shade val="50000"/>
+            </a:schemeClr>
+          </a:lnRef>
+          <a:fillRef idx="1">
+            <a:schemeClr val="accent1"/>
+          </a:fillRef>
+          <a:effectRef idx="0">
+            <a:schemeClr val="accent1"/>
+          </a:effectRef>
+          <a:fontRef idx="minor">
+            <a:schemeClr val="lt1"/>
+          </a:fontRef>
+        </p:style>
+        <p:txBody>
+          <a:bodyPr rtlCol="0" anchor="ctr"/>
+          <a:lstStyle/>
+          <a:p>
+            <a:pPr algn="ctr"/>
+            <a:r>
+              <a:rPr lang="en-US" dirty="0" smtClean="0"/>
+              <a:t>DI Container</a:t>
+            </a:r>
+          </a:p>
+        </p:txBody>
+      </p:sp>
+      <p:cxnSp>
+        <p:nvCxnSpPr>
+          <p:cNvPr id="19" name="Прямая со стрелкой 18"/>
+          <p:cNvCxnSpPr>
+            <a:stCxn id="11" idx="2"/>
+            <a:endCxn id="15" idx="0"/>
+          </p:cNvCxnSpPr>
+          <p:nvPr/>
+        </p:nvCxnSpPr>
+        <p:spPr>
+          <a:xfrm rot="5400000">
+            <a:off x="7768851" y="1375158"/>
+            <a:ext cx="357190" cy="35719"/>
+          </a:xfrm>
+          <a:prstGeom prst="straightConnector1">
+            <a:avLst/>
+          </a:prstGeom>
+          <a:ln>
+            <a:headEnd type="arrow"/>
+            <a:tailEnd type="arrow"/>
+          </a:ln>
+        </p:spPr>
+        <p:style>
+          <a:lnRef idx="1">
+            <a:schemeClr val="accent1"/>
+          </a:lnRef>
+          <a:fillRef idx="0">
+            <a:schemeClr val="accent1"/>
+          </a:fillRef>
+          <a:effectRef idx="0">
+            <a:schemeClr val="accent1"/>
+          </a:effectRef>
+          <a:fontRef idx="minor">
+            <a:schemeClr val="tx1"/>
+          </a:fontRef>
+        </p:style>
+      </p:cxnSp>
+      <p:cxnSp>
+        <p:nvCxnSpPr>
+          <p:cNvPr id="27" name="Прямая со стрелкой 26"/>
+          <p:cNvCxnSpPr/>
+          <p:nvPr/>
+        </p:nvCxnSpPr>
+        <p:spPr>
+          <a:xfrm rot="5400000" flipH="1" flipV="1">
+            <a:off x="2821769" y="5393545"/>
+            <a:ext cx="857256" cy="71438"/>
+          </a:xfrm>
+          <a:prstGeom prst="straightConnector1">
+            <a:avLst/>
+          </a:prstGeom>
+          <a:ln>
+            <a:tailEnd type="arrow"/>
+          </a:ln>
+        </p:spPr>
+        <p:style>
+          <a:lnRef idx="1">
+            <a:schemeClr val="accent1"/>
+          </a:lnRef>
+          <a:fillRef idx="0">
+            <a:schemeClr val="accent1"/>
+          </a:fillRef>
+          <a:effectRef idx="0">
+            <a:schemeClr val="accent1"/>
+          </a:effectRef>
+          <a:fontRef idx="minor">
+            <a:schemeClr val="tx1"/>
+          </a:fontRef>
+        </p:style>
+      </p:cxnSp>
+      <p:sp>
+        <p:nvSpPr>
+          <p:cNvPr id="30" name="TextBox 29"/>
+          <p:cNvSpPr txBox="1"/>
+          <p:nvPr/>
+        </p:nvSpPr>
+        <p:spPr>
+          <a:xfrm>
+            <a:off x="3714744" y="857232"/>
+            <a:ext cx="2928958" cy="571504"/>
+          </a:xfrm>
+          <a:prstGeom prst="rect">
+            <a:avLst/>
+          </a:prstGeom>
+        </p:spPr>
+        <p:txBody>
+          <a:bodyPr vert="horz" wrap="none" lIns="91440" tIns="45720" rIns="91440" bIns="45720" rtlCol="0">
+            <a:normAutofit/>
+          </a:bodyPr>
+          <a:lstStyle/>
+          <a:p>
+            <a:pPr marL="342900" marR="0" indent="-342900" algn="l" defTabSz="914400" rtl="0" eaLnBrk="1" fontAlgn="auto" latinLnBrk="0" hangingPunct="1">
+              <a:lnSpc>
+                <a:spcPct val="100000"/>
+              </a:lnSpc>
+              <a:spcBef>
+                <a:spcPct val="20000"/>
+              </a:spcBef>
+              <a:spcAft>
+                <a:spcPts val="0"/>
+              </a:spcAft>
+              <a:buClrTx/>
+              <a:buSzTx/>
+              <a:tabLst/>
+            </a:pPr>
+            <a:r>
+              <a:rPr kumimoji="0" lang="ru-RU" sz="1400" b="0" i="0" u="none" strike="noStrike" kern="1200" cap="none" spc="0" normalizeH="0" baseline="0" noProof="0" dirty="0" smtClean="0">
+                <a:ln>
+                  <a:noFill/>
+                </a:ln>
+                <a:solidFill>
+                  <a:schemeClr val="tx1"/>
+                </a:solidFill>
+                <a:effectLst/>
+                <a:uLnTx/>
+                <a:uFillTx/>
+                <a:latin typeface="+mn-lt"/>
+                <a:ea typeface="+mn-ea"/>
+                <a:cs typeface="+mn-cs"/>
+              </a:rPr>
+              <a:t>Сервисы</a:t>
+            </a:r>
+            <a:r>
+              <a:rPr kumimoji="0" lang="ru-RU" sz="1400" b="0" i="0" u="none" strike="noStrike" kern="1200" cap="none" spc="0" normalizeH="0" noProof="0" dirty="0" smtClean="0">
+                <a:ln>
+                  <a:noFill/>
+                </a:ln>
+                <a:solidFill>
+                  <a:schemeClr val="tx1"/>
+                </a:solidFill>
+                <a:effectLst/>
+                <a:uLnTx/>
+                <a:uFillTx/>
+                <a:latin typeface="+mn-lt"/>
+                <a:ea typeface="+mn-ea"/>
+                <a:cs typeface="+mn-cs"/>
+              </a:rPr>
+              <a:t> хранятся в одном  свойстве</a:t>
+            </a:r>
+            <a:endParaRPr kumimoji="0" lang="ru-RU" sz="1400" b="0" i="0" u="none" strike="noStrike" kern="1200" cap="none" spc="0" normalizeH="0" baseline="0" noProof="0" dirty="0" smtClean="0">
+              <a:ln>
+                <a:noFill/>
+              </a:ln>
+              <a:solidFill>
+                <a:schemeClr val="tx1"/>
+              </a:solidFill>
+              <a:effectLst/>
+              <a:uLnTx/>
+              <a:uFillTx/>
+              <a:latin typeface="+mn-lt"/>
+              <a:ea typeface="+mn-ea"/>
+              <a:cs typeface="+mn-cs"/>
+            </a:endParaRPr>
+          </a:p>
+        </p:txBody>
+      </p:sp>
+      <p:cxnSp>
+        <p:nvCxnSpPr>
+          <p:cNvPr id="32" name="Прямая со стрелкой 31"/>
+          <p:cNvCxnSpPr/>
+          <p:nvPr/>
+        </p:nvCxnSpPr>
+        <p:spPr>
+          <a:xfrm rot="10800000" flipV="1">
+            <a:off x="2571736" y="1000108"/>
+            <a:ext cx="1214446" cy="214314"/>
+          </a:xfrm>
+          <a:prstGeom prst="straightConnector1">
+            <a:avLst/>
+          </a:prstGeom>
+          <a:ln>
+            <a:tailEnd type="arrow"/>
+          </a:ln>
+        </p:spPr>
+        <p:style>
+          <a:lnRef idx="1">
+            <a:schemeClr val="accent1"/>
+          </a:lnRef>
+          <a:fillRef idx="0">
+            <a:schemeClr val="accent1"/>
+          </a:fillRef>
+          <a:effectRef idx="0">
+            <a:schemeClr val="accent1"/>
+          </a:effectRef>
+          <a:fontRef idx="minor">
+            <a:schemeClr val="tx1"/>
+          </a:fontRef>
+        </p:style>
+      </p:cxnSp>
     </p:spTree>
   </p:cSld>
   <p:clrMapOvr>
@@ -4012,7 +5189,7 @@
 </p:sld>
 </file>
 
-<file path=ppt/slides/slide4.xml><?xml version="1.0" encoding="utf-8"?>
+<file path=ppt/slides/slide12.xml><?xml version="1.0" encoding="utf-8"?>
 <p:sld xmlns:a="http://schemas.openxmlformats.org/drawingml/2006/main" xmlns:r="http://schemas.openxmlformats.org/officeDocument/2006/relationships" xmlns:p="http://schemas.openxmlformats.org/presentationml/2006/main">
   <p:cSld>
     <p:spTree>
@@ -4029,6 +5206,30 @@
           <a:chExt cx="0" cy="0"/>
         </a:xfrm>
       </p:grpSpPr>
+      <p:pic>
+        <p:nvPicPr>
+          <p:cNvPr id="29" name="Рисунок 28" descr="12.png"/>
+          <p:cNvPicPr>
+            <a:picLocks noChangeAspect="1"/>
+          </p:cNvPicPr>
+          <p:nvPr/>
+        </p:nvPicPr>
+        <p:blipFill>
+          <a:blip r:embed="rId3"/>
+          <a:stretch>
+            <a:fillRect/>
+          </a:stretch>
+        </p:blipFill>
+        <p:spPr>
+          <a:xfrm>
+            <a:off x="224371" y="3714752"/>
+            <a:ext cx="4276191" cy="2076191"/>
+          </a:xfrm>
+          <a:prstGeom prst="rect">
+            <a:avLst/>
+          </a:prstGeom>
+        </p:spPr>
+      </p:pic>
       <p:sp>
         <p:nvSpPr>
           <p:cNvPr id="2" name="Заголовок 1"/>
@@ -4053,7 +5254,11 @@
           <a:p>
             <a:r>
               <a:rPr lang="en-US" sz="2800" dirty="0" smtClean="0"/>
-              <a:t>Abstract Factory.</a:t>
+              <a:t>User </a:t>
+            </a:r>
+            <a:r>
+              <a:rPr lang="ru-RU" sz="2800" dirty="0" smtClean="0"/>
+              <a:t>как сервис</a:t>
             </a:r>
             <a:endParaRPr lang="ru-RU" sz="2800" dirty="0"/>
           </a:p>
@@ -4061,70 +5266,1192 @@
       </p:sp>
       <p:sp>
         <p:nvSpPr>
-          <p:cNvPr id="6" name="TextBox 5"/>
-          <p:cNvSpPr txBox="1"/>
+          <p:cNvPr id="8" name="Подзаголовок 2"/>
+          <p:cNvSpPr txBox="1">
+            <a:spLocks/>
+          </p:cNvSpPr>
           <p:nvPr/>
         </p:nvSpPr>
         <p:spPr>
           <a:xfrm>
-            <a:off x="6000760" y="642918"/>
-            <a:ext cx="2928958" cy="1815882"/>
+            <a:off x="5714976" y="6148374"/>
+            <a:ext cx="3429024" cy="709626"/>
           </a:xfrm>
           <a:prstGeom prst="rect">
             <a:avLst/>
           </a:prstGeom>
-          <a:noFill/>
-        </p:spPr>
-        <p:txBody>
-          <a:bodyPr wrap="square" rtlCol="0">
+        </p:spPr>
+        <p:txBody>
+          <a:bodyPr vert="horz" lIns="91440" tIns="45720" rIns="91440" bIns="45720" rtlCol="0">
+            <a:normAutofit/>
+          </a:bodyPr>
+          <a:lstStyle/>
+          <a:p>
+            <a:pPr marL="342900" marR="0" lvl="0" indent="-342900" algn="l" defTabSz="914400" rtl="0" eaLnBrk="1" fontAlgn="auto" latinLnBrk="0" hangingPunct="1">
+              <a:lnSpc>
+                <a:spcPct val="100000"/>
+              </a:lnSpc>
+              <a:spcBef>
+                <a:spcPct val="20000"/>
+              </a:spcBef>
+              <a:spcAft>
+                <a:spcPts val="0"/>
+              </a:spcAft>
+              <a:buClrTx/>
+              <a:buSzTx/>
+              <a:tabLst/>
+              <a:defRPr/>
+            </a:pPr>
+            <a:r>
+              <a:rPr kumimoji="0" lang="ru-RU" sz="1400" b="0" i="0" u="none" strike="noStrike" kern="1200" cap="none" spc="0" normalizeH="0" baseline="0" noProof="0" dirty="0" smtClean="0">
+                <a:ln>
+                  <a:noFill/>
+                </a:ln>
+                <a:solidFill>
+                  <a:schemeClr val="tx1"/>
+                </a:solidFill>
+                <a:effectLst/>
+                <a:uLnTx/>
+                <a:uFillTx/>
+                <a:latin typeface="+mn-lt"/>
+                <a:ea typeface="+mn-ea"/>
+                <a:cs typeface="+mn-cs"/>
+              </a:rPr>
+              <a:t>Сидоров Александр</a:t>
+            </a:r>
+            <a:r>
+              <a:rPr kumimoji="0" lang="en-US" sz="1400" b="0" i="0" u="none" strike="noStrike" kern="1200" cap="none" spc="0" normalizeH="0" baseline="0" noProof="0" dirty="0" smtClean="0">
+                <a:ln>
+                  <a:noFill/>
+                </a:ln>
+                <a:solidFill>
+                  <a:schemeClr val="tx1"/>
+                </a:solidFill>
+                <a:effectLst/>
+                <a:uLnTx/>
+                <a:uFillTx/>
+                <a:latin typeface="+mn-lt"/>
+                <a:ea typeface="+mn-ea"/>
+                <a:cs typeface="+mn-cs"/>
+              </a:rPr>
+              <a:t>  </a:t>
+            </a:r>
+            <a:r>
+              <a:rPr kumimoji="0" lang="en-US" sz="1400" b="0" i="0" u="none" strike="noStrike" kern="1200" cap="none" spc="0" normalizeH="0" baseline="0" noProof="0" dirty="0" smtClean="0">
+                <a:ln>
+                  <a:noFill/>
+                </a:ln>
+                <a:solidFill>
+                  <a:schemeClr val="tx1"/>
+                </a:solidFill>
+                <a:effectLst/>
+                <a:uLnTx/>
+                <a:uFillTx/>
+                <a:latin typeface="+mn-lt"/>
+                <a:ea typeface="+mn-ea"/>
+                <a:cs typeface="+mn-cs"/>
+                <a:hlinkClick r:id="rId4"/>
+              </a:rPr>
+              <a:t>http://clever-web.net/</a:t>
+            </a:r>
+            <a:endParaRPr kumimoji="0" lang="en-US" sz="1400" b="0" i="0" u="none" strike="noStrike" kern="1200" cap="none" spc="0" normalizeH="0" baseline="0" noProof="0" dirty="0" smtClean="0">
+              <a:ln>
+                <a:noFill/>
+              </a:ln>
+              <a:solidFill>
+                <a:schemeClr val="tx1"/>
+              </a:solidFill>
+              <a:effectLst/>
+              <a:uLnTx/>
+              <a:uFillTx/>
+              <a:latin typeface="+mn-lt"/>
+              <a:ea typeface="+mn-ea"/>
+              <a:cs typeface="+mn-cs"/>
+            </a:endParaRPr>
+          </a:p>
+          <a:p>
+            <a:pPr marL="342900" marR="0" lvl="0" indent="-342900" algn="l" defTabSz="914400" rtl="0" eaLnBrk="1" fontAlgn="auto" latinLnBrk="0" hangingPunct="1">
+              <a:lnSpc>
+                <a:spcPct val="100000"/>
+              </a:lnSpc>
+              <a:spcBef>
+                <a:spcPct val="20000"/>
+              </a:spcBef>
+              <a:spcAft>
+                <a:spcPts val="0"/>
+              </a:spcAft>
+              <a:buClrTx/>
+              <a:buSzTx/>
+              <a:tabLst/>
+              <a:defRPr/>
+            </a:pPr>
+            <a:r>
+              <a:rPr kumimoji="0" lang="en-US" sz="1400" b="0" i="0" u="none" strike="noStrike" kern="1200" cap="none" spc="0" normalizeH="0" baseline="0" noProof="0" dirty="0" smtClean="0">
+                <a:ln>
+                  <a:noFill/>
+                </a:ln>
+                <a:solidFill>
+                  <a:schemeClr val="tx1"/>
+                </a:solidFill>
+                <a:effectLst/>
+                <a:uLnTx/>
+                <a:uFillTx/>
+                <a:latin typeface="+mn-lt"/>
+                <a:ea typeface="+mn-ea"/>
+                <a:cs typeface="+mn-cs"/>
+              </a:rPr>
+              <a:t>https://github.com/asidorov01/rit2012</a:t>
+            </a:r>
+            <a:endParaRPr kumimoji="0" lang="ru-RU" sz="1400" b="0" i="0" u="none" strike="noStrike" kern="1200" cap="none" spc="0" normalizeH="0" baseline="0" noProof="0" dirty="0">
+              <a:ln>
+                <a:noFill/>
+              </a:ln>
+              <a:solidFill>
+                <a:schemeClr val="tx1"/>
+              </a:solidFill>
+              <a:effectLst/>
+              <a:uLnTx/>
+              <a:uFillTx/>
+              <a:latin typeface="+mn-lt"/>
+              <a:ea typeface="+mn-ea"/>
+              <a:cs typeface="+mn-cs"/>
+            </a:endParaRPr>
+          </a:p>
+        </p:txBody>
+      </p:sp>
+      <p:sp>
+        <p:nvSpPr>
+          <p:cNvPr id="45" name="TextBox 44"/>
+          <p:cNvSpPr txBox="1"/>
+          <p:nvPr/>
+        </p:nvSpPr>
+        <p:spPr>
+          <a:xfrm>
+            <a:off x="4500562" y="4500570"/>
+            <a:ext cx="3714776" cy="785818"/>
+          </a:xfrm>
+          <a:prstGeom prst="rect">
+            <a:avLst/>
+          </a:prstGeom>
+        </p:spPr>
+        <p:txBody>
+          <a:bodyPr vert="horz" wrap="none" lIns="91440" tIns="45720" rIns="91440" bIns="45720" rtlCol="0">
+            <a:normAutofit fontScale="92500" lnSpcReduction="20000"/>
+          </a:bodyPr>
+          <a:lstStyle/>
+          <a:p>
+            <a:pPr marL="342900" indent="-342900">
+              <a:spcBef>
+                <a:spcPct val="20000"/>
+              </a:spcBef>
+            </a:pPr>
+            <a:r>
+              <a:rPr lang="ru-RU" sz="1600" dirty="0" smtClean="0"/>
+              <a:t>Любой класс может быть добавлен как сервис,</a:t>
+            </a:r>
+          </a:p>
+          <a:p>
+            <a:pPr marL="342900" indent="-342900">
+              <a:spcBef>
+                <a:spcPct val="20000"/>
+              </a:spcBef>
+            </a:pPr>
+            <a:r>
+              <a:rPr lang="ru-RU" sz="1600" dirty="0" smtClean="0"/>
+              <a:t> и использован например,</a:t>
+            </a:r>
+          </a:p>
+          <a:p>
+            <a:pPr marL="342900" indent="-342900">
+              <a:spcBef>
+                <a:spcPct val="20000"/>
+              </a:spcBef>
+            </a:pPr>
+            <a:r>
+              <a:rPr lang="ru-RU" sz="1600" dirty="0" smtClean="0"/>
+              <a:t> в </a:t>
+            </a:r>
+            <a:r>
+              <a:rPr lang="en-US" sz="1600" dirty="0" smtClean="0"/>
+              <a:t>MVC </a:t>
+            </a:r>
+            <a:r>
+              <a:rPr lang="ru-RU" sz="1600" dirty="0" smtClean="0"/>
+              <a:t>контроллере, либо в </a:t>
+            </a:r>
+            <a:r>
+              <a:rPr lang="en-US" sz="1600" dirty="0" smtClean="0"/>
+              <a:t>CLI </a:t>
+            </a:r>
+            <a:r>
+              <a:rPr lang="ru-RU" sz="1600" dirty="0" err="1" smtClean="0"/>
+              <a:t>скрипте</a:t>
+            </a:r>
+            <a:r>
+              <a:rPr lang="ru-RU" sz="1600" dirty="0" smtClean="0"/>
+              <a:t>.</a:t>
+            </a:r>
+            <a:endParaRPr kumimoji="0" lang="ru-RU" sz="1600" b="0" i="0" u="none" strike="noStrike" kern="1200" cap="none" spc="0" normalizeH="0" noProof="0" dirty="0" smtClean="0">
+              <a:ln>
+                <a:noFill/>
+              </a:ln>
+              <a:solidFill>
+                <a:schemeClr val="tx1"/>
+              </a:solidFill>
+              <a:effectLst/>
+              <a:uLnTx/>
+              <a:uFillTx/>
+              <a:latin typeface="+mn-lt"/>
+              <a:ea typeface="+mn-ea"/>
+              <a:cs typeface="+mn-cs"/>
+            </a:endParaRPr>
+          </a:p>
+        </p:txBody>
+      </p:sp>
+      <p:sp>
+        <p:nvSpPr>
+          <p:cNvPr id="13" name="Прямоугольник 12"/>
+          <p:cNvSpPr/>
+          <p:nvPr/>
+        </p:nvSpPr>
+        <p:spPr>
+          <a:xfrm>
+            <a:off x="5929322" y="1285860"/>
+            <a:ext cx="1643074" cy="428628"/>
+          </a:xfrm>
+          <a:prstGeom prst="rect">
+            <a:avLst/>
+          </a:prstGeom>
+          <a:solidFill>
+            <a:schemeClr val="bg2"/>
+          </a:solidFill>
+        </p:spPr>
+        <p:style>
+          <a:lnRef idx="2">
+            <a:schemeClr val="accent1">
+              <a:shade val="50000"/>
+            </a:schemeClr>
+          </a:lnRef>
+          <a:fillRef idx="1">
+            <a:schemeClr val="accent1"/>
+          </a:fillRef>
+          <a:effectRef idx="0">
+            <a:schemeClr val="accent1"/>
+          </a:effectRef>
+          <a:fontRef idx="minor">
+            <a:schemeClr val="lt1"/>
+          </a:fontRef>
+        </p:style>
+        <p:txBody>
+          <a:bodyPr rtlCol="0" anchor="ctr"/>
+          <a:lstStyle/>
+          <a:p>
+            <a:pPr algn="ctr"/>
+            <a:r>
+              <a:rPr lang="en-US" dirty="0" smtClean="0">
+                <a:solidFill>
+                  <a:schemeClr val="tx2"/>
+                </a:solidFill>
+              </a:rPr>
+              <a:t>Storage</a:t>
+            </a:r>
+            <a:endParaRPr lang="ru-RU" dirty="0">
+              <a:solidFill>
+                <a:schemeClr val="tx2"/>
+              </a:solidFill>
+            </a:endParaRPr>
+          </a:p>
+        </p:txBody>
+      </p:sp>
+      <p:cxnSp>
+        <p:nvCxnSpPr>
+          <p:cNvPr id="14" name="Прямая со стрелкой 13"/>
+          <p:cNvCxnSpPr>
+            <a:stCxn id="16" idx="2"/>
+            <a:endCxn id="23" idx="0"/>
+          </p:cNvCxnSpPr>
+          <p:nvPr/>
+        </p:nvCxnSpPr>
+        <p:spPr>
+          <a:xfrm rot="16200000" flipH="1">
+            <a:off x="4179091" y="2750339"/>
+            <a:ext cx="714380" cy="214314"/>
+          </a:xfrm>
+          <a:prstGeom prst="straightConnector1">
+            <a:avLst/>
+          </a:prstGeom>
+          <a:ln>
+            <a:headEnd type="arrow"/>
+            <a:tailEnd type="arrow"/>
+          </a:ln>
+        </p:spPr>
+        <p:style>
+          <a:lnRef idx="1">
+            <a:schemeClr val="accent1"/>
+          </a:lnRef>
+          <a:fillRef idx="0">
+            <a:schemeClr val="accent1"/>
+          </a:fillRef>
+          <a:effectRef idx="0">
+            <a:schemeClr val="accent1"/>
+          </a:effectRef>
+          <a:fontRef idx="minor">
+            <a:schemeClr val="tx1"/>
+          </a:fontRef>
+        </p:style>
+      </p:cxnSp>
+      <p:sp>
+        <p:nvSpPr>
+          <p:cNvPr id="16" name="Прямоугольник 15"/>
+          <p:cNvSpPr/>
+          <p:nvPr/>
+        </p:nvSpPr>
+        <p:spPr>
+          <a:xfrm>
+            <a:off x="3428992" y="2143116"/>
+            <a:ext cx="2000264" cy="357190"/>
+          </a:xfrm>
+          <a:prstGeom prst="rect">
+            <a:avLst/>
+          </a:prstGeom>
+          <a:solidFill>
+            <a:schemeClr val="accent3"/>
+          </a:solidFill>
+        </p:spPr>
+        <p:style>
+          <a:lnRef idx="2">
+            <a:schemeClr val="accent1">
+              <a:shade val="50000"/>
+            </a:schemeClr>
+          </a:lnRef>
+          <a:fillRef idx="1">
+            <a:schemeClr val="accent1"/>
+          </a:fillRef>
+          <a:effectRef idx="0">
+            <a:schemeClr val="accent1"/>
+          </a:effectRef>
+          <a:fontRef idx="minor">
+            <a:schemeClr val="lt1"/>
+          </a:fontRef>
+        </p:style>
+        <p:txBody>
+          <a:bodyPr rtlCol="0" anchor="ctr"/>
+          <a:lstStyle/>
+          <a:p>
+            <a:pPr algn="ctr"/>
+            <a:r>
+              <a:rPr lang="en-US" dirty="0" smtClean="0"/>
+              <a:t>DI Container</a:t>
+            </a:r>
+          </a:p>
+        </p:txBody>
+      </p:sp>
+      <p:sp>
+        <p:nvSpPr>
+          <p:cNvPr id="17" name="Прямоугольник 16"/>
+          <p:cNvSpPr/>
+          <p:nvPr/>
+        </p:nvSpPr>
+        <p:spPr>
+          <a:xfrm>
+            <a:off x="3690808" y="1132351"/>
+            <a:ext cx="1643074" cy="428628"/>
+          </a:xfrm>
+          <a:prstGeom prst="rect">
+            <a:avLst/>
+          </a:prstGeom>
+          <a:solidFill>
+            <a:schemeClr val="bg2"/>
+          </a:solidFill>
+        </p:spPr>
+        <p:style>
+          <a:lnRef idx="2">
+            <a:schemeClr val="accent1">
+              <a:shade val="50000"/>
+            </a:schemeClr>
+          </a:lnRef>
+          <a:fillRef idx="1">
+            <a:schemeClr val="accent1"/>
+          </a:fillRef>
+          <a:effectRef idx="0">
+            <a:schemeClr val="accent1"/>
+          </a:effectRef>
+          <a:fontRef idx="minor">
+            <a:schemeClr val="lt1"/>
+          </a:fontRef>
+        </p:style>
+        <p:txBody>
+          <a:bodyPr rtlCol="0" anchor="ctr"/>
+          <a:lstStyle/>
+          <a:p>
+            <a:pPr algn="ctr"/>
+            <a:r>
+              <a:rPr lang="en-US" dirty="0" smtClean="0">
+                <a:solidFill>
+                  <a:schemeClr val="tx2"/>
+                </a:solidFill>
+              </a:rPr>
+              <a:t>Request</a:t>
+            </a:r>
+            <a:endParaRPr lang="ru-RU" dirty="0">
+              <a:solidFill>
+                <a:schemeClr val="tx2"/>
+              </a:solidFill>
+            </a:endParaRPr>
+          </a:p>
+        </p:txBody>
+      </p:sp>
+      <p:sp>
+        <p:nvSpPr>
+          <p:cNvPr id="18" name="Прямоугольник 17"/>
+          <p:cNvSpPr/>
+          <p:nvPr/>
+        </p:nvSpPr>
+        <p:spPr>
+          <a:xfrm>
+            <a:off x="1714480" y="1142984"/>
+            <a:ext cx="1643074" cy="428628"/>
+          </a:xfrm>
+          <a:prstGeom prst="rect">
+            <a:avLst/>
+          </a:prstGeom>
+          <a:solidFill>
+            <a:schemeClr val="bg2"/>
+          </a:solidFill>
+        </p:spPr>
+        <p:style>
+          <a:lnRef idx="2">
+            <a:schemeClr val="accent1">
+              <a:shade val="50000"/>
+            </a:schemeClr>
+          </a:lnRef>
+          <a:fillRef idx="1">
+            <a:schemeClr val="accent1"/>
+          </a:fillRef>
+          <a:effectRef idx="0">
+            <a:schemeClr val="accent1"/>
+          </a:effectRef>
+          <a:fontRef idx="minor">
+            <a:schemeClr val="lt1"/>
+          </a:fontRef>
+        </p:style>
+        <p:txBody>
+          <a:bodyPr rtlCol="0" anchor="ctr"/>
+          <a:lstStyle/>
+          <a:p>
+            <a:pPr algn="ctr"/>
+            <a:r>
+              <a:rPr lang="en-US" dirty="0" smtClean="0">
+                <a:solidFill>
+                  <a:schemeClr val="tx2"/>
+                </a:solidFill>
+              </a:rPr>
+              <a:t>DBAL</a:t>
+            </a:r>
+            <a:endParaRPr lang="ru-RU" dirty="0">
+              <a:solidFill>
+                <a:schemeClr val="tx2"/>
+              </a:solidFill>
+            </a:endParaRPr>
+          </a:p>
+        </p:txBody>
+      </p:sp>
+      <p:cxnSp>
+        <p:nvCxnSpPr>
+          <p:cNvPr id="20" name="Прямая со стрелкой 19"/>
+          <p:cNvCxnSpPr>
+            <a:stCxn id="13" idx="2"/>
+            <a:endCxn id="16" idx="3"/>
+          </p:cNvCxnSpPr>
+          <p:nvPr/>
+        </p:nvCxnSpPr>
+        <p:spPr>
+          <a:xfrm rot="5400000">
+            <a:off x="5786447" y="1357298"/>
+            <a:ext cx="607223" cy="1321603"/>
+          </a:xfrm>
+          <a:prstGeom prst="straightConnector1">
+            <a:avLst/>
+          </a:prstGeom>
+          <a:ln>
+            <a:headEnd type="arrow"/>
+            <a:tailEnd type="arrow"/>
+          </a:ln>
+        </p:spPr>
+        <p:style>
+          <a:lnRef idx="1">
+            <a:schemeClr val="accent1"/>
+          </a:lnRef>
+          <a:fillRef idx="0">
+            <a:schemeClr val="accent1"/>
+          </a:fillRef>
+          <a:effectRef idx="0">
+            <a:schemeClr val="accent1"/>
+          </a:effectRef>
+          <a:fontRef idx="minor">
+            <a:schemeClr val="tx1"/>
+          </a:fontRef>
+        </p:style>
+      </p:cxnSp>
+      <p:cxnSp>
+        <p:nvCxnSpPr>
+          <p:cNvPr id="21" name="Прямая со стрелкой 20"/>
+          <p:cNvCxnSpPr>
+            <a:stCxn id="17" idx="2"/>
+            <a:endCxn id="16" idx="0"/>
+          </p:cNvCxnSpPr>
+          <p:nvPr/>
+        </p:nvCxnSpPr>
+        <p:spPr>
+          <a:xfrm rot="5400000">
+            <a:off x="4179667" y="1810437"/>
+            <a:ext cx="582137" cy="83221"/>
+          </a:xfrm>
+          <a:prstGeom prst="straightConnector1">
+            <a:avLst/>
+          </a:prstGeom>
+          <a:ln>
+            <a:headEnd type="arrow"/>
+            <a:tailEnd type="arrow"/>
+          </a:ln>
+        </p:spPr>
+        <p:style>
+          <a:lnRef idx="1">
+            <a:schemeClr val="accent1"/>
+          </a:lnRef>
+          <a:fillRef idx="0">
+            <a:schemeClr val="accent1"/>
+          </a:fillRef>
+          <a:effectRef idx="0">
+            <a:schemeClr val="accent1"/>
+          </a:effectRef>
+          <a:fontRef idx="minor">
+            <a:schemeClr val="tx1"/>
+          </a:fontRef>
+        </p:style>
+      </p:cxnSp>
+      <p:cxnSp>
+        <p:nvCxnSpPr>
+          <p:cNvPr id="22" name="Прямая со стрелкой 21"/>
+          <p:cNvCxnSpPr>
+            <a:stCxn id="18" idx="2"/>
+            <a:endCxn id="16" idx="1"/>
+          </p:cNvCxnSpPr>
+          <p:nvPr/>
+        </p:nvCxnSpPr>
+        <p:spPr>
+          <a:xfrm rot="16200000" flipH="1">
+            <a:off x="2607455" y="1500173"/>
+            <a:ext cx="750099" cy="892975"/>
+          </a:xfrm>
+          <a:prstGeom prst="straightConnector1">
+            <a:avLst/>
+          </a:prstGeom>
+          <a:ln>
+            <a:headEnd type="arrow"/>
+            <a:tailEnd type="arrow"/>
+          </a:ln>
+        </p:spPr>
+        <p:style>
+          <a:lnRef idx="1">
+            <a:schemeClr val="accent1"/>
+          </a:lnRef>
+          <a:fillRef idx="0">
+            <a:schemeClr val="accent1"/>
+          </a:fillRef>
+          <a:effectRef idx="0">
+            <a:schemeClr val="accent1"/>
+          </a:effectRef>
+          <a:fontRef idx="minor">
+            <a:schemeClr val="tx1"/>
+          </a:fontRef>
+        </p:style>
+      </p:cxnSp>
+      <p:sp>
+        <p:nvSpPr>
+          <p:cNvPr id="23" name="Прямоугольник 22"/>
+          <p:cNvSpPr/>
+          <p:nvPr/>
+        </p:nvSpPr>
+        <p:spPr>
+          <a:xfrm>
+            <a:off x="4071934" y="3214686"/>
+            <a:ext cx="1143008" cy="428628"/>
+          </a:xfrm>
+          <a:prstGeom prst="rect">
+            <a:avLst/>
+          </a:prstGeom>
+          <a:solidFill>
+            <a:schemeClr val="bg2"/>
+          </a:solidFill>
+        </p:spPr>
+        <p:style>
+          <a:lnRef idx="2">
+            <a:schemeClr val="accent1">
+              <a:shade val="50000"/>
+            </a:schemeClr>
+          </a:lnRef>
+          <a:fillRef idx="1">
+            <a:schemeClr val="accent1"/>
+          </a:fillRef>
+          <a:effectRef idx="0">
+            <a:schemeClr val="accent1"/>
+          </a:effectRef>
+          <a:fontRef idx="minor">
+            <a:schemeClr val="lt1"/>
+          </a:fontRef>
+        </p:style>
+        <p:txBody>
+          <a:bodyPr rtlCol="0" anchor="ctr"/>
+          <a:lstStyle/>
+          <a:p>
+            <a:pPr algn="ctr"/>
+            <a:r>
+              <a:rPr lang="en-US" dirty="0" smtClean="0">
+                <a:solidFill>
+                  <a:schemeClr val="tx2"/>
+                </a:solidFill>
+              </a:rPr>
+              <a:t>User</a:t>
+            </a:r>
+            <a:endParaRPr lang="ru-RU" dirty="0">
+              <a:solidFill>
+                <a:schemeClr val="tx2"/>
+              </a:solidFill>
+            </a:endParaRPr>
+          </a:p>
+        </p:txBody>
+      </p:sp>
+    </p:spTree>
+  </p:cSld>
+  <p:clrMapOvr>
+    <a:masterClrMapping/>
+  </p:clrMapOvr>
+</p:sld>
+</file>
+
+<file path=ppt/slides/slide13.xml><?xml version="1.0" encoding="utf-8"?>
+<p:sld xmlns:a="http://schemas.openxmlformats.org/drawingml/2006/main" xmlns:r="http://schemas.openxmlformats.org/officeDocument/2006/relationships" xmlns:p="http://schemas.openxmlformats.org/presentationml/2006/main">
+  <p:cSld>
+    <p:spTree>
+      <p:nvGrpSpPr>
+        <p:cNvPr id="1" name=""/>
+        <p:cNvGrpSpPr/>
+        <p:nvPr/>
+      </p:nvGrpSpPr>
+      <p:grpSpPr>
+        <a:xfrm>
+          <a:off x="0" y="0"/>
+          <a:ext cx="0" cy="0"/>
+          <a:chOff x="0" y="0"/>
+          <a:chExt cx="0" cy="0"/>
+        </a:xfrm>
+      </p:grpSpPr>
+      <p:sp>
+        <p:nvSpPr>
+          <p:cNvPr id="2" name="Заголовок 1"/>
+          <p:cNvSpPr>
+            <a:spLocks noGrp="1"/>
+          </p:cNvSpPr>
+          <p:nvPr>
+            <p:ph type="ctrTitle"/>
+          </p:nvPr>
+        </p:nvSpPr>
+        <p:spPr>
+          <a:xfrm>
+            <a:off x="714348" y="285728"/>
+            <a:ext cx="7772400" cy="785818"/>
+          </a:xfrm>
+        </p:spPr>
+        <p:txBody>
+          <a:bodyPr>
+            <a:normAutofit/>
+          </a:bodyPr>
+          <a:lstStyle/>
+          <a:p>
+            <a:r>
+              <a:rPr lang="ru-RU" dirty="0" smtClean="0"/>
+              <a:t>Узнать больше:</a:t>
+            </a:r>
+            <a:endParaRPr lang="ru-RU" dirty="0"/>
+          </a:p>
+        </p:txBody>
+      </p:sp>
+      <p:sp>
+        <p:nvSpPr>
+          <p:cNvPr id="3" name="Подзаголовок 2"/>
+          <p:cNvSpPr>
+            <a:spLocks noGrp="1"/>
+          </p:cNvSpPr>
+          <p:nvPr>
+            <p:ph type="subTitle" idx="1"/>
+          </p:nvPr>
+        </p:nvSpPr>
+        <p:spPr>
+          <a:xfrm>
+            <a:off x="1371600" y="3714752"/>
+            <a:ext cx="6400800" cy="1352544"/>
+          </a:xfrm>
+        </p:spPr>
+        <p:txBody>
+          <a:bodyPr>
+            <a:normAutofit fontScale="92500" lnSpcReduction="10000"/>
+          </a:bodyPr>
+          <a:lstStyle/>
+          <a:p>
+            <a:r>
+              <a:rPr lang="ru-RU" dirty="0" smtClean="0">
+                <a:solidFill>
+                  <a:schemeClr val="tx1"/>
+                </a:solidFill>
+              </a:rPr>
+              <a:t>Сидоров </a:t>
+            </a:r>
+            <a:r>
+              <a:rPr lang="ru-RU" dirty="0" smtClean="0">
+                <a:solidFill>
+                  <a:schemeClr val="tx1"/>
+                </a:solidFill>
+              </a:rPr>
+              <a:t>Александр</a:t>
+            </a:r>
+          </a:p>
+          <a:p>
+            <a:r>
+              <a:rPr lang="en-US" sz="2500" dirty="0" smtClean="0">
+                <a:solidFill>
+                  <a:schemeClr val="tx1"/>
+                </a:solidFill>
+                <a:hlinkClick r:id="rId2"/>
+              </a:rPr>
+              <a:t>http://clever-web.net</a:t>
+            </a:r>
+            <a:r>
+              <a:rPr lang="en-US" sz="2500" dirty="0" smtClean="0">
+                <a:solidFill>
+                  <a:schemeClr val="tx1"/>
+                </a:solidFill>
+                <a:hlinkClick r:id="rId2"/>
+              </a:rPr>
+              <a:t>/</a:t>
+            </a:r>
+            <a:endParaRPr lang="en-US" sz="2500" dirty="0" smtClean="0">
+              <a:solidFill>
+                <a:schemeClr val="tx1"/>
+              </a:solidFill>
+            </a:endParaRPr>
+          </a:p>
+          <a:p>
+            <a:r>
+              <a:rPr lang="en-US" sz="2500" dirty="0" smtClean="0">
+                <a:solidFill>
+                  <a:schemeClr val="tx1"/>
+                </a:solidFill>
+              </a:rPr>
+              <a:t>https://github.com/asidorov01/rit2012</a:t>
+            </a:r>
+            <a:endParaRPr lang="ru-RU" sz="2500" dirty="0">
+              <a:solidFill>
+                <a:schemeClr val="tx1"/>
+              </a:solidFill>
+            </a:endParaRPr>
+          </a:p>
+        </p:txBody>
+      </p:sp>
+      <p:sp>
+        <p:nvSpPr>
+          <p:cNvPr id="4" name="TextBox 3"/>
+          <p:cNvSpPr txBox="1"/>
+          <p:nvPr/>
+        </p:nvSpPr>
+        <p:spPr>
+          <a:xfrm>
+            <a:off x="4000496" y="928670"/>
+            <a:ext cx="914400" cy="914400"/>
+          </a:xfrm>
+          <a:prstGeom prst="rect">
+            <a:avLst/>
+          </a:prstGeom>
+        </p:spPr>
+        <p:txBody>
+          <a:bodyPr vert="horz" wrap="none" lIns="91440" tIns="45720" rIns="91440" bIns="45720" rtlCol="0">
+            <a:normAutofit/>
+          </a:bodyPr>
+          <a:lstStyle/>
+          <a:p>
+            <a:pPr marL="342900" marR="0" indent="-342900" algn="l" defTabSz="914400" rtl="0" eaLnBrk="1" fontAlgn="auto" latinLnBrk="0" hangingPunct="1">
+              <a:lnSpc>
+                <a:spcPct val="100000"/>
+              </a:lnSpc>
+              <a:spcBef>
+                <a:spcPct val="20000"/>
+              </a:spcBef>
+              <a:spcAft>
+                <a:spcPts val="0"/>
+              </a:spcAft>
+              <a:buClrTx/>
+              <a:buSzTx/>
+              <a:tabLst/>
+            </a:pPr>
+            <a:endParaRPr kumimoji="0" lang="ru-RU" sz="1400" b="0" i="0" u="none" strike="noStrike" kern="1200" cap="none" spc="0" normalizeH="0" baseline="0" noProof="0" dirty="0" smtClean="0">
+              <a:ln>
+                <a:noFill/>
+              </a:ln>
+              <a:solidFill>
+                <a:schemeClr val="tx1"/>
+              </a:solidFill>
+              <a:effectLst/>
+              <a:uLnTx/>
+              <a:uFillTx/>
+              <a:latin typeface="+mn-lt"/>
+              <a:ea typeface="+mn-ea"/>
+              <a:cs typeface="+mn-cs"/>
+            </a:endParaRPr>
+          </a:p>
+        </p:txBody>
+      </p:sp>
+      <p:sp>
+        <p:nvSpPr>
+          <p:cNvPr id="5" name="TextBox 4"/>
+          <p:cNvSpPr txBox="1"/>
+          <p:nvPr/>
+        </p:nvSpPr>
+        <p:spPr>
+          <a:xfrm>
+            <a:off x="500034" y="1071546"/>
+            <a:ext cx="4572032" cy="2000264"/>
+          </a:xfrm>
+          <a:prstGeom prst="rect">
+            <a:avLst/>
+          </a:prstGeom>
+        </p:spPr>
+        <p:txBody>
+          <a:bodyPr vert="horz" wrap="none" lIns="91440" tIns="45720" rIns="91440" bIns="45720" rtlCol="0">
+            <a:noAutofit/>
+          </a:bodyPr>
+          <a:lstStyle/>
+          <a:p>
+            <a:pPr marL="342900" indent="-342900">
+              <a:spcBef>
+                <a:spcPct val="20000"/>
+              </a:spcBef>
+              <a:buFont typeface="Arial" pitchFamily="34" charset="0"/>
+              <a:buChar char="•"/>
+            </a:pPr>
+            <a:r>
+              <a:rPr lang="en-US" sz="2000" dirty="0" smtClean="0">
+                <a:hlinkClick r:id="rId3"/>
+              </a:rPr>
+              <a:t>https</a:t>
+            </a:r>
+            <a:r>
+              <a:rPr lang="en-US" sz="2000" dirty="0" smtClean="0">
+                <a:hlinkClick r:id="rId3"/>
+              </a:rPr>
+              <a:t>://</a:t>
+            </a:r>
+            <a:r>
+              <a:rPr lang="en-US" sz="2000" dirty="0" smtClean="0">
+                <a:hlinkClick r:id="rId3"/>
+              </a:rPr>
+              <a:t>github.com/fabpot/Pimple</a:t>
+            </a:r>
+            <a:endParaRPr lang="en-US" sz="2000" dirty="0" smtClean="0"/>
+          </a:p>
+          <a:p>
+            <a:pPr marL="342900" indent="-342900">
+              <a:spcBef>
+                <a:spcPct val="20000"/>
+              </a:spcBef>
+              <a:buFont typeface="Arial" pitchFamily="34" charset="0"/>
+              <a:buChar char="•"/>
+            </a:pPr>
+            <a:r>
+              <a:rPr lang="en-US" sz="2000" dirty="0" smtClean="0">
+                <a:hlinkClick r:id="rId4"/>
+              </a:rPr>
+              <a:t>http</a:t>
+            </a:r>
+            <a:r>
+              <a:rPr lang="en-US" sz="2000" dirty="0" smtClean="0">
+                <a:hlinkClick r:id="rId4"/>
+              </a:rPr>
+              <a:t>://</a:t>
+            </a:r>
+            <a:r>
+              <a:rPr lang="en-US" sz="2000" dirty="0" smtClean="0">
+                <a:hlinkClick r:id="rId4"/>
+              </a:rPr>
+              <a:t>symfony.com/doc/current/components/dependency_injection.html</a:t>
+            </a:r>
+            <a:endParaRPr lang="en-US" sz="2000" dirty="0" smtClean="0"/>
+          </a:p>
+          <a:p>
+            <a:pPr marL="342900" indent="-342900">
+              <a:spcBef>
+                <a:spcPct val="20000"/>
+              </a:spcBef>
+              <a:buFont typeface="Arial" pitchFamily="34" charset="0"/>
+              <a:buChar char="•"/>
+            </a:pPr>
+            <a:r>
+              <a:rPr lang="en-US" sz="2000" dirty="0" smtClean="0">
+                <a:hlinkClick r:id="rId5"/>
+              </a:rPr>
+              <a:t>http://symfony.com/</a:t>
+            </a:r>
+            <a:endParaRPr lang="en-US" sz="2000" dirty="0" smtClean="0"/>
+          </a:p>
+          <a:p>
+            <a:pPr marL="342900" indent="-342900">
+              <a:spcBef>
+                <a:spcPct val="20000"/>
+              </a:spcBef>
+              <a:buFont typeface="Arial" pitchFamily="34" charset="0"/>
+              <a:buChar char="•"/>
+            </a:pPr>
+            <a:r>
+              <a:rPr lang="en-US" sz="2000" dirty="0" smtClean="0">
+                <a:hlinkClick r:id="rId6"/>
+              </a:rPr>
+              <a:t>http://</a:t>
+            </a:r>
+            <a:r>
+              <a:rPr lang="en-US" sz="2000" dirty="0" smtClean="0">
+                <a:hlinkClick r:id="rId6"/>
+              </a:rPr>
+              <a:t>martinfowler.com/articles/injection.html</a:t>
+            </a:r>
+            <a:endParaRPr lang="en-US" sz="2000" dirty="0" smtClean="0"/>
+          </a:p>
+        </p:txBody>
+      </p:sp>
+      <p:sp>
+        <p:nvSpPr>
+          <p:cNvPr id="6" name="Заголовок 1"/>
+          <p:cNvSpPr txBox="1">
+            <a:spLocks/>
+          </p:cNvSpPr>
+          <p:nvPr/>
+        </p:nvSpPr>
+        <p:spPr>
+          <a:xfrm>
+            <a:off x="857224" y="5715016"/>
+            <a:ext cx="7772400" cy="785818"/>
+          </a:xfrm>
+          <a:prstGeom prst="rect">
+            <a:avLst/>
+          </a:prstGeom>
+        </p:spPr>
+        <p:txBody>
+          <a:bodyPr vert="horz" lIns="91440" tIns="45720" rIns="91440" bIns="45720" rtlCol="0" anchor="ctr">
+            <a:normAutofit fontScale="37500" lnSpcReduction="20000"/>
+          </a:bodyPr>
+          <a:lstStyle/>
+          <a:p>
+            <a:pPr marL="0" marR="0" lvl="0" indent="0" algn="ctr" defTabSz="914400" rtl="0" eaLnBrk="1" fontAlgn="auto" latinLnBrk="0" hangingPunct="1">
+              <a:lnSpc>
+                <a:spcPct val="100000"/>
+              </a:lnSpc>
+              <a:spcBef>
+                <a:spcPct val="0"/>
+              </a:spcBef>
+              <a:spcAft>
+                <a:spcPts val="0"/>
+              </a:spcAft>
+              <a:buClrTx/>
+              <a:buSzTx/>
+              <a:buFontTx/>
+              <a:buNone/>
+              <a:tabLst/>
+              <a:defRPr/>
+            </a:pPr>
+            <a:r>
+              <a:rPr kumimoji="0" lang="en-US" sz="4400" b="0" i="0" u="none" strike="noStrike" kern="1200" cap="none" spc="0" normalizeH="0" baseline="0" noProof="0" dirty="0" smtClean="0">
+                <a:ln>
+                  <a:noFill/>
+                </a:ln>
+                <a:solidFill>
+                  <a:schemeClr val="tx1"/>
+                </a:solidFill>
+                <a:effectLst/>
+                <a:uLnTx/>
+                <a:uFillTx/>
+                <a:latin typeface="+mj-lt"/>
+                <a:ea typeface="+mj-ea"/>
+                <a:cs typeface="+mj-cs"/>
+              </a:rPr>
+              <a:t/>
+            </a:r>
+            <a:br>
+              <a:rPr kumimoji="0" lang="en-US" sz="4400" b="0" i="0" u="none" strike="noStrike" kern="1200" cap="none" spc="0" normalizeH="0" baseline="0" noProof="0" dirty="0" smtClean="0">
+                <a:ln>
+                  <a:noFill/>
+                </a:ln>
+                <a:solidFill>
+                  <a:schemeClr val="tx1"/>
+                </a:solidFill>
+                <a:effectLst/>
+                <a:uLnTx/>
+                <a:uFillTx/>
+                <a:latin typeface="+mj-lt"/>
+                <a:ea typeface="+mj-ea"/>
+                <a:cs typeface="+mj-cs"/>
+              </a:rPr>
+            </a:br>
+            <a:r>
+              <a:rPr kumimoji="0" lang="en-US" sz="4400" b="0" i="0" u="none" strike="noStrike" kern="1200" cap="none" spc="0" normalizeH="0" baseline="0" noProof="0" dirty="0" smtClean="0">
+                <a:ln>
+                  <a:noFill/>
+                </a:ln>
+                <a:solidFill>
+                  <a:schemeClr val="tx1"/>
+                </a:solidFill>
+                <a:effectLst/>
+                <a:uLnTx/>
+                <a:uFillTx/>
+                <a:latin typeface="+mj-lt"/>
+                <a:ea typeface="+mj-ea"/>
+                <a:cs typeface="+mj-cs"/>
+              </a:rPr>
+              <a:t/>
+            </a:r>
+            <a:br>
+              <a:rPr kumimoji="0" lang="en-US" sz="4400" b="0" i="0" u="none" strike="noStrike" kern="1200" cap="none" spc="0" normalizeH="0" baseline="0" noProof="0" dirty="0" smtClean="0">
+                <a:ln>
+                  <a:noFill/>
+                </a:ln>
+                <a:solidFill>
+                  <a:schemeClr val="tx1"/>
+                </a:solidFill>
+                <a:effectLst/>
+                <a:uLnTx/>
+                <a:uFillTx/>
+                <a:latin typeface="+mj-lt"/>
+                <a:ea typeface="+mj-ea"/>
+                <a:cs typeface="+mj-cs"/>
+              </a:rPr>
+            </a:br>
+            <a:endParaRPr kumimoji="0" lang="ru-RU" sz="4400" b="0" i="0" u="none" strike="noStrike" kern="1200" cap="none" spc="0" normalizeH="0" baseline="0" noProof="0" dirty="0">
+              <a:ln>
+                <a:noFill/>
+              </a:ln>
+              <a:solidFill>
+                <a:schemeClr val="tx1"/>
+              </a:solidFill>
+              <a:effectLst/>
+              <a:uLnTx/>
+              <a:uFillTx/>
+              <a:latin typeface="+mj-lt"/>
+              <a:ea typeface="+mj-ea"/>
+              <a:cs typeface="+mj-cs"/>
+            </a:endParaRPr>
+          </a:p>
+        </p:txBody>
+      </p:sp>
+      <p:sp>
+        <p:nvSpPr>
+          <p:cNvPr id="7" name="Прямоугольник 6"/>
+          <p:cNvSpPr/>
+          <p:nvPr/>
+        </p:nvSpPr>
+        <p:spPr>
+          <a:xfrm>
+            <a:off x="0" y="5572140"/>
+            <a:ext cx="9144000" cy="769441"/>
+          </a:xfrm>
+          <a:prstGeom prst="rect">
+            <a:avLst/>
+          </a:prstGeom>
+        </p:spPr>
+        <p:txBody>
+          <a:bodyPr wrap="square">
             <a:spAutoFit/>
           </a:bodyPr>
           <a:lstStyle/>
           <a:p>
-            <a:r>
-              <a:rPr lang="ru-RU" sz="1600" dirty="0" smtClean="0"/>
-              <a:t>Плюсы:</a:t>
-            </a:r>
-          </a:p>
-          <a:p>
-            <a:pPr>
-              <a:buFontTx/>
-              <a:buChar char="-"/>
-            </a:pPr>
-            <a:r>
-              <a:rPr lang="ru-RU" sz="1600" dirty="0" smtClean="0"/>
-              <a:t> Можем менять хранилища</a:t>
-            </a:r>
-          </a:p>
-          <a:p>
-            <a:pPr>
-              <a:buFontTx/>
-              <a:buChar char="-"/>
-            </a:pPr>
-            <a:endParaRPr lang="ru-RU" sz="1600" dirty="0" smtClean="0"/>
-          </a:p>
-          <a:p>
-            <a:r>
-              <a:rPr lang="ru-RU" sz="1600" dirty="0" smtClean="0"/>
-              <a:t>Минусы: </a:t>
-            </a:r>
-          </a:p>
-          <a:p>
-            <a:pPr>
-              <a:buFontTx/>
-              <a:buChar char="-"/>
-            </a:pPr>
-            <a:r>
-              <a:rPr lang="ru-RU" sz="1600" dirty="0" smtClean="0"/>
-              <a:t> Объект создается в классе, не разорваны связи между компонентами системы.</a:t>
-            </a:r>
-            <a:endParaRPr lang="ru-RU" sz="1600" dirty="0"/>
+            <a:pPr algn="ctr"/>
+            <a:r>
+              <a:rPr lang="ru-RU" sz="4400" dirty="0" smtClean="0"/>
+              <a:t>Спасибо.</a:t>
+            </a:r>
+            <a:endParaRPr lang="ru-RU" sz="4400" dirty="0" smtClean="0"/>
+          </a:p>
+        </p:txBody>
+      </p:sp>
+    </p:spTree>
+  </p:cSld>
+  <p:clrMapOvr>
+    <a:masterClrMapping/>
+  </p:clrMapOvr>
+  <p:timing>
+    <p:tnLst>
+      <p:par>
+        <p:cTn id="1" dur="indefinite" restart="never" nodeType="tmRoot"/>
+      </p:par>
+    </p:tnLst>
+  </p:timing>
+</p:sld>
+</file>
+
+<file path=ppt/slides/slide2.xml><?xml version="1.0" encoding="utf-8"?>
+<p:sld xmlns:a="http://schemas.openxmlformats.org/drawingml/2006/main" xmlns:r="http://schemas.openxmlformats.org/officeDocument/2006/relationships" xmlns:p="http://schemas.openxmlformats.org/presentationml/2006/main" show="0">
+  <p:cSld>
+    <p:spTree>
+      <p:nvGrpSpPr>
+        <p:cNvPr id="1" name=""/>
+        <p:cNvGrpSpPr/>
+        <p:nvPr/>
+      </p:nvGrpSpPr>
+      <p:grpSpPr>
+        <a:xfrm>
+          <a:off x="0" y="0"/>
+          <a:ext cx="0" cy="0"/>
+          <a:chOff x="0" y="0"/>
+          <a:chExt cx="0" cy="0"/>
+        </a:xfrm>
+      </p:grpSpPr>
+      <p:sp>
+        <p:nvSpPr>
+          <p:cNvPr id="2" name="Заголовок 1"/>
+          <p:cNvSpPr>
+            <a:spLocks noGrp="1"/>
+          </p:cNvSpPr>
+          <p:nvPr>
+            <p:ph type="title"/>
+          </p:nvPr>
+        </p:nvSpPr>
+        <p:spPr>
+          <a:xfrm>
+            <a:off x="457200" y="142852"/>
+            <a:ext cx="8229600" cy="511156"/>
+          </a:xfrm>
+        </p:spPr>
+        <p:txBody>
+          <a:bodyPr>
+            <a:normAutofit fontScale="90000"/>
+          </a:bodyPr>
+          <a:lstStyle/>
+          <a:p>
+            <a:r>
+              <a:rPr lang="en-US" sz="2800" dirty="0"/>
+              <a:t>K</a:t>
+            </a:r>
+            <a:r>
+              <a:rPr lang="ru-RU" sz="2800" dirty="0" err="1" smtClean="0"/>
+              <a:t>ласс</a:t>
+            </a:r>
+            <a:r>
+              <a:rPr lang="ru-RU" sz="2800" dirty="0" smtClean="0"/>
+              <a:t> как контейнер с методами.</a:t>
+            </a:r>
+            <a:endParaRPr lang="ru-RU" sz="2800" dirty="0"/>
           </a:p>
         </p:txBody>
       </p:sp>
       <p:pic>
         <p:nvPicPr>
-          <p:cNvPr id="9" name="Содержимое 8" descr="3.png"/>
+          <p:cNvPr id="4" name="Содержимое 3" descr="1.png"/>
           <p:cNvPicPr>
             <a:picLocks noGrp="1" noChangeAspect="1"/>
           </p:cNvPicPr>
@@ -4140,8 +6467,207 @@
         </p:blipFill>
         <p:spPr>
           <a:xfrm>
-            <a:off x="214282" y="714356"/>
-            <a:ext cx="4382415" cy="4525963"/>
+            <a:off x="214281" y="785794"/>
+            <a:ext cx="6157607" cy="4071966"/>
+          </a:xfrm>
+        </p:spPr>
+      </p:pic>
+      <p:sp>
+        <p:nvSpPr>
+          <p:cNvPr id="6" name="TextBox 5"/>
+          <p:cNvSpPr txBox="1"/>
+          <p:nvPr/>
+        </p:nvSpPr>
+        <p:spPr>
+          <a:xfrm>
+            <a:off x="6000760" y="642918"/>
+            <a:ext cx="3000396" cy="1477328"/>
+          </a:xfrm>
+          <a:prstGeom prst="rect">
+            <a:avLst/>
+          </a:prstGeom>
+          <a:noFill/>
+        </p:spPr>
+        <p:txBody>
+          <a:bodyPr wrap="square" rtlCol="0">
+            <a:spAutoFit/>
+          </a:bodyPr>
+          <a:lstStyle/>
+          <a:p>
+            <a:r>
+              <a:rPr lang="ru-RU" dirty="0" smtClean="0"/>
+              <a:t>Минусы: </a:t>
+            </a:r>
+          </a:p>
+          <a:p>
+            <a:pPr>
+              <a:buFontTx/>
+              <a:buChar char="-"/>
+            </a:pPr>
+            <a:r>
+              <a:rPr lang="ru-RU" dirty="0" smtClean="0"/>
+              <a:t> Невозможно тестировать.</a:t>
+            </a:r>
+          </a:p>
+          <a:p>
+            <a:pPr>
+              <a:buFontTx/>
+              <a:buChar char="-"/>
+            </a:pPr>
+            <a:r>
+              <a:rPr lang="ru-RU" dirty="0"/>
+              <a:t> </a:t>
+            </a:r>
+            <a:r>
+              <a:rPr lang="ru-RU" dirty="0" smtClean="0"/>
+              <a:t>Со временем размер класса будет стремиться в бесконечность.</a:t>
+            </a:r>
+            <a:endParaRPr lang="ru-RU" dirty="0"/>
+          </a:p>
+        </p:txBody>
+      </p:sp>
+    </p:spTree>
+  </p:cSld>
+  <p:clrMapOvr>
+    <a:masterClrMapping/>
+  </p:clrMapOvr>
+  <p:transition/>
+</p:sld>
+</file>
+
+<file path=ppt/slides/slide3.xml><?xml version="1.0" encoding="utf-8"?>
+<p:sld xmlns:a="http://schemas.openxmlformats.org/drawingml/2006/main" xmlns:r="http://schemas.openxmlformats.org/officeDocument/2006/relationships" xmlns:p="http://schemas.openxmlformats.org/presentationml/2006/main" show="0">
+  <p:cSld>
+    <p:spTree>
+      <p:nvGrpSpPr>
+        <p:cNvPr id="1" name=""/>
+        <p:cNvGrpSpPr/>
+        <p:nvPr/>
+      </p:nvGrpSpPr>
+      <p:grpSpPr>
+        <a:xfrm>
+          <a:off x="0" y="0"/>
+          <a:ext cx="0" cy="0"/>
+          <a:chOff x="0" y="0"/>
+          <a:chExt cx="0" cy="0"/>
+        </a:xfrm>
+      </p:grpSpPr>
+      <p:sp>
+        <p:nvSpPr>
+          <p:cNvPr id="2" name="Заголовок 1"/>
+          <p:cNvSpPr>
+            <a:spLocks noGrp="1"/>
+          </p:cNvSpPr>
+          <p:nvPr>
+            <p:ph type="title"/>
+          </p:nvPr>
+        </p:nvSpPr>
+        <p:spPr>
+          <a:xfrm>
+            <a:off x="457200" y="142852"/>
+            <a:ext cx="8229600" cy="511156"/>
+          </a:xfrm>
+        </p:spPr>
+        <p:txBody>
+          <a:bodyPr>
+            <a:normAutofit fontScale="90000"/>
+          </a:bodyPr>
+          <a:lstStyle/>
+          <a:p>
+            <a:r>
+              <a:rPr lang="ru-RU" sz="2800" dirty="0" smtClean="0"/>
+              <a:t>Обычный ООП, разделяем на 2 класса.</a:t>
+            </a:r>
+            <a:endParaRPr lang="ru-RU" sz="2800" dirty="0"/>
+          </a:p>
+        </p:txBody>
+      </p:sp>
+      <p:sp>
+        <p:nvSpPr>
+          <p:cNvPr id="6" name="TextBox 5"/>
+          <p:cNvSpPr txBox="1"/>
+          <p:nvPr/>
+        </p:nvSpPr>
+        <p:spPr>
+          <a:xfrm>
+            <a:off x="6000760" y="642918"/>
+            <a:ext cx="2928958" cy="1569660"/>
+          </a:xfrm>
+          <a:prstGeom prst="rect">
+            <a:avLst/>
+          </a:prstGeom>
+          <a:noFill/>
+        </p:spPr>
+        <p:txBody>
+          <a:bodyPr wrap="square" rtlCol="0">
+            <a:spAutoFit/>
+          </a:bodyPr>
+          <a:lstStyle/>
+          <a:p>
+            <a:r>
+              <a:rPr lang="ru-RU" sz="1600" dirty="0" smtClean="0"/>
+              <a:t>Плюсы:</a:t>
+            </a:r>
+          </a:p>
+          <a:p>
+            <a:r>
+              <a:rPr lang="ru-RU" sz="1600" dirty="0" smtClean="0"/>
+              <a:t>- Инкапсуляция логики в классе</a:t>
+            </a:r>
+          </a:p>
+          <a:p>
+            <a:r>
+              <a:rPr lang="ru-RU" sz="1600" dirty="0" smtClean="0"/>
+              <a:t>Минусы: </a:t>
+            </a:r>
+          </a:p>
+          <a:p>
+            <a:pPr>
+              <a:buFontTx/>
+              <a:buChar char="-"/>
+            </a:pPr>
+            <a:r>
+              <a:rPr lang="ru-RU" sz="1600" dirty="0" smtClean="0"/>
+              <a:t> Невозможно тестировать. </a:t>
+            </a:r>
+          </a:p>
+          <a:p>
+            <a:pPr>
+              <a:buFontTx/>
+              <a:buChar char="-"/>
+            </a:pPr>
+            <a:r>
+              <a:rPr lang="ru-RU" sz="1600" dirty="0"/>
+              <a:t> </a:t>
+            </a:r>
+            <a:r>
+              <a:rPr lang="ru-RU" sz="1600" dirty="0" smtClean="0"/>
+              <a:t>Невозможно менять хранилища</a:t>
+            </a:r>
+            <a:endParaRPr lang="ru-RU" sz="1600" dirty="0"/>
+          </a:p>
+        </p:txBody>
+      </p:sp>
+      <p:pic>
+        <p:nvPicPr>
+          <p:cNvPr id="7" name="Содержимое 6" descr="2.png"/>
+          <p:cNvPicPr>
+            <a:picLocks noGrp="1" noChangeAspect="1"/>
+          </p:cNvPicPr>
+          <p:nvPr>
+            <p:ph idx="1"/>
+          </p:nvPr>
+        </p:nvPicPr>
+        <p:blipFill>
+          <a:blip r:embed="rId2"/>
+          <a:stretch>
+            <a:fillRect/>
+          </a:stretch>
+        </p:blipFill>
+        <p:spPr>
+          <a:xfrm>
+            <a:off x="285720" y="642918"/>
+            <a:ext cx="4453692" cy="4525963"/>
           </a:xfrm>
         </p:spPr>
       </p:pic>
@@ -4150,6 +6676,408 @@
   <p:clrMapOvr>
     <a:masterClrMapping/>
   </p:clrMapOvr>
+  <p:transition/>
+</p:sld>
+</file>
+
+<file path=ppt/slides/slide4.xml><?xml version="1.0" encoding="utf-8"?>
+<p:sld xmlns:a="http://schemas.openxmlformats.org/drawingml/2006/main" xmlns:r="http://schemas.openxmlformats.org/officeDocument/2006/relationships" xmlns:p="http://schemas.openxmlformats.org/presentationml/2006/main">
+  <p:cSld>
+    <p:bg>
+      <p:bgPr>
+        <a:solidFill>
+          <a:srgbClr val="F5F0F4"/>
+        </a:solidFill>
+        <a:effectLst/>
+      </p:bgPr>
+    </p:bg>
+    <p:spTree>
+      <p:nvGrpSpPr>
+        <p:cNvPr id="1" name=""/>
+        <p:cNvGrpSpPr/>
+        <p:nvPr/>
+      </p:nvGrpSpPr>
+      <p:grpSpPr>
+        <a:xfrm>
+          <a:off x="0" y="0"/>
+          <a:ext cx="0" cy="0"/>
+          <a:chOff x="0" y="0"/>
+          <a:chExt cx="0" cy="0"/>
+        </a:xfrm>
+      </p:grpSpPr>
+      <p:sp>
+        <p:nvSpPr>
+          <p:cNvPr id="2" name="Заголовок 1"/>
+          <p:cNvSpPr>
+            <a:spLocks noGrp="1"/>
+          </p:cNvSpPr>
+          <p:nvPr>
+            <p:ph type="title"/>
+          </p:nvPr>
+        </p:nvSpPr>
+        <p:spPr>
+          <a:xfrm>
+            <a:off x="357158" y="0"/>
+            <a:ext cx="2500298" cy="1143000"/>
+          </a:xfrm>
+        </p:spPr>
+        <p:txBody>
+          <a:bodyPr>
+            <a:normAutofit/>
+          </a:bodyPr>
+          <a:lstStyle/>
+          <a:p>
+            <a:r>
+              <a:rPr lang="ru-RU" dirty="0" smtClean="0"/>
+              <a:t>Система</a:t>
+            </a:r>
+            <a:endParaRPr lang="ru-RU" dirty="0"/>
+          </a:p>
+        </p:txBody>
+      </p:sp>
+      <p:pic>
+        <p:nvPicPr>
+          <p:cNvPr id="1026" name="Picture 2"/>
+          <p:cNvPicPr>
+            <a:picLocks noGrp="1" noChangeAspect="1" noChangeArrowheads="1"/>
+          </p:cNvPicPr>
+          <p:nvPr>
+            <p:ph idx="1"/>
+          </p:nvPr>
+        </p:nvPicPr>
+        <p:blipFill>
+          <a:blip r:embed="rId2"/>
+          <a:stretch>
+            <a:fillRect/>
+          </a:stretch>
+        </p:blipFill>
+        <p:spPr bwMode="auto">
+          <a:xfrm>
+            <a:off x="2786050" y="500042"/>
+            <a:ext cx="4438650" cy="5790652"/>
+          </a:xfrm>
+          <a:prstGeom prst="rect">
+            <a:avLst/>
+          </a:prstGeom>
+          <a:noFill/>
+          <a:ln w="9525">
+            <a:noFill/>
+            <a:miter lim="800000"/>
+            <a:headEnd/>
+            <a:tailEnd/>
+          </a:ln>
+          <a:effectLst/>
+        </p:spPr>
+      </p:pic>
+      <p:sp>
+        <p:nvSpPr>
+          <p:cNvPr id="5" name="TextBox 4"/>
+          <p:cNvSpPr txBox="1"/>
+          <p:nvPr/>
+        </p:nvSpPr>
+        <p:spPr>
+          <a:xfrm>
+            <a:off x="357158" y="4357694"/>
+            <a:ext cx="1340432" cy="830997"/>
+          </a:xfrm>
+          <a:prstGeom prst="rect">
+            <a:avLst/>
+          </a:prstGeom>
+          <a:noFill/>
+        </p:spPr>
+        <p:txBody>
+          <a:bodyPr wrap="none" rtlCol="0">
+            <a:spAutoFit/>
+          </a:bodyPr>
+          <a:lstStyle/>
+          <a:p>
+            <a:r>
+              <a:rPr lang="en-US" sz="4800" dirty="0" smtClean="0">
+                <a:solidFill>
+                  <a:srgbClr val="C00000"/>
+                </a:solidFill>
+              </a:rPr>
+              <a:t>User</a:t>
+            </a:r>
+            <a:endParaRPr lang="ru-RU" sz="4800" dirty="0">
+              <a:solidFill>
+                <a:srgbClr val="C00000"/>
+              </a:solidFill>
+            </a:endParaRPr>
+          </a:p>
+        </p:txBody>
+      </p:sp>
+      <p:cxnSp>
+        <p:nvCxnSpPr>
+          <p:cNvPr id="7" name="Прямая со стрелкой 6"/>
+          <p:cNvCxnSpPr/>
+          <p:nvPr/>
+        </p:nvCxnSpPr>
+        <p:spPr>
+          <a:xfrm flipV="1">
+            <a:off x="1714480" y="3500438"/>
+            <a:ext cx="1285884" cy="1071570"/>
+          </a:xfrm>
+          <a:prstGeom prst="straightConnector1">
+            <a:avLst/>
+          </a:prstGeom>
+          <a:ln>
+            <a:tailEnd type="arrow"/>
+          </a:ln>
+        </p:spPr>
+        <p:style>
+          <a:lnRef idx="1">
+            <a:schemeClr val="accent1"/>
+          </a:lnRef>
+          <a:fillRef idx="0">
+            <a:schemeClr val="accent1"/>
+          </a:fillRef>
+          <a:effectRef idx="0">
+            <a:schemeClr val="accent1"/>
+          </a:effectRef>
+          <a:fontRef idx="minor">
+            <a:schemeClr val="tx1"/>
+          </a:fontRef>
+        </p:style>
+      </p:cxnSp>
+      <p:sp>
+        <p:nvSpPr>
+          <p:cNvPr id="8" name="TextBox 7"/>
+          <p:cNvSpPr txBox="1"/>
+          <p:nvPr/>
+        </p:nvSpPr>
+        <p:spPr>
+          <a:xfrm>
+            <a:off x="5786446" y="285728"/>
+            <a:ext cx="2999347" cy="646331"/>
+          </a:xfrm>
+          <a:prstGeom prst="rect">
+            <a:avLst/>
+          </a:prstGeom>
+          <a:noFill/>
+        </p:spPr>
+        <p:txBody>
+          <a:bodyPr wrap="none" rtlCol="0">
+            <a:spAutoFit/>
+          </a:bodyPr>
+          <a:lstStyle/>
+          <a:p>
+            <a:r>
+              <a:rPr lang="en-US" sz="3600" dirty="0" err="1" smtClean="0">
+                <a:solidFill>
+                  <a:srgbClr val="C00000"/>
+                </a:solidFill>
+              </a:rPr>
+              <a:t>SessionStorage</a:t>
+            </a:r>
+            <a:endParaRPr lang="ru-RU" sz="3600" dirty="0">
+              <a:solidFill>
+                <a:srgbClr val="C00000"/>
+              </a:solidFill>
+            </a:endParaRPr>
+          </a:p>
+        </p:txBody>
+      </p:sp>
+      <p:cxnSp>
+        <p:nvCxnSpPr>
+          <p:cNvPr id="11" name="Прямая со стрелкой 10"/>
+          <p:cNvCxnSpPr/>
+          <p:nvPr/>
+        </p:nvCxnSpPr>
+        <p:spPr>
+          <a:xfrm rot="10800000" flipV="1">
+            <a:off x="7143768" y="928670"/>
+            <a:ext cx="785818" cy="714380"/>
+          </a:xfrm>
+          <a:prstGeom prst="straightConnector1">
+            <a:avLst/>
+          </a:prstGeom>
+          <a:ln>
+            <a:tailEnd type="arrow"/>
+          </a:ln>
+        </p:spPr>
+        <p:style>
+          <a:lnRef idx="1">
+            <a:schemeClr val="accent1"/>
+          </a:lnRef>
+          <a:fillRef idx="0">
+            <a:schemeClr val="accent1"/>
+          </a:fillRef>
+          <a:effectRef idx="0">
+            <a:schemeClr val="accent1"/>
+          </a:effectRef>
+          <a:fontRef idx="minor">
+            <a:schemeClr val="tx1"/>
+          </a:fontRef>
+        </p:style>
+      </p:cxnSp>
+      <p:sp>
+        <p:nvSpPr>
+          <p:cNvPr id="16" name="Подзаголовок 2"/>
+          <p:cNvSpPr txBox="1">
+            <a:spLocks/>
+          </p:cNvSpPr>
+          <p:nvPr/>
+        </p:nvSpPr>
+        <p:spPr>
+          <a:xfrm>
+            <a:off x="5714976" y="6148374"/>
+            <a:ext cx="3429024" cy="709626"/>
+          </a:xfrm>
+          <a:prstGeom prst="rect">
+            <a:avLst/>
+          </a:prstGeom>
+        </p:spPr>
+        <p:txBody>
+          <a:bodyPr vert="horz" lIns="91440" tIns="45720" rIns="91440" bIns="45720" rtlCol="0">
+            <a:normAutofit/>
+          </a:bodyPr>
+          <a:lstStyle/>
+          <a:p>
+            <a:pPr marL="342900" marR="0" lvl="0" indent="-342900" algn="l" defTabSz="914400" rtl="0" eaLnBrk="1" fontAlgn="auto" latinLnBrk="0" hangingPunct="1">
+              <a:lnSpc>
+                <a:spcPct val="100000"/>
+              </a:lnSpc>
+              <a:spcBef>
+                <a:spcPct val="20000"/>
+              </a:spcBef>
+              <a:spcAft>
+                <a:spcPts val="0"/>
+              </a:spcAft>
+              <a:buClrTx/>
+              <a:buSzTx/>
+              <a:tabLst/>
+              <a:defRPr/>
+            </a:pPr>
+            <a:r>
+              <a:rPr kumimoji="0" lang="ru-RU" sz="1400" b="0" i="0" u="none" strike="noStrike" kern="1200" cap="none" spc="0" normalizeH="0" baseline="0" noProof="0" dirty="0" smtClean="0">
+                <a:ln>
+                  <a:noFill/>
+                </a:ln>
+                <a:solidFill>
+                  <a:schemeClr val="tx1"/>
+                </a:solidFill>
+                <a:effectLst/>
+                <a:uLnTx/>
+                <a:uFillTx/>
+                <a:latin typeface="+mn-lt"/>
+                <a:ea typeface="+mn-ea"/>
+                <a:cs typeface="+mn-cs"/>
+              </a:rPr>
+              <a:t>Сидоров Александр</a:t>
+            </a:r>
+            <a:r>
+              <a:rPr kumimoji="0" lang="en-US" sz="1400" b="0" i="0" u="none" strike="noStrike" kern="1200" cap="none" spc="0" normalizeH="0" baseline="0" noProof="0" dirty="0" smtClean="0">
+                <a:ln>
+                  <a:noFill/>
+                </a:ln>
+                <a:solidFill>
+                  <a:schemeClr val="tx1"/>
+                </a:solidFill>
+                <a:effectLst/>
+                <a:uLnTx/>
+                <a:uFillTx/>
+                <a:latin typeface="+mn-lt"/>
+                <a:ea typeface="+mn-ea"/>
+                <a:cs typeface="+mn-cs"/>
+              </a:rPr>
+              <a:t>  </a:t>
+            </a:r>
+            <a:r>
+              <a:rPr kumimoji="0" lang="en-US" sz="1400" b="0" i="0" u="none" strike="noStrike" kern="1200" cap="none" spc="0" normalizeH="0" baseline="0" noProof="0" dirty="0" smtClean="0">
+                <a:ln>
+                  <a:noFill/>
+                </a:ln>
+                <a:solidFill>
+                  <a:schemeClr val="tx1"/>
+                </a:solidFill>
+                <a:effectLst/>
+                <a:uLnTx/>
+                <a:uFillTx/>
+                <a:latin typeface="+mn-lt"/>
+                <a:ea typeface="+mn-ea"/>
+                <a:cs typeface="+mn-cs"/>
+                <a:hlinkClick r:id="rId3"/>
+              </a:rPr>
+              <a:t>http://clever-web.net/</a:t>
+            </a:r>
+            <a:endParaRPr kumimoji="0" lang="en-US" sz="1400" b="0" i="0" u="none" strike="noStrike" kern="1200" cap="none" spc="0" normalizeH="0" baseline="0" noProof="0" dirty="0" smtClean="0">
+              <a:ln>
+                <a:noFill/>
+              </a:ln>
+              <a:solidFill>
+                <a:schemeClr val="tx1"/>
+              </a:solidFill>
+              <a:effectLst/>
+              <a:uLnTx/>
+              <a:uFillTx/>
+              <a:latin typeface="+mn-lt"/>
+              <a:ea typeface="+mn-ea"/>
+              <a:cs typeface="+mn-cs"/>
+            </a:endParaRPr>
+          </a:p>
+          <a:p>
+            <a:pPr marL="342900" marR="0" lvl="0" indent="-342900" algn="l" defTabSz="914400" rtl="0" eaLnBrk="1" fontAlgn="auto" latinLnBrk="0" hangingPunct="1">
+              <a:lnSpc>
+                <a:spcPct val="100000"/>
+              </a:lnSpc>
+              <a:spcBef>
+                <a:spcPct val="20000"/>
+              </a:spcBef>
+              <a:spcAft>
+                <a:spcPts val="0"/>
+              </a:spcAft>
+              <a:buClrTx/>
+              <a:buSzTx/>
+              <a:tabLst/>
+              <a:defRPr/>
+            </a:pPr>
+            <a:r>
+              <a:rPr kumimoji="0" lang="en-US" sz="1400" b="0" i="0" u="none" strike="noStrike" kern="1200" cap="none" spc="0" normalizeH="0" baseline="0" noProof="0" dirty="0" smtClean="0">
+                <a:ln>
+                  <a:noFill/>
+                </a:ln>
+                <a:solidFill>
+                  <a:schemeClr val="tx1"/>
+                </a:solidFill>
+                <a:effectLst/>
+                <a:uLnTx/>
+                <a:uFillTx/>
+                <a:latin typeface="+mn-lt"/>
+                <a:ea typeface="+mn-ea"/>
+                <a:cs typeface="+mn-cs"/>
+              </a:rPr>
+              <a:t>https://github.com/asidorov01/rit2012</a:t>
+            </a:r>
+            <a:endParaRPr kumimoji="0" lang="ru-RU" sz="1400" b="0" i="0" u="none" strike="noStrike" kern="1200" cap="none" spc="0" normalizeH="0" baseline="0" noProof="0" dirty="0">
+              <a:ln>
+                <a:noFill/>
+              </a:ln>
+              <a:solidFill>
+                <a:schemeClr val="tx1"/>
+              </a:solidFill>
+              <a:effectLst/>
+              <a:uLnTx/>
+              <a:uFillTx/>
+              <a:latin typeface="+mn-lt"/>
+              <a:ea typeface="+mn-ea"/>
+              <a:cs typeface="+mn-cs"/>
+            </a:endParaRPr>
+          </a:p>
+        </p:txBody>
+      </p:sp>
+    </p:spTree>
+  </p:cSld>
+  <p:clrMapOvr>
+    <a:masterClrMapping/>
+  </p:clrMapOvr>
+  <p:timing>
+    <p:tnLst>
+      <p:par>
+        <p:cTn id="1" dur="indefinite" restart="never" nodeType="tmRoot"/>
+      </p:par>
+    </p:tnLst>
+  </p:timing>
 </p:sld>
 </file>
 
@@ -4208,8 +7136,8 @@
         </p:nvSpPr>
         <p:spPr>
           <a:xfrm>
-            <a:off x="6000760" y="642918"/>
-            <a:ext cx="2928958" cy="2554545"/>
+            <a:off x="5429256" y="2428868"/>
+            <a:ext cx="2928958" cy="1323439"/>
           </a:xfrm>
           <a:prstGeom prst="rect">
             <a:avLst/>
@@ -4221,22 +7149,6 @@
             <a:spAutoFit/>
           </a:bodyPr>
           <a:lstStyle/>
-          <a:p>
-            <a:r>
-              <a:rPr lang="ru-RU" sz="1600" dirty="0" smtClean="0"/>
-              <a:t>Плюсы:</a:t>
-            </a:r>
-          </a:p>
-          <a:p>
-            <a:pPr>
-              <a:buFontTx/>
-              <a:buChar char="-"/>
-            </a:pPr>
-            <a:r>
-              <a:rPr lang="ru-RU" sz="1600" dirty="0" smtClean="0"/>
-              <a:t> Можем менять хранилища</a:t>
-            </a:r>
-          </a:p>
           <a:p>
             <a:pPr>
               <a:buFontTx/>
@@ -4246,8 +7158,16 @@
           </a:p>
           <a:p>
             <a:r>
+              <a:rPr lang="ru-RU" sz="1600" b="1" dirty="0" smtClean="0">
+                <a:solidFill>
+                  <a:srgbClr val="C00000"/>
+                </a:solidFill>
+              </a:rPr>
+              <a:t>Минусы</a:t>
+            </a:r>
+            <a:r>
               <a:rPr lang="ru-RU" sz="1600" dirty="0" smtClean="0"/>
-              <a:t>Минусы: </a:t>
+              <a:t>: </a:t>
             </a:r>
           </a:p>
           <a:p>
@@ -4258,24 +7178,6 @@
             <a:r>
               <a:rPr lang="ru-RU" sz="1600" dirty="0" smtClean="0"/>
               <a:t> Объект создается в классе, не разорваны связи между компонентами системы.</a:t>
-            </a:r>
-          </a:p>
-          <a:p>
-            <a:pPr>
-              <a:buFontTx/>
-              <a:buChar char="-"/>
-            </a:pPr>
-            <a:r>
-              <a:rPr lang="ru-RU" sz="1600" dirty="0" smtClean="0"/>
-              <a:t> Не можем конфигурировать сервис, нужно тянуть настройки в </a:t>
-            </a:r>
-            <a:r>
-              <a:rPr lang="en-US" sz="1600" dirty="0" smtClean="0"/>
-              <a:t>User </a:t>
-            </a:r>
-            <a:r>
-              <a:rPr lang="ru-RU" sz="1600" dirty="0" smtClean="0"/>
-              <a:t>класс</a:t>
             </a:r>
             <a:endParaRPr lang="ru-RU" sz="1600" dirty="0"/>
           </a:p>
@@ -4307,13 +7209,15 @@
       <p:cxnSp>
         <p:nvCxnSpPr>
           <p:cNvPr id="7" name="Прямая со стрелкой 6"/>
-          <p:cNvCxnSpPr/>
+          <p:cNvCxnSpPr>
+            <a:stCxn id="6" idx="1"/>
+          </p:cNvCxnSpPr>
           <p:nvPr/>
         </p:nvCxnSpPr>
         <p:spPr>
-          <a:xfrm rot="5400000">
-            <a:off x="2428860" y="1142984"/>
-            <a:ext cx="3714776" cy="3571900"/>
+          <a:xfrm rot="10800000">
+            <a:off x="3428992" y="1571612"/>
+            <a:ext cx="2000264" cy="1518976"/>
           </a:xfrm>
           <a:prstGeom prst="straightConnector1">
             <a:avLst/>
@@ -4337,16 +7241,221 @@
           </a:fontRef>
         </p:style>
       </p:cxnSp>
+      <p:sp>
+        <p:nvSpPr>
+          <p:cNvPr id="10" name="TextBox 9"/>
+          <p:cNvSpPr txBox="1"/>
+          <p:nvPr/>
+        </p:nvSpPr>
+        <p:spPr>
+          <a:xfrm>
+            <a:off x="5429256" y="3857628"/>
+            <a:ext cx="2652521" cy="830997"/>
+          </a:xfrm>
+          <a:prstGeom prst="rect">
+            <a:avLst/>
+          </a:prstGeom>
+          <a:noFill/>
+        </p:spPr>
+        <p:txBody>
+          <a:bodyPr wrap="none" rtlCol="0">
+            <a:spAutoFit/>
+          </a:bodyPr>
+          <a:lstStyle/>
+          <a:p>
+            <a:r>
+              <a:rPr lang="ru-RU" sz="1600" b="1" dirty="0" smtClean="0">
+                <a:solidFill>
+                  <a:srgbClr val="00B050"/>
+                </a:solidFill>
+              </a:rPr>
+              <a:t>Плюсы</a:t>
+            </a:r>
+            <a:r>
+              <a:rPr lang="ru-RU" sz="1600" dirty="0" smtClean="0"/>
+              <a:t>:</a:t>
+            </a:r>
+          </a:p>
+          <a:p>
+            <a:pPr>
+              <a:buFontTx/>
+              <a:buChar char="-"/>
+            </a:pPr>
+            <a:r>
+              <a:rPr lang="ru-RU" sz="1600" dirty="0" smtClean="0"/>
+              <a:t> Можем менять хранилища</a:t>
+            </a:r>
+          </a:p>
+          <a:p>
+            <a:endParaRPr lang="ru-RU" sz="1600" dirty="0"/>
+          </a:p>
+        </p:txBody>
+      </p:sp>
+      <p:sp>
+        <p:nvSpPr>
+          <p:cNvPr id="11" name="Подзаголовок 2"/>
+          <p:cNvSpPr txBox="1">
+            <a:spLocks/>
+          </p:cNvSpPr>
+          <p:nvPr/>
+        </p:nvSpPr>
+        <p:spPr>
+          <a:xfrm>
+            <a:off x="5714976" y="6148374"/>
+            <a:ext cx="3429024" cy="709626"/>
+          </a:xfrm>
+          <a:prstGeom prst="rect">
+            <a:avLst/>
+          </a:prstGeom>
+        </p:spPr>
+        <p:txBody>
+          <a:bodyPr vert="horz" lIns="91440" tIns="45720" rIns="91440" bIns="45720" rtlCol="0">
+            <a:normAutofit/>
+          </a:bodyPr>
+          <a:lstStyle/>
+          <a:p>
+            <a:pPr marL="342900" marR="0" lvl="0" indent="-342900" algn="l" defTabSz="914400" rtl="0" eaLnBrk="1" fontAlgn="auto" latinLnBrk="0" hangingPunct="1">
+              <a:lnSpc>
+                <a:spcPct val="100000"/>
+              </a:lnSpc>
+              <a:spcBef>
+                <a:spcPct val="20000"/>
+              </a:spcBef>
+              <a:spcAft>
+                <a:spcPts val="0"/>
+              </a:spcAft>
+              <a:buClrTx/>
+              <a:buSzTx/>
+              <a:tabLst/>
+              <a:defRPr/>
+            </a:pPr>
+            <a:r>
+              <a:rPr kumimoji="0" lang="ru-RU" sz="1400" b="0" i="0" u="none" strike="noStrike" kern="1200" cap="none" spc="0" normalizeH="0" baseline="0" noProof="0" dirty="0" smtClean="0">
+                <a:ln>
+                  <a:noFill/>
+                </a:ln>
+                <a:solidFill>
+                  <a:schemeClr val="tx1"/>
+                </a:solidFill>
+                <a:effectLst/>
+                <a:uLnTx/>
+                <a:uFillTx/>
+                <a:latin typeface="+mn-lt"/>
+                <a:ea typeface="+mn-ea"/>
+                <a:cs typeface="+mn-cs"/>
+              </a:rPr>
+              <a:t>Сидоров Александр</a:t>
+            </a:r>
+            <a:r>
+              <a:rPr kumimoji="0" lang="en-US" sz="1400" b="0" i="0" u="none" strike="noStrike" kern="1200" cap="none" spc="0" normalizeH="0" baseline="0" noProof="0" dirty="0" smtClean="0">
+                <a:ln>
+                  <a:noFill/>
+                </a:ln>
+                <a:solidFill>
+                  <a:schemeClr val="tx1"/>
+                </a:solidFill>
+                <a:effectLst/>
+                <a:uLnTx/>
+                <a:uFillTx/>
+                <a:latin typeface="+mn-lt"/>
+                <a:ea typeface="+mn-ea"/>
+                <a:cs typeface="+mn-cs"/>
+              </a:rPr>
+              <a:t>  </a:t>
+            </a:r>
+            <a:r>
+              <a:rPr kumimoji="0" lang="en-US" sz="1400" b="0" i="0" u="none" strike="noStrike" kern="1200" cap="none" spc="0" normalizeH="0" baseline="0" noProof="0" dirty="0" smtClean="0">
+                <a:ln>
+                  <a:noFill/>
+                </a:ln>
+                <a:solidFill>
+                  <a:schemeClr val="tx1"/>
+                </a:solidFill>
+                <a:effectLst/>
+                <a:uLnTx/>
+                <a:uFillTx/>
+                <a:latin typeface="+mn-lt"/>
+                <a:ea typeface="+mn-ea"/>
+                <a:cs typeface="+mn-cs"/>
+                <a:hlinkClick r:id="rId3"/>
+              </a:rPr>
+              <a:t>http://clever-web.net/</a:t>
+            </a:r>
+            <a:endParaRPr kumimoji="0" lang="en-US" sz="1400" b="0" i="0" u="none" strike="noStrike" kern="1200" cap="none" spc="0" normalizeH="0" baseline="0" noProof="0" dirty="0" smtClean="0">
+              <a:ln>
+                <a:noFill/>
+              </a:ln>
+              <a:solidFill>
+                <a:schemeClr val="tx1"/>
+              </a:solidFill>
+              <a:effectLst/>
+              <a:uLnTx/>
+              <a:uFillTx/>
+              <a:latin typeface="+mn-lt"/>
+              <a:ea typeface="+mn-ea"/>
+              <a:cs typeface="+mn-cs"/>
+            </a:endParaRPr>
+          </a:p>
+          <a:p>
+            <a:pPr marL="342900" marR="0" lvl="0" indent="-342900" algn="l" defTabSz="914400" rtl="0" eaLnBrk="1" fontAlgn="auto" latinLnBrk="0" hangingPunct="1">
+              <a:lnSpc>
+                <a:spcPct val="100000"/>
+              </a:lnSpc>
+              <a:spcBef>
+                <a:spcPct val="20000"/>
+              </a:spcBef>
+              <a:spcAft>
+                <a:spcPts val="0"/>
+              </a:spcAft>
+              <a:buClrTx/>
+              <a:buSzTx/>
+              <a:tabLst/>
+              <a:defRPr/>
+            </a:pPr>
+            <a:r>
+              <a:rPr kumimoji="0" lang="en-US" sz="1400" b="0" i="0" u="none" strike="noStrike" kern="1200" cap="none" spc="0" normalizeH="0" baseline="0" noProof="0" dirty="0" smtClean="0">
+                <a:ln>
+                  <a:noFill/>
+                </a:ln>
+                <a:solidFill>
+                  <a:schemeClr val="tx1"/>
+                </a:solidFill>
+                <a:effectLst/>
+                <a:uLnTx/>
+                <a:uFillTx/>
+                <a:latin typeface="+mn-lt"/>
+                <a:ea typeface="+mn-ea"/>
+                <a:cs typeface="+mn-cs"/>
+              </a:rPr>
+              <a:t>https://github.com/asidorov01/rit2012</a:t>
+            </a:r>
+            <a:endParaRPr kumimoji="0" lang="ru-RU" sz="1400" b="0" i="0" u="none" strike="noStrike" kern="1200" cap="none" spc="0" normalizeH="0" baseline="0" noProof="0" dirty="0">
+              <a:ln>
+                <a:noFill/>
+              </a:ln>
+              <a:solidFill>
+                <a:schemeClr val="tx1"/>
+              </a:solidFill>
+              <a:effectLst/>
+              <a:uLnTx/>
+              <a:uFillTx/>
+              <a:latin typeface="+mn-lt"/>
+              <a:ea typeface="+mn-ea"/>
+              <a:cs typeface="+mn-cs"/>
+            </a:endParaRPr>
+          </a:p>
+        </p:txBody>
+      </p:sp>
       <p:cxnSp>
         <p:nvCxnSpPr>
-          <p:cNvPr id="10" name="Прямая со стрелкой 9"/>
+          <p:cNvPr id="13" name="Прямая со стрелкой 12"/>
           <p:cNvCxnSpPr/>
           <p:nvPr/>
         </p:nvCxnSpPr>
         <p:spPr>
-          <a:xfrm rot="10800000">
-            <a:off x="3357554" y="1571612"/>
-            <a:ext cx="2643206" cy="285752"/>
+          <a:xfrm rot="10800000" flipV="1">
+            <a:off x="2643174" y="4286256"/>
+            <a:ext cx="2786082" cy="500066"/>
           </a:xfrm>
           <a:prstGeom prst="straightConnector1">
             <a:avLst/>
@@ -4370,11 +7479,117 @@
           </a:fontRef>
         </p:style>
       </p:cxnSp>
+      <p:sp>
+        <p:nvSpPr>
+          <p:cNvPr id="16" name="Прямоугольник 15"/>
+          <p:cNvSpPr/>
+          <p:nvPr/>
+        </p:nvSpPr>
+        <p:spPr>
+          <a:xfrm>
+            <a:off x="6929454" y="571480"/>
+            <a:ext cx="2000264" cy="714380"/>
+          </a:xfrm>
+          <a:prstGeom prst="rect">
+            <a:avLst/>
+          </a:prstGeom>
+        </p:spPr>
+        <p:style>
+          <a:lnRef idx="2">
+            <a:schemeClr val="accent1">
+              <a:shade val="50000"/>
+            </a:schemeClr>
+          </a:lnRef>
+          <a:fillRef idx="1">
+            <a:schemeClr val="accent1"/>
+          </a:fillRef>
+          <a:effectRef idx="0">
+            <a:schemeClr val="accent1"/>
+          </a:effectRef>
+          <a:fontRef idx="minor">
+            <a:schemeClr val="lt1"/>
+          </a:fontRef>
+        </p:style>
+        <p:txBody>
+          <a:bodyPr rtlCol="0" anchor="ctr"/>
+          <a:lstStyle/>
+          <a:p>
+            <a:pPr algn="ctr"/>
+            <a:r>
+              <a:rPr lang="en-US" dirty="0" smtClean="0"/>
+              <a:t>User</a:t>
+            </a:r>
+            <a:endParaRPr lang="ru-RU" dirty="0"/>
+          </a:p>
+        </p:txBody>
+      </p:sp>
+      <p:sp>
+        <p:nvSpPr>
+          <p:cNvPr id="17" name="Прямоугольник 16"/>
+          <p:cNvSpPr/>
+          <p:nvPr/>
+        </p:nvSpPr>
+        <p:spPr>
+          <a:xfrm>
+            <a:off x="7143768" y="285728"/>
+            <a:ext cx="1643074" cy="428628"/>
+          </a:xfrm>
+          <a:prstGeom prst="rect">
+            <a:avLst/>
+          </a:prstGeom>
+          <a:solidFill>
+            <a:schemeClr val="bg2"/>
+          </a:solidFill>
+        </p:spPr>
+        <p:style>
+          <a:lnRef idx="2">
+            <a:schemeClr val="accent1">
+              <a:shade val="50000"/>
+            </a:schemeClr>
+          </a:lnRef>
+          <a:fillRef idx="1">
+            <a:schemeClr val="accent1"/>
+          </a:fillRef>
+          <a:effectRef idx="0">
+            <a:schemeClr val="accent1"/>
+          </a:effectRef>
+          <a:fontRef idx="minor">
+            <a:schemeClr val="lt1"/>
+          </a:fontRef>
+        </p:style>
+        <p:txBody>
+          <a:bodyPr rtlCol="0" anchor="ctr"/>
+          <a:lstStyle/>
+          <a:p>
+            <a:pPr algn="ctr"/>
+            <a:r>
+              <a:rPr lang="en-US" dirty="0" smtClean="0">
+                <a:solidFill>
+                  <a:schemeClr val="tx2"/>
+                </a:solidFill>
+              </a:rPr>
+              <a:t>Storage</a:t>
+            </a:r>
+            <a:endParaRPr lang="ru-RU" dirty="0">
+              <a:solidFill>
+                <a:schemeClr val="tx2"/>
+              </a:solidFill>
+            </a:endParaRPr>
+          </a:p>
+        </p:txBody>
+      </p:sp>
     </p:spTree>
   </p:cSld>
   <p:clrMapOvr>
     <a:masterClrMapping/>
   </p:clrMapOvr>
+  <p:timing>
+    <p:tnLst>
+      <p:par>
+        <p:cTn id="1" dur="indefinite" restart="never" nodeType="tmRoot"/>
+      </p:par>
+    </p:tnLst>
+  </p:timing>
 </p:sld>
 </file>
 
@@ -4408,7 +7623,7 @@
         <p:spPr>
           <a:xfrm>
             <a:off x="457200" y="142852"/>
-            <a:ext cx="8229600" cy="511156"/>
+            <a:ext cx="7115196" cy="511156"/>
           </a:xfrm>
         </p:spPr>
         <p:txBody>
@@ -4433,8 +7648,8 @@
         </p:nvSpPr>
         <p:spPr>
           <a:xfrm>
-            <a:off x="6000760" y="642918"/>
-            <a:ext cx="2928958" cy="2308324"/>
+            <a:off x="5857884" y="3500438"/>
+            <a:ext cx="3286116" cy="1815882"/>
           </a:xfrm>
           <a:prstGeom prst="rect">
             <a:avLst/>
@@ -4448,8 +7663,16 @@
           <a:lstStyle/>
           <a:p>
             <a:r>
+              <a:rPr lang="ru-RU" sz="1600" b="1" dirty="0" smtClean="0">
+                <a:solidFill>
+                  <a:srgbClr val="00B050"/>
+                </a:solidFill>
+              </a:rPr>
+              <a:t>Плюсы</a:t>
+            </a:r>
+            <a:r>
               <a:rPr lang="ru-RU" sz="1600" dirty="0" smtClean="0"/>
-              <a:t>Плюсы:</a:t>
+              <a:t>:</a:t>
             </a:r>
           </a:p>
           <a:p>
@@ -4486,8 +7709,16 @@
           </a:p>
           <a:p>
             <a:r>
+              <a:rPr lang="ru-RU" sz="1600" b="1" dirty="0" smtClean="0">
+                <a:solidFill>
+                  <a:srgbClr val="C00000"/>
+                </a:solidFill>
+              </a:rPr>
+              <a:t>Минусы</a:t>
+            </a:r>
+            <a:r>
               <a:rPr lang="ru-RU" sz="1600" dirty="0" smtClean="0"/>
-              <a:t>Минусы: </a:t>
+              <a:t>: </a:t>
             </a:r>
           </a:p>
           <a:p>
@@ -4537,9 +7768,299 @@
           <p:nvPr/>
         </p:nvCxnSpPr>
         <p:spPr>
+          <a:xfrm rot="10800000" flipV="1">
+            <a:off x="2786050" y="3857628"/>
+            <a:ext cx="2928958" cy="1214446"/>
+          </a:xfrm>
+          <a:prstGeom prst="straightConnector1">
+            <a:avLst/>
+          </a:prstGeom>
+          <a:ln>
+            <a:tailEnd type="arrow"/>
+          </a:ln>
+        </p:spPr>
+        <p:style>
+          <a:lnRef idx="1">
+            <a:schemeClr val="accent1"/>
+          </a:lnRef>
+          <a:fillRef idx="0">
+            <a:schemeClr val="accent1"/>
+          </a:fillRef>
+          <a:effectRef idx="0">
+            <a:schemeClr val="accent1"/>
+          </a:effectRef>
+          <a:fontRef idx="minor">
+            <a:schemeClr val="tx1"/>
+          </a:fontRef>
+        </p:style>
+      </p:cxnSp>
+      <p:sp>
+        <p:nvSpPr>
+          <p:cNvPr id="7" name="Подзаголовок 2"/>
+          <p:cNvSpPr txBox="1">
+            <a:spLocks/>
+          </p:cNvSpPr>
+          <p:nvPr/>
+        </p:nvSpPr>
+        <p:spPr>
+          <a:xfrm>
+            <a:off x="5714976" y="6148374"/>
+            <a:ext cx="3429024" cy="709626"/>
+          </a:xfrm>
+          <a:prstGeom prst="rect">
+            <a:avLst/>
+          </a:prstGeom>
+        </p:spPr>
+        <p:txBody>
+          <a:bodyPr vert="horz" lIns="91440" tIns="45720" rIns="91440" bIns="45720" rtlCol="0">
+            <a:normAutofit/>
+          </a:bodyPr>
+          <a:lstStyle/>
+          <a:p>
+            <a:pPr marL="342900" marR="0" lvl="0" indent="-342900" algn="l" defTabSz="914400" rtl="0" eaLnBrk="1" fontAlgn="auto" latinLnBrk="0" hangingPunct="1">
+              <a:lnSpc>
+                <a:spcPct val="100000"/>
+              </a:lnSpc>
+              <a:spcBef>
+                <a:spcPct val="20000"/>
+              </a:spcBef>
+              <a:spcAft>
+                <a:spcPts val="0"/>
+              </a:spcAft>
+              <a:buClrTx/>
+              <a:buSzTx/>
+              <a:tabLst/>
+              <a:defRPr/>
+            </a:pPr>
+            <a:r>
+              <a:rPr kumimoji="0" lang="ru-RU" sz="1400" b="0" i="0" u="none" strike="noStrike" kern="1200" cap="none" spc="0" normalizeH="0" baseline="0" noProof="0" dirty="0" smtClean="0">
+                <a:ln>
+                  <a:noFill/>
+                </a:ln>
+                <a:solidFill>
+                  <a:schemeClr val="tx1"/>
+                </a:solidFill>
+                <a:effectLst/>
+                <a:uLnTx/>
+                <a:uFillTx/>
+                <a:latin typeface="+mn-lt"/>
+                <a:ea typeface="+mn-ea"/>
+                <a:cs typeface="+mn-cs"/>
+              </a:rPr>
+              <a:t>Сидоров Александр</a:t>
+            </a:r>
+            <a:r>
+              <a:rPr kumimoji="0" lang="en-US" sz="1400" b="0" i="0" u="none" strike="noStrike" kern="1200" cap="none" spc="0" normalizeH="0" baseline="0" noProof="0" dirty="0" smtClean="0">
+                <a:ln>
+                  <a:noFill/>
+                </a:ln>
+                <a:solidFill>
+                  <a:schemeClr val="tx1"/>
+                </a:solidFill>
+                <a:effectLst/>
+                <a:uLnTx/>
+                <a:uFillTx/>
+                <a:latin typeface="+mn-lt"/>
+                <a:ea typeface="+mn-ea"/>
+                <a:cs typeface="+mn-cs"/>
+              </a:rPr>
+              <a:t>  </a:t>
+            </a:r>
+            <a:r>
+              <a:rPr kumimoji="0" lang="en-US" sz="1400" b="0" i="0" u="none" strike="noStrike" kern="1200" cap="none" spc="0" normalizeH="0" baseline="0" noProof="0" dirty="0" smtClean="0">
+                <a:ln>
+                  <a:noFill/>
+                </a:ln>
+                <a:solidFill>
+                  <a:schemeClr val="tx1"/>
+                </a:solidFill>
+                <a:effectLst/>
+                <a:uLnTx/>
+                <a:uFillTx/>
+                <a:latin typeface="+mn-lt"/>
+                <a:ea typeface="+mn-ea"/>
+                <a:cs typeface="+mn-cs"/>
+                <a:hlinkClick r:id="rId3"/>
+              </a:rPr>
+              <a:t>http://clever-web.net/</a:t>
+            </a:r>
+            <a:endParaRPr kumimoji="0" lang="en-US" sz="1400" b="0" i="0" u="none" strike="noStrike" kern="1200" cap="none" spc="0" normalizeH="0" baseline="0" noProof="0" dirty="0" smtClean="0">
+              <a:ln>
+                <a:noFill/>
+              </a:ln>
+              <a:solidFill>
+                <a:schemeClr val="tx1"/>
+              </a:solidFill>
+              <a:effectLst/>
+              <a:uLnTx/>
+              <a:uFillTx/>
+              <a:latin typeface="+mn-lt"/>
+              <a:ea typeface="+mn-ea"/>
+              <a:cs typeface="+mn-cs"/>
+            </a:endParaRPr>
+          </a:p>
+          <a:p>
+            <a:pPr marL="342900" marR="0" lvl="0" indent="-342900" algn="l" defTabSz="914400" rtl="0" eaLnBrk="1" fontAlgn="auto" latinLnBrk="0" hangingPunct="1">
+              <a:lnSpc>
+                <a:spcPct val="100000"/>
+              </a:lnSpc>
+              <a:spcBef>
+                <a:spcPct val="20000"/>
+              </a:spcBef>
+              <a:spcAft>
+                <a:spcPts val="0"/>
+              </a:spcAft>
+              <a:buClrTx/>
+              <a:buSzTx/>
+              <a:tabLst/>
+              <a:defRPr/>
+            </a:pPr>
+            <a:r>
+              <a:rPr kumimoji="0" lang="en-US" sz="1400" b="0" i="0" u="none" strike="noStrike" kern="1200" cap="none" spc="0" normalizeH="0" baseline="0" noProof="0" dirty="0" smtClean="0">
+                <a:ln>
+                  <a:noFill/>
+                </a:ln>
+                <a:solidFill>
+                  <a:schemeClr val="tx1"/>
+                </a:solidFill>
+                <a:effectLst/>
+                <a:uLnTx/>
+                <a:uFillTx/>
+                <a:latin typeface="+mn-lt"/>
+                <a:ea typeface="+mn-ea"/>
+                <a:cs typeface="+mn-cs"/>
+              </a:rPr>
+              <a:t>https://github.com/asidorov01/rit2012</a:t>
+            </a:r>
+            <a:endParaRPr kumimoji="0" lang="ru-RU" sz="1400" b="0" i="0" u="none" strike="noStrike" kern="1200" cap="none" spc="0" normalizeH="0" baseline="0" noProof="0" dirty="0">
+              <a:ln>
+                <a:noFill/>
+              </a:ln>
+              <a:solidFill>
+                <a:schemeClr val="tx1"/>
+              </a:solidFill>
+              <a:effectLst/>
+              <a:uLnTx/>
+              <a:uFillTx/>
+              <a:latin typeface="+mn-lt"/>
+              <a:ea typeface="+mn-ea"/>
+              <a:cs typeface="+mn-cs"/>
+            </a:endParaRPr>
+          </a:p>
+        </p:txBody>
+      </p:sp>
+      <p:sp>
+        <p:nvSpPr>
+          <p:cNvPr id="13" name="Прямоугольник 12"/>
+          <p:cNvSpPr/>
+          <p:nvPr/>
+        </p:nvSpPr>
+        <p:spPr>
+          <a:xfrm>
+            <a:off x="6929454" y="928670"/>
+            <a:ext cx="2000264" cy="714380"/>
+          </a:xfrm>
+          <a:prstGeom prst="rect">
+            <a:avLst/>
+          </a:prstGeom>
+        </p:spPr>
+        <p:style>
+          <a:lnRef idx="2">
+            <a:schemeClr val="accent1">
+              <a:shade val="50000"/>
+            </a:schemeClr>
+          </a:lnRef>
+          <a:fillRef idx="1">
+            <a:schemeClr val="accent1"/>
+          </a:fillRef>
+          <a:effectRef idx="0">
+            <a:schemeClr val="accent1"/>
+          </a:effectRef>
+          <a:fontRef idx="minor">
+            <a:schemeClr val="lt1"/>
+          </a:fontRef>
+        </p:style>
+        <p:txBody>
+          <a:bodyPr rtlCol="0" anchor="ctr"/>
+          <a:lstStyle/>
+          <a:p>
+            <a:pPr algn="ctr"/>
+            <a:r>
+              <a:rPr lang="en-US" dirty="0" smtClean="0"/>
+              <a:t>User</a:t>
+            </a:r>
+            <a:endParaRPr lang="ru-RU" dirty="0"/>
+          </a:p>
+        </p:txBody>
+      </p:sp>
+      <p:sp>
+        <p:nvSpPr>
+          <p:cNvPr id="14" name="Прямоугольник 13"/>
+          <p:cNvSpPr/>
+          <p:nvPr/>
+        </p:nvSpPr>
+        <p:spPr>
+          <a:xfrm>
+            <a:off x="7143768" y="285728"/>
+            <a:ext cx="1643074" cy="428628"/>
+          </a:xfrm>
+          <a:prstGeom prst="rect">
+            <a:avLst/>
+          </a:prstGeom>
+          <a:solidFill>
+            <a:schemeClr val="bg2"/>
+          </a:solidFill>
+        </p:spPr>
+        <p:style>
+          <a:lnRef idx="2">
+            <a:schemeClr val="accent1">
+              <a:shade val="50000"/>
+            </a:schemeClr>
+          </a:lnRef>
+          <a:fillRef idx="1">
+            <a:schemeClr val="accent1"/>
+          </a:fillRef>
+          <a:effectRef idx="0">
+            <a:schemeClr val="accent1"/>
+          </a:effectRef>
+          <a:fontRef idx="minor">
+            <a:schemeClr val="lt1"/>
+          </a:fontRef>
+        </p:style>
+        <p:txBody>
+          <a:bodyPr rtlCol="0" anchor="ctr"/>
+          <a:lstStyle/>
+          <a:p>
+            <a:pPr algn="ctr"/>
+            <a:r>
+              <a:rPr lang="en-US" dirty="0" smtClean="0">
+                <a:solidFill>
+                  <a:schemeClr val="tx2"/>
+                </a:solidFill>
+              </a:rPr>
+              <a:t>Storage</a:t>
+            </a:r>
+            <a:endParaRPr lang="ru-RU" dirty="0">
+              <a:solidFill>
+                <a:schemeClr val="tx2"/>
+              </a:solidFill>
+            </a:endParaRPr>
+          </a:p>
+        </p:txBody>
+      </p:sp>
+      <p:cxnSp>
+        <p:nvCxnSpPr>
+          <p:cNvPr id="16" name="Прямая со стрелкой 15"/>
+          <p:cNvCxnSpPr>
+            <a:stCxn id="14" idx="2"/>
+            <a:endCxn id="13" idx="0"/>
+          </p:cNvCxnSpPr>
+          <p:nvPr/>
+        </p:nvCxnSpPr>
+        <p:spPr>
           <a:xfrm rot="5400000">
-            <a:off x="2178827" y="1250141"/>
-            <a:ext cx="4000528" cy="3643338"/>
+            <a:off x="7840289" y="803654"/>
+            <a:ext cx="214314" cy="35719"/>
           </a:xfrm>
           <a:prstGeom prst="straightConnector1">
             <a:avLst/>
@@ -4568,6 +8089,13 @@
   <p:clrMapOvr>
     <a:masterClrMapping/>
   </p:clrMapOvr>
+  <p:timing>
+    <p:tnLst>
+      <p:par>
+        <p:cTn id="1" dur="indefinite" restart="never" nodeType="tmRoot"/>
+      </p:par>
+    </p:tnLst>
+  </p:timing>
 </p:sld>
 </file>
 
@@ -4626,7 +8154,7 @@
         </p:nvSpPr>
         <p:spPr>
           <a:xfrm>
-            <a:off x="6000760" y="642918"/>
+            <a:off x="5214942" y="3429000"/>
             <a:ext cx="2928958" cy="584775"/>
           </a:xfrm>
           <a:prstGeom prst="rect">
@@ -4678,9 +8206,9 @@
           <p:nvPr/>
         </p:nvCxnSpPr>
         <p:spPr>
-          <a:xfrm rot="5400000">
-            <a:off x="2214546" y="1142984"/>
-            <a:ext cx="3857652" cy="3714776"/>
+          <a:xfrm rot="10800000" flipV="1">
+            <a:off x="2643174" y="3929066"/>
+            <a:ext cx="2643206" cy="1643074"/>
           </a:xfrm>
           <a:prstGeom prst="straightConnector1">
             <a:avLst/>
@@ -4711,9 +8239,9 @@
           <p:nvPr/>
         </p:nvCxnSpPr>
         <p:spPr>
-          <a:xfrm rot="10800000" flipV="1">
-            <a:off x="3428992" y="1000108"/>
-            <a:ext cx="2428892" cy="928694"/>
+          <a:xfrm rot="10800000">
+            <a:off x="4071934" y="2285992"/>
+            <a:ext cx="1500198" cy="1143008"/>
           </a:xfrm>
           <a:prstGeom prst="straightConnector1">
             <a:avLst/>
@@ -4737,11 +8265,308 @@
           </a:fontRef>
         </p:style>
       </p:cxnSp>
+      <p:sp>
+        <p:nvSpPr>
+          <p:cNvPr id="8" name="Прямоугольник 7"/>
+          <p:cNvSpPr/>
+          <p:nvPr/>
+        </p:nvSpPr>
+        <p:spPr>
+          <a:xfrm>
+            <a:off x="6929454" y="928670"/>
+            <a:ext cx="2000264" cy="714380"/>
+          </a:xfrm>
+          <a:prstGeom prst="rect">
+            <a:avLst/>
+          </a:prstGeom>
+        </p:spPr>
+        <p:style>
+          <a:lnRef idx="2">
+            <a:schemeClr val="accent1">
+              <a:shade val="50000"/>
+            </a:schemeClr>
+          </a:lnRef>
+          <a:fillRef idx="1">
+            <a:schemeClr val="accent1"/>
+          </a:fillRef>
+          <a:effectRef idx="0">
+            <a:schemeClr val="accent1"/>
+          </a:effectRef>
+          <a:fontRef idx="minor">
+            <a:schemeClr val="lt1"/>
+          </a:fontRef>
+        </p:style>
+        <p:txBody>
+          <a:bodyPr rtlCol="0" anchor="ctr"/>
+          <a:lstStyle/>
+          <a:p>
+            <a:pPr algn="ctr"/>
+            <a:r>
+              <a:rPr lang="en-US" dirty="0" smtClean="0"/>
+              <a:t>User</a:t>
+            </a:r>
+            <a:endParaRPr lang="ru-RU" dirty="0"/>
+          </a:p>
+        </p:txBody>
+      </p:sp>
+      <p:sp>
+        <p:nvSpPr>
+          <p:cNvPr id="11" name="Прямоугольник 10"/>
+          <p:cNvSpPr/>
+          <p:nvPr/>
+        </p:nvSpPr>
+        <p:spPr>
+          <a:xfrm>
+            <a:off x="7143768" y="285728"/>
+            <a:ext cx="1643074" cy="428628"/>
+          </a:xfrm>
+          <a:prstGeom prst="rect">
+            <a:avLst/>
+          </a:prstGeom>
+          <a:solidFill>
+            <a:schemeClr val="bg2"/>
+          </a:solidFill>
+        </p:spPr>
+        <p:style>
+          <a:lnRef idx="2">
+            <a:schemeClr val="accent1">
+              <a:shade val="50000"/>
+            </a:schemeClr>
+          </a:lnRef>
+          <a:fillRef idx="1">
+            <a:schemeClr val="accent1"/>
+          </a:fillRef>
+          <a:effectRef idx="0">
+            <a:schemeClr val="accent1"/>
+          </a:effectRef>
+          <a:fontRef idx="minor">
+            <a:schemeClr val="lt1"/>
+          </a:fontRef>
+        </p:style>
+        <p:txBody>
+          <a:bodyPr rtlCol="0" anchor="ctr"/>
+          <a:lstStyle/>
+          <a:p>
+            <a:pPr algn="ctr"/>
+            <a:r>
+              <a:rPr lang="en-US" dirty="0" smtClean="0">
+                <a:solidFill>
+                  <a:schemeClr val="tx2"/>
+                </a:solidFill>
+              </a:rPr>
+              <a:t>Storage</a:t>
+            </a:r>
+            <a:endParaRPr lang="ru-RU" dirty="0">
+              <a:solidFill>
+                <a:schemeClr val="tx2"/>
+              </a:solidFill>
+            </a:endParaRPr>
+          </a:p>
+        </p:txBody>
+      </p:sp>
+      <p:cxnSp>
+        <p:nvCxnSpPr>
+          <p:cNvPr id="12" name="Прямая со стрелкой 11"/>
+          <p:cNvCxnSpPr>
+            <a:stCxn id="11" idx="2"/>
+            <a:endCxn id="8" idx="0"/>
+          </p:cNvCxnSpPr>
+          <p:nvPr/>
+        </p:nvCxnSpPr>
+        <p:spPr>
+          <a:xfrm rot="5400000">
+            <a:off x="7840289" y="803654"/>
+            <a:ext cx="214314" cy="35719"/>
+          </a:xfrm>
+          <a:prstGeom prst="straightConnector1">
+            <a:avLst/>
+          </a:prstGeom>
+          <a:ln>
+            <a:tailEnd type="arrow"/>
+          </a:ln>
+        </p:spPr>
+        <p:style>
+          <a:lnRef idx="1">
+            <a:schemeClr val="accent1"/>
+          </a:lnRef>
+          <a:fillRef idx="0">
+            <a:schemeClr val="accent1"/>
+          </a:fillRef>
+          <a:effectRef idx="0">
+            <a:schemeClr val="accent1"/>
+          </a:effectRef>
+          <a:fontRef idx="minor">
+            <a:schemeClr val="tx1"/>
+          </a:fontRef>
+        </p:style>
+      </p:cxnSp>
+      <p:sp>
+        <p:nvSpPr>
+          <p:cNvPr id="20" name="Подзаголовок 2"/>
+          <p:cNvSpPr txBox="1">
+            <a:spLocks/>
+          </p:cNvSpPr>
+          <p:nvPr/>
+        </p:nvSpPr>
+        <p:spPr>
+          <a:xfrm>
+            <a:off x="5714976" y="6148374"/>
+            <a:ext cx="3429024" cy="709626"/>
+          </a:xfrm>
+          <a:prstGeom prst="rect">
+            <a:avLst/>
+          </a:prstGeom>
+        </p:spPr>
+        <p:txBody>
+          <a:bodyPr vert="horz" lIns="91440" tIns="45720" rIns="91440" bIns="45720" rtlCol="0">
+            <a:normAutofit/>
+          </a:bodyPr>
+          <a:lstStyle/>
+          <a:p>
+            <a:pPr marL="342900" marR="0" lvl="0" indent="-342900" algn="l" defTabSz="914400" rtl="0" eaLnBrk="1" fontAlgn="auto" latinLnBrk="0" hangingPunct="1">
+              <a:lnSpc>
+                <a:spcPct val="100000"/>
+              </a:lnSpc>
+              <a:spcBef>
+                <a:spcPct val="20000"/>
+              </a:spcBef>
+              <a:spcAft>
+                <a:spcPts val="0"/>
+              </a:spcAft>
+              <a:buClrTx/>
+              <a:buSzTx/>
+              <a:tabLst/>
+              <a:defRPr/>
+            </a:pPr>
+            <a:r>
+              <a:rPr kumimoji="0" lang="ru-RU" sz="1400" b="0" i="0" u="none" strike="noStrike" kern="1200" cap="none" spc="0" normalizeH="0" baseline="0" noProof="0" dirty="0" smtClean="0">
+                <a:ln>
+                  <a:noFill/>
+                </a:ln>
+                <a:solidFill>
+                  <a:schemeClr val="tx1"/>
+                </a:solidFill>
+                <a:effectLst/>
+                <a:uLnTx/>
+                <a:uFillTx/>
+                <a:latin typeface="+mn-lt"/>
+                <a:ea typeface="+mn-ea"/>
+                <a:cs typeface="+mn-cs"/>
+              </a:rPr>
+              <a:t>Сидоров Александр</a:t>
+            </a:r>
+            <a:r>
+              <a:rPr kumimoji="0" lang="en-US" sz="1400" b="0" i="0" u="none" strike="noStrike" kern="1200" cap="none" spc="0" normalizeH="0" baseline="0" noProof="0" dirty="0" smtClean="0">
+                <a:ln>
+                  <a:noFill/>
+                </a:ln>
+                <a:solidFill>
+                  <a:schemeClr val="tx1"/>
+                </a:solidFill>
+                <a:effectLst/>
+                <a:uLnTx/>
+                <a:uFillTx/>
+                <a:latin typeface="+mn-lt"/>
+                <a:ea typeface="+mn-ea"/>
+                <a:cs typeface="+mn-cs"/>
+              </a:rPr>
+              <a:t>  </a:t>
+            </a:r>
+            <a:r>
+              <a:rPr kumimoji="0" lang="en-US" sz="1400" b="0" i="0" u="none" strike="noStrike" kern="1200" cap="none" spc="0" normalizeH="0" baseline="0" noProof="0" dirty="0" smtClean="0">
+                <a:ln>
+                  <a:noFill/>
+                </a:ln>
+                <a:solidFill>
+                  <a:schemeClr val="tx1"/>
+                </a:solidFill>
+                <a:effectLst/>
+                <a:uLnTx/>
+                <a:uFillTx/>
+                <a:latin typeface="+mn-lt"/>
+                <a:ea typeface="+mn-ea"/>
+                <a:cs typeface="+mn-cs"/>
+                <a:hlinkClick r:id="rId4"/>
+              </a:rPr>
+              <a:t>http://clever-web.net/</a:t>
+            </a:r>
+            <a:endParaRPr kumimoji="0" lang="en-US" sz="1400" b="0" i="0" u="none" strike="noStrike" kern="1200" cap="none" spc="0" normalizeH="0" baseline="0" noProof="0" dirty="0" smtClean="0">
+              <a:ln>
+                <a:noFill/>
+              </a:ln>
+              <a:solidFill>
+                <a:schemeClr val="tx1"/>
+              </a:solidFill>
+              <a:effectLst/>
+              <a:uLnTx/>
+              <a:uFillTx/>
+              <a:latin typeface="+mn-lt"/>
+              <a:ea typeface="+mn-ea"/>
+              <a:cs typeface="+mn-cs"/>
+            </a:endParaRPr>
+          </a:p>
+          <a:p>
+            <a:pPr marL="342900" marR="0" lvl="0" indent="-342900" algn="l" defTabSz="914400" rtl="0" eaLnBrk="1" fontAlgn="auto" latinLnBrk="0" hangingPunct="1">
+              <a:lnSpc>
+                <a:spcPct val="100000"/>
+              </a:lnSpc>
+              <a:spcBef>
+                <a:spcPct val="20000"/>
+              </a:spcBef>
+              <a:spcAft>
+                <a:spcPts val="0"/>
+              </a:spcAft>
+              <a:buClrTx/>
+              <a:buSzTx/>
+              <a:tabLst/>
+              <a:defRPr/>
+            </a:pPr>
+            <a:r>
+              <a:rPr kumimoji="0" lang="en-US" sz="1400" b="0" i="0" u="none" strike="noStrike" kern="1200" cap="none" spc="0" normalizeH="0" baseline="0" noProof="0" dirty="0" smtClean="0">
+                <a:ln>
+                  <a:noFill/>
+                </a:ln>
+                <a:solidFill>
+                  <a:schemeClr val="tx1"/>
+                </a:solidFill>
+                <a:effectLst/>
+                <a:uLnTx/>
+                <a:uFillTx/>
+                <a:latin typeface="+mn-lt"/>
+                <a:ea typeface="+mn-ea"/>
+                <a:cs typeface="+mn-cs"/>
+              </a:rPr>
+              <a:t>https://github.com/asidorov01/rit2012</a:t>
+            </a:r>
+            <a:endParaRPr kumimoji="0" lang="ru-RU" sz="1400" b="0" i="0" u="none" strike="noStrike" kern="1200" cap="none" spc="0" normalizeH="0" baseline="0" noProof="0" dirty="0">
+              <a:ln>
+                <a:noFill/>
+              </a:ln>
+              <a:solidFill>
+                <a:schemeClr val="tx1"/>
+              </a:solidFill>
+              <a:effectLst/>
+              <a:uLnTx/>
+              <a:uFillTx/>
+              <a:latin typeface="+mn-lt"/>
+              <a:ea typeface="+mn-ea"/>
+              <a:cs typeface="+mn-cs"/>
+            </a:endParaRPr>
+          </a:p>
+        </p:txBody>
+      </p:sp>
     </p:spTree>
   </p:cSld>
   <p:clrMapOvr>
     <a:masterClrMapping/>
   </p:clrMapOvr>
+  <p:timing>
+    <p:tnLst>
+      <p:par>
+        <p:cTn id="1" dur="indefinite" restart="never" nodeType="tmRoot"/>
+      </p:par>
+    </p:tnLst>
+  </p:timing>
 </p:sld>
 </file>
 
@@ -4799,38 +8624,155 @@
       </p:sp>
       <p:sp>
         <p:nvSpPr>
-          <p:cNvPr id="11" name="TextBox 10"/>
-          <p:cNvSpPr txBox="1"/>
+          <p:cNvPr id="4" name="Подзаголовок 2"/>
+          <p:cNvSpPr txBox="1">
+            <a:spLocks/>
+          </p:cNvSpPr>
           <p:nvPr/>
         </p:nvSpPr>
         <p:spPr>
           <a:xfrm>
-            <a:off x="4071934" y="3786190"/>
-            <a:ext cx="2536977" cy="369332"/>
+            <a:off x="5714976" y="6148374"/>
+            <a:ext cx="3429024" cy="709626"/>
           </a:xfrm>
           <a:prstGeom prst="rect">
             <a:avLst/>
           </a:prstGeom>
-          <a:noFill/>
-        </p:spPr>
-        <p:txBody>
-          <a:bodyPr wrap="none" rtlCol="0">
-            <a:spAutoFit/>
+        </p:spPr>
+        <p:txBody>
+          <a:bodyPr vert="horz" lIns="91440" tIns="45720" rIns="91440" bIns="45720" rtlCol="0">
+            <a:normAutofit/>
           </a:bodyPr>
           <a:lstStyle/>
           <a:p>
-            <a:r>
-              <a:rPr lang="ru-RU" dirty="0" smtClean="0">
+            <a:pPr marL="342900" marR="0" lvl="0" indent="-342900" algn="l" defTabSz="914400" rtl="0" eaLnBrk="1" fontAlgn="auto" latinLnBrk="0" hangingPunct="1">
+              <a:lnSpc>
+                <a:spcPct val="100000"/>
+              </a:lnSpc>
+              <a:spcBef>
+                <a:spcPct val="20000"/>
+              </a:spcBef>
+              <a:spcAft>
+                <a:spcPts val="0"/>
+              </a:spcAft>
+              <a:buClrTx/>
+              <a:buSzTx/>
+              <a:tabLst/>
+              <a:defRPr/>
+            </a:pPr>
+            <a:r>
+              <a:rPr kumimoji="0" lang="ru-RU" sz="1400" b="0" i="0" u="none" strike="noStrike" kern="1200" cap="none" spc="0" normalizeH="0" baseline="0" noProof="0" dirty="0" smtClean="0">
+                <a:ln>
+                  <a:noFill/>
+                </a:ln>
                 <a:solidFill>
-                  <a:srgbClr val="FF0000"/>
+                  <a:schemeClr val="tx1"/>
                 </a:solidFill>
+                <a:effectLst/>
+                <a:uLnTx/>
+                <a:uFillTx/>
+                <a:latin typeface="+mn-lt"/>
+                <a:ea typeface="+mn-ea"/>
+                <a:cs typeface="+mn-cs"/>
               </a:rPr>
-              <a:t>Картинку сюда вставить</a:t>
-            </a:r>
-            <a:endParaRPr lang="ru-RU" dirty="0">
+              <a:t>Сидоров Александр</a:t>
+            </a:r>
+            <a:r>
+              <a:rPr kumimoji="0" lang="en-US" sz="1400" b="0" i="0" u="none" strike="noStrike" kern="1200" cap="none" spc="0" normalizeH="0" baseline="0" noProof="0" dirty="0" smtClean="0">
+                <a:ln>
+                  <a:noFill/>
+                </a:ln>
+                <a:solidFill>
+                  <a:schemeClr val="tx1"/>
+                </a:solidFill>
+                <a:effectLst/>
+                <a:uLnTx/>
+                <a:uFillTx/>
+                <a:latin typeface="+mn-lt"/>
+                <a:ea typeface="+mn-ea"/>
+                <a:cs typeface="+mn-cs"/>
+              </a:rPr>
+              <a:t>  </a:t>
+            </a:r>
+            <a:r>
+              <a:rPr kumimoji="0" lang="en-US" sz="1400" b="0" i="0" u="none" strike="noStrike" kern="1200" cap="none" spc="0" normalizeH="0" baseline="0" noProof="0" dirty="0" smtClean="0">
+                <a:ln>
+                  <a:noFill/>
+                </a:ln>
+                <a:solidFill>
+                  <a:schemeClr val="tx1"/>
+                </a:solidFill>
+                <a:effectLst/>
+                <a:uLnTx/>
+                <a:uFillTx/>
+                <a:latin typeface="+mn-lt"/>
+                <a:ea typeface="+mn-ea"/>
+                <a:cs typeface="+mn-cs"/>
+                <a:hlinkClick r:id="rId3"/>
+              </a:rPr>
+              <a:t>http://clever-web.net/</a:t>
+            </a:r>
+            <a:endParaRPr kumimoji="0" lang="en-US" sz="1400" b="0" i="0" u="none" strike="noStrike" kern="1200" cap="none" spc="0" normalizeH="0" baseline="0" noProof="0" dirty="0" smtClean="0">
+              <a:ln>
+                <a:noFill/>
+              </a:ln>
               <a:solidFill>
-                <a:srgbClr val="FF0000"/>
+                <a:schemeClr val="tx1"/>
               </a:solidFill>
+              <a:effectLst/>
+              <a:uLnTx/>
+              <a:uFillTx/>
+              <a:latin typeface="+mn-lt"/>
+              <a:ea typeface="+mn-ea"/>
+              <a:cs typeface="+mn-cs"/>
+            </a:endParaRPr>
+          </a:p>
+          <a:p>
+            <a:pPr marL="342900" marR="0" lvl="0" indent="-342900" algn="l" defTabSz="914400" rtl="0" eaLnBrk="1" fontAlgn="auto" latinLnBrk="0" hangingPunct="1">
+              <a:lnSpc>
+                <a:spcPct val="100000"/>
+              </a:lnSpc>
+              <a:spcBef>
+                <a:spcPct val="20000"/>
+              </a:spcBef>
+              <a:spcAft>
+                <a:spcPts val="0"/>
+              </a:spcAft>
+              <a:buClrTx/>
+              <a:buSzTx/>
+              <a:tabLst/>
+              <a:defRPr/>
+            </a:pPr>
+            <a:r>
+              <a:rPr kumimoji="0" lang="en-US" sz="1400" b="0" i="0" u="none" strike="noStrike" kern="1200" cap="none" spc="0" normalizeH="0" baseline="0" noProof="0" dirty="0" smtClean="0">
+                <a:ln>
+                  <a:noFill/>
+                </a:ln>
+                <a:solidFill>
+                  <a:schemeClr val="tx1"/>
+                </a:solidFill>
+                <a:effectLst/>
+                <a:uLnTx/>
+                <a:uFillTx/>
+                <a:latin typeface="+mn-lt"/>
+                <a:ea typeface="+mn-ea"/>
+                <a:cs typeface="+mn-cs"/>
+              </a:rPr>
+              <a:t>https://github.com/asidorov01/rit2012</a:t>
+            </a:r>
+            <a:endParaRPr kumimoji="0" lang="ru-RU" sz="1400" b="0" i="0" u="none" strike="noStrike" kern="1200" cap="none" spc="0" normalizeH="0" baseline="0" noProof="0" dirty="0">
+              <a:ln>
+                <a:noFill/>
+              </a:ln>
+              <a:solidFill>
+                <a:schemeClr val="tx1"/>
+              </a:solidFill>
+              <a:effectLst/>
+              <a:uLnTx/>
+              <a:uFillTx/>
+              <a:latin typeface="+mn-lt"/>
+              <a:ea typeface="+mn-ea"/>
+              <a:cs typeface="+mn-cs"/>
             </a:endParaRPr>
           </a:p>
         </p:txBody>
@@ -4883,16 +8825,8 @@
           <a:lstStyle/>
           <a:p>
             <a:r>
-              <a:rPr lang="en-US" sz="2800" dirty="0" smtClean="0"/>
-              <a:t>DI </a:t>
-            </a:r>
-            <a:r>
-              <a:rPr lang="ru-RU" sz="2800" dirty="0" err="1" smtClean="0"/>
-              <a:t>Container</a:t>
-            </a:r>
-            <a:r>
               <a:rPr lang="ru-RU" sz="2800" dirty="0" smtClean="0"/>
-              <a:t>. Прослойка между классом и DI.</a:t>
+              <a:t>Реальная система</a:t>
             </a:r>
             <a:endParaRPr lang="ru-RU" sz="2800" dirty="0"/>
           </a:p>
@@ -4900,72 +8834,469 @@
       </p:sp>
       <p:sp>
         <p:nvSpPr>
-          <p:cNvPr id="6" name="TextBox 5"/>
-          <p:cNvSpPr txBox="1"/>
+          <p:cNvPr id="8" name="Подзаголовок 2"/>
+          <p:cNvSpPr txBox="1">
+            <a:spLocks/>
+          </p:cNvSpPr>
           <p:nvPr/>
         </p:nvSpPr>
         <p:spPr>
           <a:xfrm>
-            <a:off x="6000760" y="642918"/>
-            <a:ext cx="2928958" cy="584775"/>
+            <a:off x="5714976" y="6148374"/>
+            <a:ext cx="3429024" cy="709626"/>
           </a:xfrm>
           <a:prstGeom prst="rect">
             <a:avLst/>
           </a:prstGeom>
-          <a:noFill/>
-        </p:spPr>
-        <p:txBody>
-          <a:bodyPr wrap="square" rtlCol="0">
-            <a:spAutoFit/>
+        </p:spPr>
+        <p:txBody>
+          <a:bodyPr vert="horz" lIns="91440" tIns="45720" rIns="91440" bIns="45720" rtlCol="0">
+            <a:normAutofit/>
           </a:bodyPr>
           <a:lstStyle/>
           <a:p>
-            <a:r>
-              <a:rPr lang="ru-RU" sz="1600" dirty="0" smtClean="0"/>
-              <a:t>Другой способ установки зависимости.</a:t>
-            </a:r>
-            <a:endParaRPr lang="ru-RU" sz="1600" dirty="0"/>
-          </a:p>
-        </p:txBody>
-      </p:sp>
-      <p:pic>
-        <p:nvPicPr>
-          <p:cNvPr id="9" name="Содержимое 8" descr="3.png"/>
-          <p:cNvPicPr>
-            <a:picLocks noGrp="1" noChangeAspect="1"/>
-          </p:cNvPicPr>
-          <p:nvPr>
-            <p:ph idx="1"/>
-          </p:nvPr>
-        </p:nvPicPr>
-        <p:blipFill>
-          <a:blip r:embed="rId3"/>
-          <a:stretch>
-            <a:fillRect/>
-          </a:stretch>
-        </p:blipFill>
+            <a:pPr marL="342900" marR="0" lvl="0" indent="-342900" algn="l" defTabSz="914400" rtl="0" eaLnBrk="1" fontAlgn="auto" latinLnBrk="0" hangingPunct="1">
+              <a:lnSpc>
+                <a:spcPct val="100000"/>
+              </a:lnSpc>
+              <a:spcBef>
+                <a:spcPct val="20000"/>
+              </a:spcBef>
+              <a:spcAft>
+                <a:spcPts val="0"/>
+              </a:spcAft>
+              <a:buClrTx/>
+              <a:buSzTx/>
+              <a:tabLst/>
+              <a:defRPr/>
+            </a:pPr>
+            <a:r>
+              <a:rPr kumimoji="0" lang="ru-RU" sz="1400" b="0" i="0" u="none" strike="noStrike" kern="1200" cap="none" spc="0" normalizeH="0" baseline="0" noProof="0" dirty="0" smtClean="0">
+                <a:ln>
+                  <a:noFill/>
+                </a:ln>
+                <a:solidFill>
+                  <a:schemeClr val="tx1"/>
+                </a:solidFill>
+                <a:effectLst/>
+                <a:uLnTx/>
+                <a:uFillTx/>
+                <a:latin typeface="+mn-lt"/>
+                <a:ea typeface="+mn-ea"/>
+                <a:cs typeface="+mn-cs"/>
+              </a:rPr>
+              <a:t>Сидоров Александр</a:t>
+            </a:r>
+            <a:r>
+              <a:rPr kumimoji="0" lang="en-US" sz="1400" b="0" i="0" u="none" strike="noStrike" kern="1200" cap="none" spc="0" normalizeH="0" baseline="0" noProof="0" dirty="0" smtClean="0">
+                <a:ln>
+                  <a:noFill/>
+                </a:ln>
+                <a:solidFill>
+                  <a:schemeClr val="tx1"/>
+                </a:solidFill>
+                <a:effectLst/>
+                <a:uLnTx/>
+                <a:uFillTx/>
+                <a:latin typeface="+mn-lt"/>
+                <a:ea typeface="+mn-ea"/>
+                <a:cs typeface="+mn-cs"/>
+              </a:rPr>
+              <a:t>  </a:t>
+            </a:r>
+            <a:r>
+              <a:rPr kumimoji="0" lang="en-US" sz="1400" b="0" i="0" u="none" strike="noStrike" kern="1200" cap="none" spc="0" normalizeH="0" baseline="0" noProof="0" dirty="0" smtClean="0">
+                <a:ln>
+                  <a:noFill/>
+                </a:ln>
+                <a:solidFill>
+                  <a:schemeClr val="tx1"/>
+                </a:solidFill>
+                <a:effectLst/>
+                <a:uLnTx/>
+                <a:uFillTx/>
+                <a:latin typeface="+mn-lt"/>
+                <a:ea typeface="+mn-ea"/>
+                <a:cs typeface="+mn-cs"/>
+                <a:hlinkClick r:id="rId3"/>
+              </a:rPr>
+              <a:t>http://clever-web.net/</a:t>
+            </a:r>
+            <a:endParaRPr kumimoji="0" lang="en-US" sz="1400" b="0" i="0" u="none" strike="noStrike" kern="1200" cap="none" spc="0" normalizeH="0" baseline="0" noProof="0" dirty="0" smtClean="0">
+              <a:ln>
+                <a:noFill/>
+              </a:ln>
+              <a:solidFill>
+                <a:schemeClr val="tx1"/>
+              </a:solidFill>
+              <a:effectLst/>
+              <a:uLnTx/>
+              <a:uFillTx/>
+              <a:latin typeface="+mn-lt"/>
+              <a:ea typeface="+mn-ea"/>
+              <a:cs typeface="+mn-cs"/>
+            </a:endParaRPr>
+          </a:p>
+          <a:p>
+            <a:pPr marL="342900" marR="0" lvl="0" indent="-342900" algn="l" defTabSz="914400" rtl="0" eaLnBrk="1" fontAlgn="auto" latinLnBrk="0" hangingPunct="1">
+              <a:lnSpc>
+                <a:spcPct val="100000"/>
+              </a:lnSpc>
+              <a:spcBef>
+                <a:spcPct val="20000"/>
+              </a:spcBef>
+              <a:spcAft>
+                <a:spcPts val="0"/>
+              </a:spcAft>
+              <a:buClrTx/>
+              <a:buSzTx/>
+              <a:tabLst/>
+              <a:defRPr/>
+            </a:pPr>
+            <a:r>
+              <a:rPr kumimoji="0" lang="en-US" sz="1400" b="0" i="0" u="none" strike="noStrike" kern="1200" cap="none" spc="0" normalizeH="0" baseline="0" noProof="0" dirty="0" smtClean="0">
+                <a:ln>
+                  <a:noFill/>
+                </a:ln>
+                <a:solidFill>
+                  <a:schemeClr val="tx1"/>
+                </a:solidFill>
+                <a:effectLst/>
+                <a:uLnTx/>
+                <a:uFillTx/>
+                <a:latin typeface="+mn-lt"/>
+                <a:ea typeface="+mn-ea"/>
+                <a:cs typeface="+mn-cs"/>
+              </a:rPr>
+              <a:t>https://github.com/asidorov01/rit2012</a:t>
+            </a:r>
+            <a:endParaRPr kumimoji="0" lang="ru-RU" sz="1400" b="0" i="0" u="none" strike="noStrike" kern="1200" cap="none" spc="0" normalizeH="0" baseline="0" noProof="0" dirty="0">
+              <a:ln>
+                <a:noFill/>
+              </a:ln>
+              <a:solidFill>
+                <a:schemeClr val="tx1"/>
+              </a:solidFill>
+              <a:effectLst/>
+              <a:uLnTx/>
+              <a:uFillTx/>
+              <a:latin typeface="+mn-lt"/>
+              <a:ea typeface="+mn-ea"/>
+              <a:cs typeface="+mn-cs"/>
+            </a:endParaRPr>
+          </a:p>
+        </p:txBody>
+      </p:sp>
+      <p:sp>
+        <p:nvSpPr>
+          <p:cNvPr id="12" name="Прямоугольник 11"/>
+          <p:cNvSpPr/>
+          <p:nvPr/>
+        </p:nvSpPr>
         <p:spPr>
           <a:xfrm>
-            <a:off x="291452" y="714356"/>
-            <a:ext cx="4066667" cy="5266667"/>
-          </a:xfrm>
-        </p:spPr>
-      </p:pic>
+            <a:off x="4071934" y="3214686"/>
+            <a:ext cx="1143008" cy="357190"/>
+          </a:xfrm>
+          <a:prstGeom prst="rect">
+            <a:avLst/>
+          </a:prstGeom>
+        </p:spPr>
+        <p:style>
+          <a:lnRef idx="2">
+            <a:schemeClr val="accent1">
+              <a:shade val="50000"/>
+            </a:schemeClr>
+          </a:lnRef>
+          <a:fillRef idx="1">
+            <a:schemeClr val="accent1"/>
+          </a:fillRef>
+          <a:effectRef idx="0">
+            <a:schemeClr val="accent1"/>
+          </a:effectRef>
+          <a:fontRef idx="minor">
+            <a:schemeClr val="lt1"/>
+          </a:fontRef>
+        </p:style>
+        <p:txBody>
+          <a:bodyPr rtlCol="0" anchor="ctr"/>
+          <a:lstStyle/>
+          <a:p>
+            <a:pPr algn="ctr"/>
+            <a:r>
+              <a:rPr lang="en-US" dirty="0" smtClean="0"/>
+              <a:t>User</a:t>
+            </a:r>
+            <a:endParaRPr lang="ru-RU" dirty="0"/>
+          </a:p>
+        </p:txBody>
+      </p:sp>
+      <p:sp>
+        <p:nvSpPr>
+          <p:cNvPr id="13" name="Прямоугольник 12"/>
+          <p:cNvSpPr/>
+          <p:nvPr/>
+        </p:nvSpPr>
+        <p:spPr>
+          <a:xfrm>
+            <a:off x="5929322" y="1285860"/>
+            <a:ext cx="1643074" cy="428628"/>
+          </a:xfrm>
+          <a:prstGeom prst="rect">
+            <a:avLst/>
+          </a:prstGeom>
+          <a:solidFill>
+            <a:schemeClr val="bg2"/>
+          </a:solidFill>
+        </p:spPr>
+        <p:style>
+          <a:lnRef idx="2">
+            <a:schemeClr val="accent1">
+              <a:shade val="50000"/>
+            </a:schemeClr>
+          </a:lnRef>
+          <a:fillRef idx="1">
+            <a:schemeClr val="accent1"/>
+          </a:fillRef>
+          <a:effectRef idx="0">
+            <a:schemeClr val="accent1"/>
+          </a:effectRef>
+          <a:fontRef idx="minor">
+            <a:schemeClr val="lt1"/>
+          </a:fontRef>
+        </p:style>
+        <p:txBody>
+          <a:bodyPr rtlCol="0" anchor="ctr"/>
+          <a:lstStyle/>
+          <a:p>
+            <a:pPr algn="ctr"/>
+            <a:r>
+              <a:rPr lang="en-US" dirty="0" smtClean="0">
+                <a:solidFill>
+                  <a:schemeClr val="tx2"/>
+                </a:solidFill>
+              </a:rPr>
+              <a:t>Storage</a:t>
+            </a:r>
+            <a:endParaRPr lang="ru-RU" dirty="0">
+              <a:solidFill>
+                <a:schemeClr val="tx2"/>
+              </a:solidFill>
+            </a:endParaRPr>
+          </a:p>
+        </p:txBody>
+      </p:sp>
       <p:cxnSp>
         <p:nvCxnSpPr>
-          <p:cNvPr id="7" name="Прямая со стрелкой 6"/>
-          <p:cNvCxnSpPr/>
+          <p:cNvPr id="14" name="Прямая со стрелкой 13"/>
+          <p:cNvCxnSpPr>
+            <a:endCxn id="12" idx="0"/>
+          </p:cNvCxnSpPr>
           <p:nvPr/>
         </p:nvCxnSpPr>
         <p:spPr>
           <a:xfrm rot="5400000">
-            <a:off x="2214546" y="1142984"/>
-            <a:ext cx="3857652" cy="3714776"/>
+            <a:off x="4286248" y="2857496"/>
+            <a:ext cx="714380" cy="1588"/>
           </a:xfrm>
           <a:prstGeom prst="straightConnector1">
             <a:avLst/>
           </a:prstGeom>
           <a:ln>
+            <a:headEnd type="arrow"/>
+            <a:tailEnd type="arrow"/>
+          </a:ln>
+        </p:spPr>
+        <p:style>
+          <a:lnRef idx="1">
+            <a:schemeClr val="accent1"/>
+          </a:lnRef>
+          <a:fillRef idx="0">
+            <a:schemeClr val="accent1"/>
+          </a:fillRef>
+          <a:effectRef idx="0">
+            <a:schemeClr val="accent1"/>
+          </a:effectRef>
+          <a:fontRef idx="minor">
+            <a:schemeClr val="tx1"/>
+          </a:fontRef>
+        </p:style>
+      </p:cxnSp>
+      <p:sp>
+        <p:nvSpPr>
+          <p:cNvPr id="17" name="Прямоугольник 16"/>
+          <p:cNvSpPr/>
+          <p:nvPr/>
+        </p:nvSpPr>
+        <p:spPr>
+          <a:xfrm>
+            <a:off x="3428992" y="2143116"/>
+            <a:ext cx="2000264" cy="357190"/>
+          </a:xfrm>
+          <a:prstGeom prst="rect">
+            <a:avLst/>
+          </a:prstGeom>
+          <a:solidFill>
+            <a:schemeClr val="accent3"/>
+          </a:solidFill>
+        </p:spPr>
+        <p:style>
+          <a:lnRef idx="2">
+            <a:schemeClr val="accent1">
+              <a:shade val="50000"/>
+            </a:schemeClr>
+          </a:lnRef>
+          <a:fillRef idx="1">
+            <a:schemeClr val="accent1"/>
+          </a:fillRef>
+          <a:effectRef idx="0">
+            <a:schemeClr val="accent1"/>
+          </a:effectRef>
+          <a:fontRef idx="minor">
+            <a:schemeClr val="lt1"/>
+          </a:fontRef>
+        </p:style>
+        <p:txBody>
+          <a:bodyPr rtlCol="0" anchor="ctr"/>
+          <a:lstStyle/>
+          <a:p>
+            <a:pPr algn="ctr"/>
+            <a:r>
+              <a:rPr lang="en-US" dirty="0" smtClean="0"/>
+              <a:t>DI Container</a:t>
+            </a:r>
+          </a:p>
+        </p:txBody>
+      </p:sp>
+      <p:sp>
+        <p:nvSpPr>
+          <p:cNvPr id="25" name="Прямоугольник 24"/>
+          <p:cNvSpPr/>
+          <p:nvPr/>
+        </p:nvSpPr>
+        <p:spPr>
+          <a:xfrm>
+            <a:off x="3690808" y="1132351"/>
+            <a:ext cx="1643074" cy="428628"/>
+          </a:xfrm>
+          <a:prstGeom prst="rect">
+            <a:avLst/>
+          </a:prstGeom>
+          <a:solidFill>
+            <a:schemeClr val="bg2"/>
+          </a:solidFill>
+        </p:spPr>
+        <p:style>
+          <a:lnRef idx="2">
+            <a:schemeClr val="accent1">
+              <a:shade val="50000"/>
+            </a:schemeClr>
+          </a:lnRef>
+          <a:fillRef idx="1">
+            <a:schemeClr val="accent1"/>
+          </a:fillRef>
+          <a:effectRef idx="0">
+            <a:schemeClr val="accent1"/>
+          </a:effectRef>
+          <a:fontRef idx="minor">
+            <a:schemeClr val="lt1"/>
+          </a:fontRef>
+        </p:style>
+        <p:txBody>
+          <a:bodyPr rtlCol="0" anchor="ctr"/>
+          <a:lstStyle/>
+          <a:p>
+            <a:pPr algn="ctr"/>
+            <a:r>
+              <a:rPr lang="en-US" dirty="0" smtClean="0">
+                <a:solidFill>
+                  <a:schemeClr val="tx2"/>
+                </a:solidFill>
+              </a:rPr>
+              <a:t>Request</a:t>
+            </a:r>
+            <a:endParaRPr lang="ru-RU" dirty="0">
+              <a:solidFill>
+                <a:schemeClr val="tx2"/>
+              </a:solidFill>
+            </a:endParaRPr>
+          </a:p>
+        </p:txBody>
+      </p:sp>
+      <p:sp>
+        <p:nvSpPr>
+          <p:cNvPr id="26" name="Прямоугольник 25"/>
+          <p:cNvSpPr/>
+          <p:nvPr/>
+        </p:nvSpPr>
+        <p:spPr>
+          <a:xfrm>
+            <a:off x="1714480" y="1142984"/>
+            <a:ext cx="1643074" cy="428628"/>
+          </a:xfrm>
+          <a:prstGeom prst="rect">
+            <a:avLst/>
+          </a:prstGeom>
+          <a:solidFill>
+            <a:schemeClr val="bg2"/>
+          </a:solidFill>
+        </p:spPr>
+        <p:style>
+          <a:lnRef idx="2">
+            <a:schemeClr val="accent1">
+              <a:shade val="50000"/>
+            </a:schemeClr>
+          </a:lnRef>
+          <a:fillRef idx="1">
+            <a:schemeClr val="accent1"/>
+          </a:fillRef>
+          <a:effectRef idx="0">
+            <a:schemeClr val="accent1"/>
+          </a:effectRef>
+          <a:fontRef idx="minor">
+            <a:schemeClr val="lt1"/>
+          </a:fontRef>
+        </p:style>
+        <p:txBody>
+          <a:bodyPr rtlCol="0" anchor="ctr"/>
+          <a:lstStyle/>
+          <a:p>
+            <a:pPr algn="ctr"/>
+            <a:r>
+              <a:rPr lang="en-US" dirty="0" smtClean="0">
+                <a:solidFill>
+                  <a:schemeClr val="tx2"/>
+                </a:solidFill>
+              </a:rPr>
+              <a:t>DBAL</a:t>
+            </a:r>
+            <a:endParaRPr lang="ru-RU" dirty="0">
+              <a:solidFill>
+                <a:schemeClr val="tx2"/>
+              </a:solidFill>
+            </a:endParaRPr>
+          </a:p>
+        </p:txBody>
+      </p:sp>
+      <p:cxnSp>
+        <p:nvCxnSpPr>
+          <p:cNvPr id="31" name="Прямая со стрелкой 30"/>
+          <p:cNvCxnSpPr>
+            <a:stCxn id="13" idx="2"/>
+            <a:endCxn id="17" idx="3"/>
+          </p:cNvCxnSpPr>
+          <p:nvPr/>
+        </p:nvCxnSpPr>
+        <p:spPr>
+          <a:xfrm rot="5400000">
+            <a:off x="5786447" y="1357298"/>
+            <a:ext cx="607223" cy="1321603"/>
+          </a:xfrm>
+          <a:prstGeom prst="straightConnector1">
+            <a:avLst/>
+          </a:prstGeom>
+          <a:ln>
+            <a:headEnd type="arrow"/>
             <a:tailEnd type="arrow"/>
           </a:ln>
         </p:spPr>
@@ -4986,19 +9317,23 @@
       </p:cxnSp>
       <p:cxnSp>
         <p:nvCxnSpPr>
-          <p:cNvPr id="10" name="Прямая со стрелкой 9"/>
-          <p:cNvCxnSpPr/>
+          <p:cNvPr id="32" name="Прямая со стрелкой 31"/>
+          <p:cNvCxnSpPr>
+            <a:stCxn id="25" idx="2"/>
+            <a:endCxn id="17" idx="0"/>
+          </p:cNvCxnSpPr>
           <p:nvPr/>
         </p:nvCxnSpPr>
         <p:spPr>
-          <a:xfrm rot="10800000" flipV="1">
-            <a:off x="3428992" y="1000108"/>
-            <a:ext cx="2428892" cy="928694"/>
+          <a:xfrm rot="5400000">
+            <a:off x="4179667" y="1810437"/>
+            <a:ext cx="582137" cy="83221"/>
           </a:xfrm>
           <a:prstGeom prst="straightConnector1">
             <a:avLst/>
           </a:prstGeom>
           <a:ln>
+            <a:headEnd type="arrow"/>
             <a:tailEnd type="arrow"/>
           </a:ln>
         </p:spPr>
@@ -5017,6 +9352,129 @@
           </a:fontRef>
         </p:style>
       </p:cxnSp>
+      <p:cxnSp>
+        <p:nvCxnSpPr>
+          <p:cNvPr id="35" name="Прямая со стрелкой 34"/>
+          <p:cNvCxnSpPr>
+            <a:stCxn id="26" idx="2"/>
+            <a:endCxn id="17" idx="1"/>
+          </p:cNvCxnSpPr>
+          <p:nvPr/>
+        </p:nvCxnSpPr>
+        <p:spPr>
+          <a:xfrm rot="16200000" flipH="1">
+            <a:off x="2607455" y="1500173"/>
+            <a:ext cx="750099" cy="892975"/>
+          </a:xfrm>
+          <a:prstGeom prst="straightConnector1">
+            <a:avLst/>
+          </a:prstGeom>
+          <a:ln>
+            <a:headEnd type="arrow"/>
+            <a:tailEnd type="arrow"/>
+          </a:ln>
+        </p:spPr>
+        <p:style>
+          <a:lnRef idx="1">
+            <a:schemeClr val="accent1"/>
+          </a:lnRef>
+          <a:fillRef idx="0">
+            <a:schemeClr val="accent1"/>
+          </a:fillRef>
+          <a:effectRef idx="0">
+            <a:schemeClr val="accent1"/>
+          </a:effectRef>
+          <a:fontRef idx="minor">
+            <a:schemeClr val="tx1"/>
+          </a:fontRef>
+        </p:style>
+      </p:cxnSp>
+      <p:sp>
+        <p:nvSpPr>
+          <p:cNvPr id="29" name="TextBox 28"/>
+          <p:cNvSpPr txBox="1"/>
+          <p:nvPr/>
+        </p:nvSpPr>
+        <p:spPr>
+          <a:xfrm>
+            <a:off x="571472" y="4143380"/>
+            <a:ext cx="8215370" cy="914400"/>
+          </a:xfrm>
+          <a:prstGeom prst="rect">
+            <a:avLst/>
+          </a:prstGeom>
+        </p:spPr>
+        <p:txBody>
+          <a:bodyPr vert="horz" wrap="none" lIns="91440" tIns="45720" rIns="91440" bIns="45720" rtlCol="0">
+            <a:normAutofit/>
+          </a:bodyPr>
+          <a:lstStyle/>
+          <a:p>
+            <a:pPr marL="342900" marR="0" indent="-342900" algn="l" defTabSz="914400" rtl="0" eaLnBrk="1" fontAlgn="auto" latinLnBrk="0" hangingPunct="1">
+              <a:lnSpc>
+                <a:spcPct val="100000"/>
+              </a:lnSpc>
+              <a:spcBef>
+                <a:spcPct val="20000"/>
+              </a:spcBef>
+              <a:spcAft>
+                <a:spcPts val="0"/>
+              </a:spcAft>
+              <a:buClrTx/>
+              <a:buSzTx/>
+              <a:tabLst/>
+            </a:pPr>
+            <a:r>
+              <a:rPr kumimoji="0" lang="ru-RU" sz="2000" b="0" i="0" u="none" strike="noStrike" kern="1200" cap="none" spc="0" normalizeH="0" baseline="0" noProof="0" dirty="0" smtClean="0">
+                <a:ln>
+                  <a:noFill/>
+                </a:ln>
+                <a:solidFill>
+                  <a:schemeClr val="tx1"/>
+                </a:solidFill>
+                <a:effectLst/>
+                <a:uLnTx/>
+                <a:uFillTx/>
+                <a:latin typeface="+mn-lt"/>
+                <a:ea typeface="+mn-ea"/>
+                <a:cs typeface="+mn-cs"/>
+              </a:rPr>
+              <a:t>В реальной системе всегда множество</a:t>
+            </a:r>
+            <a:r>
+              <a:rPr kumimoji="0" lang="ru-RU" sz="2000" b="0" i="0" u="none" strike="noStrike" kern="1200" cap="none" spc="0" normalizeH="0" noProof="0" dirty="0" smtClean="0">
+                <a:ln>
+                  <a:noFill/>
+                </a:ln>
+                <a:solidFill>
+                  <a:schemeClr val="tx1"/>
+                </a:solidFill>
+                <a:effectLst/>
+                <a:uLnTx/>
+                <a:uFillTx/>
+                <a:latin typeface="+mn-lt"/>
+                <a:ea typeface="+mn-ea"/>
+                <a:cs typeface="+mn-cs"/>
+              </a:rPr>
+              <a:t> сервисов, необходимых сущности.</a:t>
+            </a:r>
+            <a:endParaRPr kumimoji="0" lang="ru-RU" sz="2000" b="0" i="0" u="none" strike="noStrike" kern="1200" cap="none" spc="0" normalizeH="0" baseline="0" noProof="0" dirty="0" smtClean="0">
+              <a:ln>
+                <a:noFill/>
+              </a:ln>
+              <a:solidFill>
+                <a:schemeClr val="tx1"/>
+              </a:solidFill>
+              <a:effectLst/>
+              <a:uLnTx/>
+              <a:uFillTx/>
+              <a:latin typeface="+mn-lt"/>
+              <a:ea typeface="+mn-ea"/>
+              <a:cs typeface="+mn-cs"/>
+            </a:endParaRPr>
+          </a:p>
+        </p:txBody>
+      </p:sp>
     </p:spTree>
   </p:cSld>
   <p:clrMapOvr>
@@ -5303,7 +9761,44 @@
       </a:bgFillStyleLst>
     </a:fmtScheme>
   </a:themeElements>
-  <a:objectDefaults/>
+  <a:objectDefaults>
+    <a:txDef>
+      <a:spPr/>
+      <a:bodyPr vert="horz" lIns="91440" tIns="45720" rIns="91440" bIns="45720" rtlCol="0">
+        <a:normAutofit/>
+      </a:bodyPr>
+      <a:lstStyle>
+        <a:defPPr marL="342900" marR="0" indent="-342900" algn="l" defTabSz="914400" rtl="0" eaLnBrk="1" fontAlgn="auto" latinLnBrk="0" hangingPunct="1">
+          <a:lnSpc>
+            <a:spcPct val="100000"/>
+          </a:lnSpc>
+          <a:spcBef>
+            <a:spcPct val="20000"/>
+          </a:spcBef>
+          <a:spcAft>
+            <a:spcPts val="0"/>
+          </a:spcAft>
+          <a:buClrTx/>
+          <a:buSzTx/>
+          <a:tabLst/>
+          <a:defRPr kumimoji="0" sz="1400" b="0" i="0" u="none" strike="noStrike" kern="1200" cap="none" spc="0" normalizeH="0" baseline="0" noProof="0" dirty="0" smtClean="0">
+            <a:ln>
+              <a:noFill/>
+            </a:ln>
+            <a:solidFill>
+              <a:schemeClr val="tx1"/>
+            </a:solidFill>
+            <a:effectLst/>
+            <a:uLnTx/>
+            <a:uFillTx/>
+            <a:latin typeface="+mn-lt"/>
+            <a:ea typeface="+mn-ea"/>
+            <a:cs typeface="+mn-cs"/>
+          </a:defRPr>
+        </a:defPPr>
+      </a:lstStyle>
+    </a:txDef>
+  </a:objectDefaults>
   <a:extraClrSchemeLst/>
 </a:theme>
 </file>
